--- a/OData Agenda.pptx
+++ b/OData Agenda.pptx
@@ -232,7 +232,7 @@
             <a:fld id="{7AB488F7-1FAC-40D2-BB7E-BA3CE28D8950}" type="datetimeFigureOut">
               <a:rPr lang="en-US" smtClean="0"/>
               <a:pPr/>
-              <a:t>9/23/2021</a:t>
+              <a:t>9/24/2021</a:t>
             </a:fld>
             <a:endParaRPr lang="en-US"/>
           </a:p>
@@ -921,7 +921,7 @@
           <p:cNvPr id="5" name="Picture Placeholder 4">
             <a:extLst>
               <a:ext uri="{FF2B5EF4-FFF2-40B4-BE49-F238E27FC236}">
-                <a16:creationId xmlns:a16="http://schemas.microsoft.com/office/drawing/2014/main" xmlns="" id="{8CBA70B9-7619-4B6B-9D48-09FF42954060}"/>
+                <a16:creationId xmlns="" xmlns:a16="http://schemas.microsoft.com/office/drawing/2014/main" id="{8CBA70B9-7619-4B6B-9D48-09FF42954060}"/>
               </a:ext>
             </a:extLst>
           </p:cNvPr>
@@ -987,7 +987,7 @@
           <p:cNvPr id="5" name="Picture Placeholder 4">
             <a:extLst>
               <a:ext uri="{FF2B5EF4-FFF2-40B4-BE49-F238E27FC236}">
-                <a16:creationId xmlns:a16="http://schemas.microsoft.com/office/drawing/2014/main" xmlns="" id="{8CBA70B9-7619-4B6B-9D48-09FF42954060}"/>
+                <a16:creationId xmlns="" xmlns:a16="http://schemas.microsoft.com/office/drawing/2014/main" id="{8CBA70B9-7619-4B6B-9D48-09FF42954060}"/>
               </a:ext>
             </a:extLst>
           </p:cNvPr>
@@ -1023,7 +1023,7 @@
           <p:cNvPr id="3" name="Picture Placeholder 19">
             <a:extLst>
               <a:ext uri="{FF2B5EF4-FFF2-40B4-BE49-F238E27FC236}">
-                <a16:creationId xmlns:a16="http://schemas.microsoft.com/office/drawing/2014/main" xmlns="" id="{388E23CC-7388-46C2-BCD5-F9234548CFD1}"/>
+                <a16:creationId xmlns="" xmlns:a16="http://schemas.microsoft.com/office/drawing/2014/main" id="{388E23CC-7388-46C2-BCD5-F9234548CFD1}"/>
               </a:ext>
             </a:extLst>
           </p:cNvPr>
@@ -1156,7 +1156,7 @@
           <p:cNvPr id="5" name="Picture Placeholder 4">
             <a:extLst>
               <a:ext uri="{FF2B5EF4-FFF2-40B4-BE49-F238E27FC236}">
-                <a16:creationId xmlns:a16="http://schemas.microsoft.com/office/drawing/2014/main" xmlns="" id="{8CBA70B9-7619-4B6B-9D48-09FF42954060}"/>
+                <a16:creationId xmlns="" xmlns:a16="http://schemas.microsoft.com/office/drawing/2014/main" id="{8CBA70B9-7619-4B6B-9D48-09FF42954060}"/>
               </a:ext>
             </a:extLst>
           </p:cNvPr>
@@ -1192,7 +1192,7 @@
           <p:cNvPr id="13" name="Picture Placeholder 12">
             <a:extLst>
               <a:ext uri="{FF2B5EF4-FFF2-40B4-BE49-F238E27FC236}">
-                <a16:creationId xmlns:a16="http://schemas.microsoft.com/office/drawing/2014/main" xmlns="" id="{D11BC8FA-8E3C-4B7E-B585-446554DD66B9}"/>
+                <a16:creationId xmlns="" xmlns:a16="http://schemas.microsoft.com/office/drawing/2014/main" id="{D11BC8FA-8E3C-4B7E-B585-446554DD66B9}"/>
               </a:ext>
             </a:extLst>
           </p:cNvPr>
@@ -1299,7 +1299,7 @@
           <p:cNvPr id="15" name="Picture Placeholder 14">
             <a:extLst>
               <a:ext uri="{FF2B5EF4-FFF2-40B4-BE49-F238E27FC236}">
-                <a16:creationId xmlns:a16="http://schemas.microsoft.com/office/drawing/2014/main" xmlns="" id="{8D503877-37B9-4FEE-A578-F1F19F5FFBF2}"/>
+                <a16:creationId xmlns="" xmlns:a16="http://schemas.microsoft.com/office/drawing/2014/main" id="{8D503877-37B9-4FEE-A578-F1F19F5FFBF2}"/>
               </a:ext>
             </a:extLst>
           </p:cNvPr>
@@ -1406,7 +1406,7 @@
           <p:cNvPr id="16" name="Picture Placeholder 15">
             <a:extLst>
               <a:ext uri="{FF2B5EF4-FFF2-40B4-BE49-F238E27FC236}">
-                <a16:creationId xmlns:a16="http://schemas.microsoft.com/office/drawing/2014/main" xmlns="" id="{0BC6429F-1169-4151-AF93-D3D79E1EA866}"/>
+                <a16:creationId xmlns="" xmlns:a16="http://schemas.microsoft.com/office/drawing/2014/main" id="{0BC6429F-1169-4151-AF93-D3D79E1EA866}"/>
               </a:ext>
             </a:extLst>
           </p:cNvPr>
@@ -1543,7 +1543,7 @@
           <p:cNvPr id="5" name="Picture Placeholder 4">
             <a:extLst>
               <a:ext uri="{FF2B5EF4-FFF2-40B4-BE49-F238E27FC236}">
-                <a16:creationId xmlns:a16="http://schemas.microsoft.com/office/drawing/2014/main" xmlns="" id="{8CBA70B9-7619-4B6B-9D48-09FF42954060}"/>
+                <a16:creationId xmlns="" xmlns:a16="http://schemas.microsoft.com/office/drawing/2014/main" id="{8CBA70B9-7619-4B6B-9D48-09FF42954060}"/>
               </a:ext>
             </a:extLst>
           </p:cNvPr>
@@ -1579,7 +1579,7 @@
           <p:cNvPr id="14" name="Picture Placeholder 13">
             <a:extLst>
               <a:ext uri="{FF2B5EF4-FFF2-40B4-BE49-F238E27FC236}">
-                <a16:creationId xmlns:a16="http://schemas.microsoft.com/office/drawing/2014/main" xmlns="" id="{A4EE4B8D-C6C1-45A1-B2AF-93F9EF8B44C6}"/>
+                <a16:creationId xmlns="" xmlns:a16="http://schemas.microsoft.com/office/drawing/2014/main" id="{A4EE4B8D-C6C1-45A1-B2AF-93F9EF8B44C6}"/>
               </a:ext>
             </a:extLst>
           </p:cNvPr>
@@ -1702,7 +1702,7 @@
           <p:cNvPr id="17" name="Picture Placeholder 16">
             <a:extLst>
               <a:ext uri="{FF2B5EF4-FFF2-40B4-BE49-F238E27FC236}">
-                <a16:creationId xmlns:a16="http://schemas.microsoft.com/office/drawing/2014/main" xmlns="" id="{FCDFD8C4-7251-4A4D-A596-438482E5EEB1}"/>
+                <a16:creationId xmlns="" xmlns:a16="http://schemas.microsoft.com/office/drawing/2014/main" id="{FCDFD8C4-7251-4A4D-A596-438482E5EEB1}"/>
               </a:ext>
             </a:extLst>
           </p:cNvPr>
@@ -1825,7 +1825,7 @@
           <p:cNvPr id="18" name="Picture Placeholder 17">
             <a:extLst>
               <a:ext uri="{FF2B5EF4-FFF2-40B4-BE49-F238E27FC236}">
-                <a16:creationId xmlns:a16="http://schemas.microsoft.com/office/drawing/2014/main" xmlns="" id="{DC9D97AB-1975-48B3-9332-4DA67BC72DD1}"/>
+                <a16:creationId xmlns="" xmlns:a16="http://schemas.microsoft.com/office/drawing/2014/main" id="{DC9D97AB-1975-48B3-9332-4DA67BC72DD1}"/>
               </a:ext>
             </a:extLst>
           </p:cNvPr>
@@ -1978,7 +1978,7 @@
           <p:cNvPr id="8" name="Picture Placeholder 2">
             <a:extLst>
               <a:ext uri="{FF2B5EF4-FFF2-40B4-BE49-F238E27FC236}">
-                <a16:creationId xmlns:a16="http://schemas.microsoft.com/office/drawing/2014/main" xmlns="" id="{F16661F6-5A56-4EB6-8C96-52A1FAE6B615}"/>
+                <a16:creationId xmlns="" xmlns:a16="http://schemas.microsoft.com/office/drawing/2014/main" id="{F16661F6-5A56-4EB6-8C96-52A1FAE6B615}"/>
               </a:ext>
             </a:extLst>
           </p:cNvPr>
@@ -3047,7 +3047,7 @@
           <p:cNvPr id="2" name="Picture Placeholder 8">
             <a:extLst>
               <a:ext uri="{FF2B5EF4-FFF2-40B4-BE49-F238E27FC236}">
-                <a16:creationId xmlns:a16="http://schemas.microsoft.com/office/drawing/2014/main" xmlns="" id="{D9DD6903-31DD-5348-931E-827644FF87FE}"/>
+                <a16:creationId xmlns="" xmlns:a16="http://schemas.microsoft.com/office/drawing/2014/main" id="{D9DD6903-31DD-5348-931E-827644FF87FE}"/>
               </a:ext>
             </a:extLst>
           </p:cNvPr>
@@ -3374,7 +3374,7 @@
           <p:cNvPr id="13" name="Rectangle 9">
             <a:extLst>
               <a:ext uri="{FF2B5EF4-FFF2-40B4-BE49-F238E27FC236}">
-                <a16:creationId xmlns:a16="http://schemas.microsoft.com/office/drawing/2014/main" xmlns="" id="{9E444B58-9435-4FC2-AFC1-1719DC22DD4A}"/>
+                <a16:creationId xmlns="" xmlns:a16="http://schemas.microsoft.com/office/drawing/2014/main" id="{9E444B58-9435-4FC2-AFC1-1719DC22DD4A}"/>
               </a:ext>
             </a:extLst>
           </p:cNvPr>
@@ -3741,7 +3741,7 @@
           <p:cNvPr id="16" name="Picture Placeholder 15">
             <a:extLst>
               <a:ext uri="{FF2B5EF4-FFF2-40B4-BE49-F238E27FC236}">
-                <a16:creationId xmlns:a16="http://schemas.microsoft.com/office/drawing/2014/main" xmlns="" id="{114D41D0-DB88-4BF0-B050-A01376305B20}"/>
+                <a16:creationId xmlns="" xmlns:a16="http://schemas.microsoft.com/office/drawing/2014/main" id="{114D41D0-DB88-4BF0-B050-A01376305B20}"/>
               </a:ext>
             </a:extLst>
           </p:cNvPr>
@@ -3883,7 +3883,7 @@
           <p:cNvPr id="13" name="Rectangle 9">
             <a:extLst>
               <a:ext uri="{FF2B5EF4-FFF2-40B4-BE49-F238E27FC236}">
-                <a16:creationId xmlns:a16="http://schemas.microsoft.com/office/drawing/2014/main" xmlns="" id="{9E444B58-9435-4FC2-AFC1-1719DC22DD4A}"/>
+                <a16:creationId xmlns="" xmlns:a16="http://schemas.microsoft.com/office/drawing/2014/main" id="{9E444B58-9435-4FC2-AFC1-1719DC22DD4A}"/>
               </a:ext>
             </a:extLst>
           </p:cNvPr>
@@ -4228,7 +4228,7 @@
             <a:fld id="{425404F2-BE9A-4460-8815-8F645183555F}" type="datetimeFigureOut">
               <a:rPr lang="en-US" smtClean="0"/>
               <a:pPr/>
-              <a:t>9/23/2021</a:t>
+              <a:t>9/24/2021</a:t>
             </a:fld>
             <a:endParaRPr lang="en-US"/>
           </a:p>
@@ -4282,7 +4282,7 @@
           <p:cNvPr id="11" name="Picture Placeholder 10">
             <a:extLst>
               <a:ext uri="{FF2B5EF4-FFF2-40B4-BE49-F238E27FC236}">
-                <a16:creationId xmlns:a16="http://schemas.microsoft.com/office/drawing/2014/main" xmlns="" id="{F22557AA-DA64-44AB-B366-365BC7CD1593}"/>
+                <a16:creationId xmlns="" xmlns:a16="http://schemas.microsoft.com/office/drawing/2014/main" id="{F22557AA-DA64-44AB-B366-365BC7CD1593}"/>
               </a:ext>
             </a:extLst>
           </p:cNvPr>
@@ -5062,7 +5062,7 @@
           <p:cNvPr id="12" name="Freeform: Shape 11">
             <a:extLst>
               <a:ext uri="{FF2B5EF4-FFF2-40B4-BE49-F238E27FC236}">
-                <a16:creationId xmlns:a16="http://schemas.microsoft.com/office/drawing/2014/main" xmlns="" id="{0DF2A531-B3D6-4EA3-BDB1-DA15E7293BB9}"/>
+                <a16:creationId xmlns="" xmlns:a16="http://schemas.microsoft.com/office/drawing/2014/main" id="{0DF2A531-B3D6-4EA3-BDB1-DA15E7293BB9}"/>
               </a:ext>
             </a:extLst>
           </p:cNvPr>
@@ -5195,7 +5195,7 @@
           <p:cNvPr id="13" name="Freeform: Shape 12">
             <a:extLst>
               <a:ext uri="{FF2B5EF4-FFF2-40B4-BE49-F238E27FC236}">
-                <a16:creationId xmlns:a16="http://schemas.microsoft.com/office/drawing/2014/main" xmlns="" id="{D497231C-9762-4A12-BEC4-4AD7D6DE149D}"/>
+                <a16:creationId xmlns="" xmlns:a16="http://schemas.microsoft.com/office/drawing/2014/main" id="{D497231C-9762-4A12-BEC4-4AD7D6DE149D}"/>
               </a:ext>
             </a:extLst>
           </p:cNvPr>
@@ -5322,7 +5322,7 @@
           <p:cNvPr id="14" name="Straight Connector 13">
             <a:extLst>
               <a:ext uri="{FF2B5EF4-FFF2-40B4-BE49-F238E27FC236}">
-                <a16:creationId xmlns:a16="http://schemas.microsoft.com/office/drawing/2014/main" xmlns="" id="{194E0303-30C9-4D08-AC28-8BCE877866B9}"/>
+                <a16:creationId xmlns="" xmlns:a16="http://schemas.microsoft.com/office/drawing/2014/main" id="{194E0303-30C9-4D08-AC28-8BCE877866B9}"/>
               </a:ext>
             </a:extLst>
           </p:cNvPr>
@@ -5442,7 +5442,7 @@
           <p:cNvPr id="11" name="Group 10">
             <a:extLst>
               <a:ext uri="{FF2B5EF4-FFF2-40B4-BE49-F238E27FC236}">
-                <a16:creationId xmlns:a16="http://schemas.microsoft.com/office/drawing/2014/main" xmlns="" id="{8BE44616-44F6-4451-8A07-B3C7088A052B}"/>
+                <a16:creationId xmlns="" xmlns:a16="http://schemas.microsoft.com/office/drawing/2014/main" id="{8BE44616-44F6-4451-8A07-B3C7088A052B}"/>
               </a:ext>
             </a:extLst>
           </p:cNvPr>
@@ -5462,7 +5462,7 @@
             <p:cNvPr id="6" name="Oval 5">
               <a:extLst>
                 <a:ext uri="{FF2B5EF4-FFF2-40B4-BE49-F238E27FC236}">
-                  <a16:creationId xmlns:a16="http://schemas.microsoft.com/office/drawing/2014/main" xmlns="" id="{AE87FC1A-FD83-4F38-B6A7-7F1EE537344A}"/>
+                  <a16:creationId xmlns="" xmlns:a16="http://schemas.microsoft.com/office/drawing/2014/main" id="{AE87FC1A-FD83-4F38-B6A7-7F1EE537344A}"/>
                 </a:ext>
               </a:extLst>
             </p:cNvPr>
@@ -5514,7 +5514,7 @@
             <p:cNvPr id="8" name="Oval 7">
               <a:extLst>
                 <a:ext uri="{FF2B5EF4-FFF2-40B4-BE49-F238E27FC236}">
-                  <a16:creationId xmlns:a16="http://schemas.microsoft.com/office/drawing/2014/main" xmlns="" id="{3ED916CA-2918-47D8-963E-CFBEF553243E}"/>
+                  <a16:creationId xmlns="" xmlns:a16="http://schemas.microsoft.com/office/drawing/2014/main" id="{3ED916CA-2918-47D8-963E-CFBEF553243E}"/>
                 </a:ext>
               </a:extLst>
             </p:cNvPr>
@@ -5566,7 +5566,7 @@
             <p:cNvPr id="9" name="Oval 8">
               <a:extLst>
                 <a:ext uri="{FF2B5EF4-FFF2-40B4-BE49-F238E27FC236}">
-                  <a16:creationId xmlns:a16="http://schemas.microsoft.com/office/drawing/2014/main" xmlns="" id="{5063945D-6F54-44A1-9725-E7BD2467D8BE}"/>
+                  <a16:creationId xmlns="" xmlns:a16="http://schemas.microsoft.com/office/drawing/2014/main" id="{5063945D-6F54-44A1-9725-E7BD2467D8BE}"/>
                 </a:ext>
               </a:extLst>
             </p:cNvPr>
@@ -5618,7 +5618,7 @@
             <p:cNvPr id="10" name="Oval 9">
               <a:extLst>
                 <a:ext uri="{FF2B5EF4-FFF2-40B4-BE49-F238E27FC236}">
-                  <a16:creationId xmlns:a16="http://schemas.microsoft.com/office/drawing/2014/main" xmlns="" id="{1B708E8F-5207-4E94-BA4D-EA9207FEBAA7}"/>
+                  <a16:creationId xmlns="" xmlns:a16="http://schemas.microsoft.com/office/drawing/2014/main" id="{1B708E8F-5207-4E94-BA4D-EA9207FEBAA7}"/>
                 </a:ext>
               </a:extLst>
             </p:cNvPr>
@@ -5701,7 +5701,7 @@
           <p:cNvPr id="15" name="Freeform: Shape 14">
             <a:extLst>
               <a:ext uri="{FF2B5EF4-FFF2-40B4-BE49-F238E27FC236}">
-                <a16:creationId xmlns:a16="http://schemas.microsoft.com/office/drawing/2014/main" xmlns="" id="{7EB80458-0E8D-4F91-B535-C4776968CF1A}"/>
+                <a16:creationId xmlns="" xmlns:a16="http://schemas.microsoft.com/office/drawing/2014/main" id="{7EB80458-0E8D-4F91-B535-C4776968CF1A}"/>
               </a:ext>
             </a:extLst>
           </p:cNvPr>
@@ -5834,7 +5834,7 @@
           <p:cNvPr id="16" name="Freeform: Shape 15">
             <a:extLst>
               <a:ext uri="{FF2B5EF4-FFF2-40B4-BE49-F238E27FC236}">
-                <a16:creationId xmlns:a16="http://schemas.microsoft.com/office/drawing/2014/main" xmlns="" id="{C49CFF18-3451-4B0E-9DAB-B2807D961421}"/>
+                <a16:creationId xmlns="" xmlns:a16="http://schemas.microsoft.com/office/drawing/2014/main" id="{C49CFF18-3451-4B0E-9DAB-B2807D961421}"/>
               </a:ext>
             </a:extLst>
           </p:cNvPr>
@@ -5961,7 +5961,7 @@
           <p:cNvPr id="14" name="Straight Connector 13">
             <a:extLst>
               <a:ext uri="{FF2B5EF4-FFF2-40B4-BE49-F238E27FC236}">
-                <a16:creationId xmlns:a16="http://schemas.microsoft.com/office/drawing/2014/main" xmlns="" id="{D1C53842-5688-4E4C-AEE3-FB57964067BB}"/>
+                <a16:creationId xmlns="" xmlns:a16="http://schemas.microsoft.com/office/drawing/2014/main" id="{D1C53842-5688-4E4C-AEE3-FB57964067BB}"/>
               </a:ext>
             </a:extLst>
           </p:cNvPr>
@@ -6038,7 +6038,7 @@
           <p:cNvPr id="11" name="Group 10">
             <a:extLst>
               <a:ext uri="{FF2B5EF4-FFF2-40B4-BE49-F238E27FC236}">
-                <a16:creationId xmlns:a16="http://schemas.microsoft.com/office/drawing/2014/main" xmlns="" id="{8BE44616-44F6-4451-8A07-B3C7088A052B}"/>
+                <a16:creationId xmlns="" xmlns:a16="http://schemas.microsoft.com/office/drawing/2014/main" id="{8BE44616-44F6-4451-8A07-B3C7088A052B}"/>
               </a:ext>
             </a:extLst>
           </p:cNvPr>
@@ -6058,7 +6058,7 @@
             <p:cNvPr id="6" name="Oval 5">
               <a:extLst>
                 <a:ext uri="{FF2B5EF4-FFF2-40B4-BE49-F238E27FC236}">
-                  <a16:creationId xmlns:a16="http://schemas.microsoft.com/office/drawing/2014/main" xmlns="" id="{AE87FC1A-FD83-4F38-B6A7-7F1EE537344A}"/>
+                  <a16:creationId xmlns="" xmlns:a16="http://schemas.microsoft.com/office/drawing/2014/main" id="{AE87FC1A-FD83-4F38-B6A7-7F1EE537344A}"/>
                 </a:ext>
               </a:extLst>
             </p:cNvPr>
@@ -6110,7 +6110,7 @@
             <p:cNvPr id="8" name="Oval 7">
               <a:extLst>
                 <a:ext uri="{FF2B5EF4-FFF2-40B4-BE49-F238E27FC236}">
-                  <a16:creationId xmlns:a16="http://schemas.microsoft.com/office/drawing/2014/main" xmlns="" id="{3ED916CA-2918-47D8-963E-CFBEF553243E}"/>
+                  <a16:creationId xmlns="" xmlns:a16="http://schemas.microsoft.com/office/drawing/2014/main" id="{3ED916CA-2918-47D8-963E-CFBEF553243E}"/>
                 </a:ext>
               </a:extLst>
             </p:cNvPr>
@@ -6162,7 +6162,7 @@
             <p:cNvPr id="9" name="Oval 8">
               <a:extLst>
                 <a:ext uri="{FF2B5EF4-FFF2-40B4-BE49-F238E27FC236}">
-                  <a16:creationId xmlns:a16="http://schemas.microsoft.com/office/drawing/2014/main" xmlns="" id="{5063945D-6F54-44A1-9725-E7BD2467D8BE}"/>
+                  <a16:creationId xmlns="" xmlns:a16="http://schemas.microsoft.com/office/drawing/2014/main" id="{5063945D-6F54-44A1-9725-E7BD2467D8BE}"/>
                 </a:ext>
               </a:extLst>
             </p:cNvPr>
@@ -6214,7 +6214,7 @@
             <p:cNvPr id="10" name="Oval 9">
               <a:extLst>
                 <a:ext uri="{FF2B5EF4-FFF2-40B4-BE49-F238E27FC236}">
-                  <a16:creationId xmlns:a16="http://schemas.microsoft.com/office/drawing/2014/main" xmlns="" id="{1B708E8F-5207-4E94-BA4D-EA9207FEBAA7}"/>
+                  <a16:creationId xmlns="" xmlns:a16="http://schemas.microsoft.com/office/drawing/2014/main" id="{1B708E8F-5207-4E94-BA4D-EA9207FEBAA7}"/>
                 </a:ext>
               </a:extLst>
             </p:cNvPr>
@@ -6267,7 +6267,7 @@
           <p:cNvPr id="20" name="Picture Placeholder 19">
             <a:extLst>
               <a:ext uri="{FF2B5EF4-FFF2-40B4-BE49-F238E27FC236}">
-                <a16:creationId xmlns:a16="http://schemas.microsoft.com/office/drawing/2014/main" xmlns="" id="{0B382A9B-B5A1-4911-8990-5EAC07025794}"/>
+                <a16:creationId xmlns="" xmlns:a16="http://schemas.microsoft.com/office/drawing/2014/main" id="{0B382A9B-B5A1-4911-8990-5EAC07025794}"/>
               </a:ext>
             </a:extLst>
           </p:cNvPr>
@@ -6367,7 +6367,7 @@
           <p:cNvPr id="17" name="Footer Placeholder 3">
             <a:extLst>
               <a:ext uri="{FF2B5EF4-FFF2-40B4-BE49-F238E27FC236}">
-                <a16:creationId xmlns:a16="http://schemas.microsoft.com/office/drawing/2014/main" xmlns="" id="{1E5CD683-A132-4506-9D46-474D9A8A1230}"/>
+                <a16:creationId xmlns="" xmlns:a16="http://schemas.microsoft.com/office/drawing/2014/main" id="{1E5CD683-A132-4506-9D46-474D9A8A1230}"/>
               </a:ext>
             </a:extLst>
           </p:cNvPr>
@@ -6397,7 +6397,7 @@
           <p:cNvPr id="18" name="Slide Number Placeholder 4">
             <a:extLst>
               <a:ext uri="{FF2B5EF4-FFF2-40B4-BE49-F238E27FC236}">
-                <a16:creationId xmlns:a16="http://schemas.microsoft.com/office/drawing/2014/main" xmlns="" id="{382E09B3-E595-4045-9D9E-5DAD201BFC2C}"/>
+                <a16:creationId xmlns="" xmlns:a16="http://schemas.microsoft.com/office/drawing/2014/main" id="{382E09B3-E595-4045-9D9E-5DAD201BFC2C}"/>
               </a:ext>
             </a:extLst>
           </p:cNvPr>
@@ -6973,7 +6973,7 @@
           <p:cNvPr id="13" name="Rectangle 12">
             <a:extLst>
               <a:ext uri="{FF2B5EF4-FFF2-40B4-BE49-F238E27FC236}">
-                <a16:creationId xmlns:a16="http://schemas.microsoft.com/office/drawing/2014/main" xmlns="" id="{EE1D1380-BC28-F74F-8866-BD4C0AD42595}"/>
+                <a16:creationId xmlns="" xmlns:a16="http://schemas.microsoft.com/office/drawing/2014/main" id="{EE1D1380-BC28-F74F-8866-BD4C0AD42595}"/>
               </a:ext>
             </a:extLst>
           </p:cNvPr>
@@ -7041,7 +7041,7 @@
           <p:cNvPr id="10" name="Picture 9">
             <a:extLst>
               <a:ext uri="{FF2B5EF4-FFF2-40B4-BE49-F238E27FC236}">
-                <a16:creationId xmlns:a16="http://schemas.microsoft.com/office/drawing/2014/main" xmlns="" id="{B632F133-AC7B-4BFC-9A60-F9C1BF83B8C7}"/>
+                <a16:creationId xmlns="" xmlns:a16="http://schemas.microsoft.com/office/drawing/2014/main" id="{B632F133-AC7B-4BFC-9A60-F9C1BF83B8C7}"/>
               </a:ext>
             </a:extLst>
           </p:cNvPr>
@@ -7077,7 +7077,7 @@
           <p:cNvPr id="12" name="Title 17">
             <a:extLst>
               <a:ext uri="{FF2B5EF4-FFF2-40B4-BE49-F238E27FC236}">
-                <a16:creationId xmlns:a16="http://schemas.microsoft.com/office/drawing/2014/main" xmlns="" id="{4117CAFD-7974-40A0-B30C-AF63966E104E}"/>
+                <a16:creationId xmlns="" xmlns:a16="http://schemas.microsoft.com/office/drawing/2014/main" id="{4117CAFD-7974-40A0-B30C-AF63966E104E}"/>
               </a:ext>
             </a:extLst>
           </p:cNvPr>
@@ -7147,7 +7147,7 @@
           <p:cNvPr id="14" name="TextBox 3">
             <a:extLst>
               <a:ext uri="{FF2B5EF4-FFF2-40B4-BE49-F238E27FC236}">
-                <a16:creationId xmlns:a16="http://schemas.microsoft.com/office/drawing/2014/main" xmlns="" id="{CD9849B0-BCB0-4466-8FC9-5ADD342E24D4}"/>
+                <a16:creationId xmlns="" xmlns:a16="http://schemas.microsoft.com/office/drawing/2014/main" id="{CD9849B0-BCB0-4466-8FC9-5ADD342E24D4}"/>
               </a:ext>
             </a:extLst>
           </p:cNvPr>
@@ -7278,7 +7278,7 @@
           <p:cNvPr id="15" name="Picture Placeholder 21" descr="A picture containing person, suit, person, posing&#10;&#10;Description automatically generated">
             <a:extLst>
               <a:ext uri="{FF2B5EF4-FFF2-40B4-BE49-F238E27FC236}">
-                <a16:creationId xmlns:a16="http://schemas.microsoft.com/office/drawing/2014/main" xmlns="" id="{C8DDA278-417E-4992-A507-538AA285B1CA}"/>
+                <a16:creationId xmlns="" xmlns:a16="http://schemas.microsoft.com/office/drawing/2014/main" id="{C8DDA278-417E-4992-A507-538AA285B1CA}"/>
               </a:ext>
             </a:extLst>
           </p:cNvPr>
@@ -7366,7 +7366,7 @@
           <p:cNvPr id="16" name="Picture 15">
             <a:extLst>
               <a:ext uri="{FF2B5EF4-FFF2-40B4-BE49-F238E27FC236}">
-                <a16:creationId xmlns:a16="http://schemas.microsoft.com/office/drawing/2014/main" xmlns="" id="{5CD05779-92C9-4167-9FAF-2640F8D564D9}"/>
+                <a16:creationId xmlns="" xmlns:a16="http://schemas.microsoft.com/office/drawing/2014/main" id="{5CD05779-92C9-4167-9FAF-2640F8D564D9}"/>
               </a:ext>
             </a:extLst>
           </p:cNvPr>
@@ -7402,7 +7402,7 @@
           <p:cNvPr id="11" name="TextBox 10">
             <a:extLst>
               <a:ext uri="{FF2B5EF4-FFF2-40B4-BE49-F238E27FC236}">
-                <a16:creationId xmlns:a16="http://schemas.microsoft.com/office/drawing/2014/main" xmlns="" id="{48852948-6211-4F0A-ACA2-7ECFA7683A37}"/>
+                <a16:creationId xmlns="" xmlns:a16="http://schemas.microsoft.com/office/drawing/2014/main" id="{48852948-6211-4F0A-ACA2-7ECFA7683A37}"/>
               </a:ext>
             </a:extLst>
           </p:cNvPr>
@@ -7485,7 +7485,7 @@
           <p:cNvPr id="3" name="Picture 2">
             <a:extLst>
               <a:ext uri="{FF2B5EF4-FFF2-40B4-BE49-F238E27FC236}">
-                <a16:creationId xmlns:a16="http://schemas.microsoft.com/office/drawing/2014/main" xmlns="" id="{B632F133-AC7B-4BFC-9A60-F9C1BF83B8C7}"/>
+                <a16:creationId xmlns="" xmlns:a16="http://schemas.microsoft.com/office/drawing/2014/main" id="{B632F133-AC7B-4BFC-9A60-F9C1BF83B8C7}"/>
               </a:ext>
             </a:extLst>
           </p:cNvPr>
@@ -7521,7 +7521,7 @@
           <p:cNvPr id="4" name="TextBox 3">
             <a:extLst>
               <a:ext uri="{FF2B5EF4-FFF2-40B4-BE49-F238E27FC236}">
-                <a16:creationId xmlns:a16="http://schemas.microsoft.com/office/drawing/2014/main" xmlns="" id="{3D397016-664C-44ED-84CF-FEA6E3A54912}"/>
+                <a16:creationId xmlns="" xmlns:a16="http://schemas.microsoft.com/office/drawing/2014/main" id="{3D397016-664C-44ED-84CF-FEA6E3A54912}"/>
               </a:ext>
             </a:extLst>
           </p:cNvPr>
@@ -7558,7 +7558,7 @@
           <p:cNvPr id="6" name="TextBox 5">
             <a:extLst>
               <a:ext uri="{FF2B5EF4-FFF2-40B4-BE49-F238E27FC236}">
-                <a16:creationId xmlns:a16="http://schemas.microsoft.com/office/drawing/2014/main" xmlns="" id="{E515AEEE-9779-42A2-AFCA-734FDEC19A71}"/>
+                <a16:creationId xmlns="" xmlns:a16="http://schemas.microsoft.com/office/drawing/2014/main" id="{E515AEEE-9779-42A2-AFCA-734FDEC19A71}"/>
               </a:ext>
             </a:extLst>
           </p:cNvPr>
@@ -7593,7 +7593,7 @@
           <p:cNvPr id="7" name="TextBox 6">
             <a:extLst>
               <a:ext uri="{FF2B5EF4-FFF2-40B4-BE49-F238E27FC236}">
-                <a16:creationId xmlns:a16="http://schemas.microsoft.com/office/drawing/2014/main" xmlns="" id="{A5CC71F9-C09A-4860-98F4-CF360D096233}"/>
+                <a16:creationId xmlns="" xmlns:a16="http://schemas.microsoft.com/office/drawing/2014/main" id="{A5CC71F9-C09A-4860-98F4-CF360D096233}"/>
               </a:ext>
             </a:extLst>
           </p:cNvPr>
@@ -7697,7 +7697,7 @@
           <p:cNvPr id="3" name="Picture 2">
             <a:extLst>
               <a:ext uri="{FF2B5EF4-FFF2-40B4-BE49-F238E27FC236}">
-                <a16:creationId xmlns:a16="http://schemas.microsoft.com/office/drawing/2014/main" xmlns="" id="{B632F133-AC7B-4BFC-9A60-F9C1BF83B8C7}"/>
+                <a16:creationId xmlns="" xmlns:a16="http://schemas.microsoft.com/office/drawing/2014/main" id="{B632F133-AC7B-4BFC-9A60-F9C1BF83B8C7}"/>
               </a:ext>
             </a:extLst>
           </p:cNvPr>
@@ -7733,7 +7733,7 @@
           <p:cNvPr id="4" name="TextBox 3">
             <a:extLst>
               <a:ext uri="{FF2B5EF4-FFF2-40B4-BE49-F238E27FC236}">
-                <a16:creationId xmlns:a16="http://schemas.microsoft.com/office/drawing/2014/main" xmlns="" id="{3D397016-664C-44ED-84CF-FEA6E3A54912}"/>
+                <a16:creationId xmlns="" xmlns:a16="http://schemas.microsoft.com/office/drawing/2014/main" id="{3D397016-664C-44ED-84CF-FEA6E3A54912}"/>
               </a:ext>
             </a:extLst>
           </p:cNvPr>
@@ -7770,7 +7770,7 @@
           <p:cNvPr id="5" name="TextBox 4">
             <a:extLst>
               <a:ext uri="{FF2B5EF4-FFF2-40B4-BE49-F238E27FC236}">
-                <a16:creationId xmlns:a16="http://schemas.microsoft.com/office/drawing/2014/main" xmlns="" id="{A5CC71F9-C09A-4860-98F4-CF360D096233}"/>
+                <a16:creationId xmlns="" xmlns:a16="http://schemas.microsoft.com/office/drawing/2014/main" id="{A5CC71F9-C09A-4860-98F4-CF360D096233}"/>
               </a:ext>
             </a:extLst>
           </p:cNvPr>
@@ -7864,7 +7864,7 @@
           <p:cNvPr id="6" name="TextBox 5">
             <a:extLst>
               <a:ext uri="{FF2B5EF4-FFF2-40B4-BE49-F238E27FC236}">
-                <a16:creationId xmlns:a16="http://schemas.microsoft.com/office/drawing/2014/main" xmlns="" id="{E515AEEE-9779-42A2-AFCA-734FDEC19A71}"/>
+                <a16:creationId xmlns="" xmlns:a16="http://schemas.microsoft.com/office/drawing/2014/main" id="{E515AEEE-9779-42A2-AFCA-734FDEC19A71}"/>
               </a:ext>
             </a:extLst>
           </p:cNvPr>
@@ -7929,7 +7929,7 @@
           <p:cNvPr id="3" name="Slide Number Placeholder 2">
             <a:extLst>
               <a:ext uri="{FF2B5EF4-FFF2-40B4-BE49-F238E27FC236}">
-                <a16:creationId xmlns:a16="http://schemas.microsoft.com/office/drawing/2014/main" xmlns="" id="{FBF87C44-1FBE-4DAA-A7F9-A76EA593482A}"/>
+                <a16:creationId xmlns="" xmlns:a16="http://schemas.microsoft.com/office/drawing/2014/main" id="{FBF87C44-1FBE-4DAA-A7F9-A76EA593482A}"/>
               </a:ext>
             </a:extLst>
           </p:cNvPr>
@@ -7964,7 +7964,7 @@
           <p:cNvPr id="11" name="Picture Placeholder 10">
             <a:extLst>
               <a:ext uri="{FF2B5EF4-FFF2-40B4-BE49-F238E27FC236}">
-                <a16:creationId xmlns:a16="http://schemas.microsoft.com/office/drawing/2014/main" xmlns="" id="{69A8831E-7EB2-484A-9D01-F802C8B71C90}"/>
+                <a16:creationId xmlns="" xmlns:a16="http://schemas.microsoft.com/office/drawing/2014/main" id="{69A8831E-7EB2-484A-9D01-F802C8B71C90}"/>
               </a:ext>
             </a:extLst>
           </p:cNvPr>
@@ -7995,7 +7995,7 @@
           <p:cNvPr id="54" name="Freeform 6">
             <a:extLst>
               <a:ext uri="{FF2B5EF4-FFF2-40B4-BE49-F238E27FC236}">
-                <a16:creationId xmlns:a16="http://schemas.microsoft.com/office/drawing/2014/main" xmlns="" id="{7CEA75D0-6AAF-4DF6-A668-7EE782A30A1F}"/>
+                <a16:creationId xmlns="" xmlns:a16="http://schemas.microsoft.com/office/drawing/2014/main" id="{7CEA75D0-6AAF-4DF6-A668-7EE782A30A1F}"/>
               </a:ext>
             </a:extLst>
           </p:cNvPr>
@@ -8110,7 +8110,7 @@
           <p:cNvPr id="55" name="Freeform 6">
             <a:extLst>
               <a:ext uri="{FF2B5EF4-FFF2-40B4-BE49-F238E27FC236}">
-                <a16:creationId xmlns:a16="http://schemas.microsoft.com/office/drawing/2014/main" xmlns="" id="{8A72FFBC-FC4F-4574-BCE4-075EBD782D1B}"/>
+                <a16:creationId xmlns="" xmlns:a16="http://schemas.microsoft.com/office/drawing/2014/main" id="{8A72FFBC-FC4F-4574-BCE4-075EBD782D1B}"/>
               </a:ext>
             </a:extLst>
           </p:cNvPr>
@@ -8225,7 +8225,7 @@
           <p:cNvPr id="13" name="TextBox 12">
             <a:extLst>
               <a:ext uri="{FF2B5EF4-FFF2-40B4-BE49-F238E27FC236}">
-                <a16:creationId xmlns:a16="http://schemas.microsoft.com/office/drawing/2014/main" xmlns="" id="{0F67A00B-35E2-4D67-8B7B-F211152C2584}"/>
+                <a16:creationId xmlns="" xmlns:a16="http://schemas.microsoft.com/office/drawing/2014/main" id="{0F67A00B-35E2-4D67-8B7B-F211152C2584}"/>
               </a:ext>
             </a:extLst>
           </p:cNvPr>
@@ -8265,7 +8265,7 @@
           <p:cNvPr id="56" name="Rectangle 55">
             <a:extLst>
               <a:ext uri="{FF2B5EF4-FFF2-40B4-BE49-F238E27FC236}">
-                <a16:creationId xmlns:a16="http://schemas.microsoft.com/office/drawing/2014/main" xmlns="" id="{56D1A3A5-8C05-4459-89DF-E277F89F72B6}"/>
+                <a16:creationId xmlns="" xmlns:a16="http://schemas.microsoft.com/office/drawing/2014/main" id="{56D1A3A5-8C05-4459-89DF-E277F89F72B6}"/>
               </a:ext>
             </a:extLst>
           </p:cNvPr>
@@ -8305,7 +8305,7 @@
           <p:cNvPr id="57" name="Rectangle 56">
             <a:extLst>
               <a:ext uri="{FF2B5EF4-FFF2-40B4-BE49-F238E27FC236}">
-                <a16:creationId xmlns:a16="http://schemas.microsoft.com/office/drawing/2014/main" xmlns="" id="{0B5C7820-2097-40EE-8A3C-5CC9DEF512EB}"/>
+                <a16:creationId xmlns="" xmlns:a16="http://schemas.microsoft.com/office/drawing/2014/main" id="{0B5C7820-2097-40EE-8A3C-5CC9DEF512EB}"/>
               </a:ext>
             </a:extLst>
           </p:cNvPr>
@@ -8343,7 +8343,7 @@
           <p:cNvPr id="2" name="TextBox 1">
             <a:extLst>
               <a:ext uri="{FF2B5EF4-FFF2-40B4-BE49-F238E27FC236}">
-                <a16:creationId xmlns:a16="http://schemas.microsoft.com/office/drawing/2014/main" xmlns="" id="{811821F5-9F15-4420-A5A9-063F4D7930EB}"/>
+                <a16:creationId xmlns="" xmlns:a16="http://schemas.microsoft.com/office/drawing/2014/main" id="{811821F5-9F15-4420-A5A9-063F4D7930EB}"/>
               </a:ext>
             </a:extLst>
           </p:cNvPr>
@@ -8385,7 +8385,7 @@
           <p:cNvPr id="10" name="Picture 9">
             <a:extLst>
               <a:ext uri="{FF2B5EF4-FFF2-40B4-BE49-F238E27FC236}">
-                <a16:creationId xmlns:a16="http://schemas.microsoft.com/office/drawing/2014/main" xmlns="" id="{76507F6D-CAA6-4D86-8B9B-572298053C71}"/>
+                <a16:creationId xmlns="" xmlns:a16="http://schemas.microsoft.com/office/drawing/2014/main" id="{76507F6D-CAA6-4D86-8B9B-572298053C71}"/>
               </a:ext>
             </a:extLst>
           </p:cNvPr>
@@ -8451,7 +8451,7 @@
           <p:cNvPr id="3" name="Picture 2">
             <a:extLst>
               <a:ext uri="{FF2B5EF4-FFF2-40B4-BE49-F238E27FC236}">
-                <a16:creationId xmlns:a16="http://schemas.microsoft.com/office/drawing/2014/main" xmlns="" id="{B632F133-AC7B-4BFC-9A60-F9C1BF83B8C7}"/>
+                <a16:creationId xmlns="" xmlns:a16="http://schemas.microsoft.com/office/drawing/2014/main" id="{B632F133-AC7B-4BFC-9A60-F9C1BF83B8C7}"/>
               </a:ext>
             </a:extLst>
           </p:cNvPr>
@@ -8487,7 +8487,7 @@
           <p:cNvPr id="4" name="TextBox 3">
             <a:extLst>
               <a:ext uri="{FF2B5EF4-FFF2-40B4-BE49-F238E27FC236}">
-                <a16:creationId xmlns:a16="http://schemas.microsoft.com/office/drawing/2014/main" xmlns="" id="{3D397016-664C-44ED-84CF-FEA6E3A54912}"/>
+                <a16:creationId xmlns="" xmlns:a16="http://schemas.microsoft.com/office/drawing/2014/main" id="{3D397016-664C-44ED-84CF-FEA6E3A54912}"/>
               </a:ext>
             </a:extLst>
           </p:cNvPr>
@@ -8524,7 +8524,7 @@
           <p:cNvPr id="5" name="TextBox 4">
             <a:extLst>
               <a:ext uri="{FF2B5EF4-FFF2-40B4-BE49-F238E27FC236}">
-                <a16:creationId xmlns:a16="http://schemas.microsoft.com/office/drawing/2014/main" xmlns="" id="{A5CC71F9-C09A-4860-98F4-CF360D096233}"/>
+                <a16:creationId xmlns="" xmlns:a16="http://schemas.microsoft.com/office/drawing/2014/main" id="{A5CC71F9-C09A-4860-98F4-CF360D096233}"/>
               </a:ext>
             </a:extLst>
           </p:cNvPr>
@@ -8683,7 +8683,7 @@
           <p:cNvPr id="6" name="TextBox 5">
             <a:extLst>
               <a:ext uri="{FF2B5EF4-FFF2-40B4-BE49-F238E27FC236}">
-                <a16:creationId xmlns:a16="http://schemas.microsoft.com/office/drawing/2014/main" xmlns="" id="{E515AEEE-9779-42A2-AFCA-734FDEC19A71}"/>
+                <a16:creationId xmlns="" xmlns:a16="http://schemas.microsoft.com/office/drawing/2014/main" id="{E515AEEE-9779-42A2-AFCA-734FDEC19A71}"/>
               </a:ext>
             </a:extLst>
           </p:cNvPr>
@@ -8748,7 +8748,7 @@
           <p:cNvPr id="3" name="Picture 2">
             <a:extLst>
               <a:ext uri="{FF2B5EF4-FFF2-40B4-BE49-F238E27FC236}">
-                <a16:creationId xmlns:a16="http://schemas.microsoft.com/office/drawing/2014/main" xmlns="" id="{B632F133-AC7B-4BFC-9A60-F9C1BF83B8C7}"/>
+                <a16:creationId xmlns="" xmlns:a16="http://schemas.microsoft.com/office/drawing/2014/main" id="{B632F133-AC7B-4BFC-9A60-F9C1BF83B8C7}"/>
               </a:ext>
             </a:extLst>
           </p:cNvPr>
@@ -8784,7 +8784,7 @@
           <p:cNvPr id="4" name="TextBox 3">
             <a:extLst>
               <a:ext uri="{FF2B5EF4-FFF2-40B4-BE49-F238E27FC236}">
-                <a16:creationId xmlns:a16="http://schemas.microsoft.com/office/drawing/2014/main" xmlns="" id="{3D397016-664C-44ED-84CF-FEA6E3A54912}"/>
+                <a16:creationId xmlns="" xmlns:a16="http://schemas.microsoft.com/office/drawing/2014/main" id="{3D397016-664C-44ED-84CF-FEA6E3A54912}"/>
               </a:ext>
             </a:extLst>
           </p:cNvPr>
@@ -8821,7 +8821,7 @@
           <p:cNvPr id="5" name="TextBox 4">
             <a:extLst>
               <a:ext uri="{FF2B5EF4-FFF2-40B4-BE49-F238E27FC236}">
-                <a16:creationId xmlns:a16="http://schemas.microsoft.com/office/drawing/2014/main" xmlns="" id="{A5CC71F9-C09A-4860-98F4-CF360D096233}"/>
+                <a16:creationId xmlns="" xmlns:a16="http://schemas.microsoft.com/office/drawing/2014/main" id="{A5CC71F9-C09A-4860-98F4-CF360D096233}"/>
               </a:ext>
             </a:extLst>
           </p:cNvPr>
@@ -8875,11 +8875,18 @@
               <a:buChar char="•"/>
             </a:pPr>
             <a:r>
+              <a:rPr lang="en-US" sz="1800" dirty="0" smtClean="0">
+                <a:latin typeface="Calibri" panose="020F0502020204030204" pitchFamily="34" charset="0"/>
+                <a:cs typeface="Calibri" panose="020F0502020204030204" pitchFamily="34" charset="0"/>
+              </a:rPr>
+              <a:t>Installation of Eclipse </a:t>
+            </a:r>
+            <a:r>
               <a:rPr lang="en-US" sz="1800" dirty="0">
                 <a:latin typeface="Calibri" panose="020F0502020204030204" pitchFamily="34" charset="0"/>
                 <a:cs typeface="Calibri" panose="020F0502020204030204" pitchFamily="34" charset="0"/>
               </a:rPr>
-              <a:t>Eclipse ADT</a:t>
+              <a:t>ADT</a:t>
             </a:r>
           </a:p>
           <a:p>
@@ -8888,11 +8895,18 @@
               <a:buChar char="•"/>
             </a:pPr>
             <a:r>
+              <a:rPr lang="en-US" sz="1800" dirty="0" smtClean="0">
+                <a:latin typeface="Calibri" panose="020F0502020204030204" pitchFamily="34" charset="0"/>
+                <a:cs typeface="Calibri" panose="020F0502020204030204" pitchFamily="34" charset="0"/>
+              </a:rPr>
+              <a:t>Describing EPM </a:t>
+            </a:r>
+            <a:r>
               <a:rPr lang="en-US" sz="1800" dirty="0">
                 <a:latin typeface="Calibri" panose="020F0502020204030204" pitchFamily="34" charset="0"/>
                 <a:cs typeface="Calibri" panose="020F0502020204030204" pitchFamily="34" charset="0"/>
               </a:rPr>
-              <a:t>EPM Data</a:t>
+              <a:t>Data</a:t>
             </a:r>
           </a:p>
           <a:p>
@@ -8974,7 +8988,7 @@
           <p:cNvPr id="6" name="TextBox 5">
             <a:extLst>
               <a:ext uri="{FF2B5EF4-FFF2-40B4-BE49-F238E27FC236}">
-                <a16:creationId xmlns:a16="http://schemas.microsoft.com/office/drawing/2014/main" xmlns="" id="{E515AEEE-9779-42A2-AFCA-734FDEC19A71}"/>
+                <a16:creationId xmlns="" xmlns:a16="http://schemas.microsoft.com/office/drawing/2014/main" id="{E515AEEE-9779-42A2-AFCA-734FDEC19A71}"/>
               </a:ext>
             </a:extLst>
           </p:cNvPr>
@@ -9039,7 +9053,7 @@
           <p:cNvPr id="3" name="Picture 2">
             <a:extLst>
               <a:ext uri="{FF2B5EF4-FFF2-40B4-BE49-F238E27FC236}">
-                <a16:creationId xmlns:a16="http://schemas.microsoft.com/office/drawing/2014/main" xmlns="" id="{B632F133-AC7B-4BFC-9A60-F9C1BF83B8C7}"/>
+                <a16:creationId xmlns="" xmlns:a16="http://schemas.microsoft.com/office/drawing/2014/main" id="{B632F133-AC7B-4BFC-9A60-F9C1BF83B8C7}"/>
               </a:ext>
             </a:extLst>
           </p:cNvPr>
@@ -9075,7 +9089,7 @@
           <p:cNvPr id="4" name="TextBox 3">
             <a:extLst>
               <a:ext uri="{FF2B5EF4-FFF2-40B4-BE49-F238E27FC236}">
-                <a16:creationId xmlns:a16="http://schemas.microsoft.com/office/drawing/2014/main" xmlns="" id="{3D397016-664C-44ED-84CF-FEA6E3A54912}"/>
+                <a16:creationId xmlns="" xmlns:a16="http://schemas.microsoft.com/office/drawing/2014/main" id="{3D397016-664C-44ED-84CF-FEA6E3A54912}"/>
               </a:ext>
             </a:extLst>
           </p:cNvPr>
@@ -9112,7 +9126,7 @@
           <p:cNvPr id="5" name="TextBox 4">
             <a:extLst>
               <a:ext uri="{FF2B5EF4-FFF2-40B4-BE49-F238E27FC236}">
-                <a16:creationId xmlns:a16="http://schemas.microsoft.com/office/drawing/2014/main" xmlns="" id="{A5CC71F9-C09A-4860-98F4-CF360D096233}"/>
+                <a16:creationId xmlns="" xmlns:a16="http://schemas.microsoft.com/office/drawing/2014/main" id="{A5CC71F9-C09A-4860-98F4-CF360D096233}"/>
               </a:ext>
             </a:extLst>
           </p:cNvPr>
@@ -9236,7 +9250,7 @@
           <p:cNvPr id="6" name="TextBox 5">
             <a:extLst>
               <a:ext uri="{FF2B5EF4-FFF2-40B4-BE49-F238E27FC236}">
-                <a16:creationId xmlns:a16="http://schemas.microsoft.com/office/drawing/2014/main" xmlns="" id="{E515AEEE-9779-42A2-AFCA-734FDEC19A71}"/>
+                <a16:creationId xmlns="" xmlns:a16="http://schemas.microsoft.com/office/drawing/2014/main" id="{E515AEEE-9779-42A2-AFCA-734FDEC19A71}"/>
               </a:ext>
             </a:extLst>
           </p:cNvPr>
@@ -9301,7 +9315,7 @@
           <p:cNvPr id="3" name="Picture 2">
             <a:extLst>
               <a:ext uri="{FF2B5EF4-FFF2-40B4-BE49-F238E27FC236}">
-                <a16:creationId xmlns:a16="http://schemas.microsoft.com/office/drawing/2014/main" xmlns="" id="{B632F133-AC7B-4BFC-9A60-F9C1BF83B8C7}"/>
+                <a16:creationId xmlns="" xmlns:a16="http://schemas.microsoft.com/office/drawing/2014/main" id="{B632F133-AC7B-4BFC-9A60-F9C1BF83B8C7}"/>
               </a:ext>
             </a:extLst>
           </p:cNvPr>
@@ -9337,7 +9351,7 @@
           <p:cNvPr id="4" name="TextBox 3">
             <a:extLst>
               <a:ext uri="{FF2B5EF4-FFF2-40B4-BE49-F238E27FC236}">
-                <a16:creationId xmlns:a16="http://schemas.microsoft.com/office/drawing/2014/main" xmlns="" id="{3D397016-664C-44ED-84CF-FEA6E3A54912}"/>
+                <a16:creationId xmlns="" xmlns:a16="http://schemas.microsoft.com/office/drawing/2014/main" id="{3D397016-664C-44ED-84CF-FEA6E3A54912}"/>
               </a:ext>
             </a:extLst>
           </p:cNvPr>
@@ -9374,7 +9388,7 @@
           <p:cNvPr id="5" name="TextBox 4">
             <a:extLst>
               <a:ext uri="{FF2B5EF4-FFF2-40B4-BE49-F238E27FC236}">
-                <a16:creationId xmlns:a16="http://schemas.microsoft.com/office/drawing/2014/main" xmlns="" id="{A5CC71F9-C09A-4860-98F4-CF360D096233}"/>
+                <a16:creationId xmlns="" xmlns:a16="http://schemas.microsoft.com/office/drawing/2014/main" id="{A5CC71F9-C09A-4860-98F4-CF360D096233}"/>
               </a:ext>
             </a:extLst>
           </p:cNvPr>
@@ -9531,7 +9545,7 @@
           <p:cNvPr id="6" name="TextBox 5">
             <a:extLst>
               <a:ext uri="{FF2B5EF4-FFF2-40B4-BE49-F238E27FC236}">
-                <a16:creationId xmlns:a16="http://schemas.microsoft.com/office/drawing/2014/main" xmlns="" id="{E515AEEE-9779-42A2-AFCA-734FDEC19A71}"/>
+                <a16:creationId xmlns="" xmlns:a16="http://schemas.microsoft.com/office/drawing/2014/main" id="{E515AEEE-9779-42A2-AFCA-734FDEC19A71}"/>
               </a:ext>
             </a:extLst>
           </p:cNvPr>
@@ -9596,7 +9610,7 @@
           <p:cNvPr id="3" name="Picture 2">
             <a:extLst>
               <a:ext uri="{FF2B5EF4-FFF2-40B4-BE49-F238E27FC236}">
-                <a16:creationId xmlns:a16="http://schemas.microsoft.com/office/drawing/2014/main" xmlns="" id="{B632F133-AC7B-4BFC-9A60-F9C1BF83B8C7}"/>
+                <a16:creationId xmlns="" xmlns:a16="http://schemas.microsoft.com/office/drawing/2014/main" id="{B632F133-AC7B-4BFC-9A60-F9C1BF83B8C7}"/>
               </a:ext>
             </a:extLst>
           </p:cNvPr>
@@ -9632,7 +9646,7 @@
           <p:cNvPr id="4" name="TextBox 3">
             <a:extLst>
               <a:ext uri="{FF2B5EF4-FFF2-40B4-BE49-F238E27FC236}">
-                <a16:creationId xmlns:a16="http://schemas.microsoft.com/office/drawing/2014/main" xmlns="" id="{3D397016-664C-44ED-84CF-FEA6E3A54912}"/>
+                <a16:creationId xmlns="" xmlns:a16="http://schemas.microsoft.com/office/drawing/2014/main" id="{3D397016-664C-44ED-84CF-FEA6E3A54912}"/>
               </a:ext>
             </a:extLst>
           </p:cNvPr>
@@ -9669,7 +9683,7 @@
           <p:cNvPr id="5" name="TextBox 4">
             <a:extLst>
               <a:ext uri="{FF2B5EF4-FFF2-40B4-BE49-F238E27FC236}">
-                <a16:creationId xmlns:a16="http://schemas.microsoft.com/office/drawing/2014/main" xmlns="" id="{A5CC71F9-C09A-4860-98F4-CF360D096233}"/>
+                <a16:creationId xmlns="" xmlns:a16="http://schemas.microsoft.com/office/drawing/2014/main" id="{A5CC71F9-C09A-4860-98F4-CF360D096233}"/>
               </a:ext>
             </a:extLst>
           </p:cNvPr>
@@ -9789,7 +9803,7 @@
           <p:cNvPr id="6" name="TextBox 5">
             <a:extLst>
               <a:ext uri="{FF2B5EF4-FFF2-40B4-BE49-F238E27FC236}">
-                <a16:creationId xmlns:a16="http://schemas.microsoft.com/office/drawing/2014/main" xmlns="" id="{E515AEEE-9779-42A2-AFCA-734FDEC19A71}"/>
+                <a16:creationId xmlns="" xmlns:a16="http://schemas.microsoft.com/office/drawing/2014/main" id="{E515AEEE-9779-42A2-AFCA-734FDEC19A71}"/>
               </a:ext>
             </a:extLst>
           </p:cNvPr>
@@ -9854,7 +9868,7 @@
           <p:cNvPr id="3" name="Picture 2">
             <a:extLst>
               <a:ext uri="{FF2B5EF4-FFF2-40B4-BE49-F238E27FC236}">
-                <a16:creationId xmlns:a16="http://schemas.microsoft.com/office/drawing/2014/main" xmlns="" id="{B632F133-AC7B-4BFC-9A60-F9C1BF83B8C7}"/>
+                <a16:creationId xmlns="" xmlns:a16="http://schemas.microsoft.com/office/drawing/2014/main" id="{B632F133-AC7B-4BFC-9A60-F9C1BF83B8C7}"/>
               </a:ext>
             </a:extLst>
           </p:cNvPr>
@@ -9890,7 +9904,7 @@
           <p:cNvPr id="4" name="TextBox 3">
             <a:extLst>
               <a:ext uri="{FF2B5EF4-FFF2-40B4-BE49-F238E27FC236}">
-                <a16:creationId xmlns:a16="http://schemas.microsoft.com/office/drawing/2014/main" xmlns="" id="{3D397016-664C-44ED-84CF-FEA6E3A54912}"/>
+                <a16:creationId xmlns="" xmlns:a16="http://schemas.microsoft.com/office/drawing/2014/main" id="{3D397016-664C-44ED-84CF-FEA6E3A54912}"/>
               </a:ext>
             </a:extLst>
           </p:cNvPr>
@@ -9927,7 +9941,7 @@
           <p:cNvPr id="5" name="TextBox 4">
             <a:extLst>
               <a:ext uri="{FF2B5EF4-FFF2-40B4-BE49-F238E27FC236}">
-                <a16:creationId xmlns:a16="http://schemas.microsoft.com/office/drawing/2014/main" xmlns="" id="{A5CC71F9-C09A-4860-98F4-CF360D096233}"/>
+                <a16:creationId xmlns="" xmlns:a16="http://schemas.microsoft.com/office/drawing/2014/main" id="{A5CC71F9-C09A-4860-98F4-CF360D096233}"/>
               </a:ext>
             </a:extLst>
           </p:cNvPr>
@@ -10021,7 +10035,7 @@
           <p:cNvPr id="6" name="TextBox 5">
             <a:extLst>
               <a:ext uri="{FF2B5EF4-FFF2-40B4-BE49-F238E27FC236}">
-                <a16:creationId xmlns:a16="http://schemas.microsoft.com/office/drawing/2014/main" xmlns="" id="{E515AEEE-9779-42A2-AFCA-734FDEC19A71}"/>
+                <a16:creationId xmlns="" xmlns:a16="http://schemas.microsoft.com/office/drawing/2014/main" id="{E515AEEE-9779-42A2-AFCA-734FDEC19A71}"/>
               </a:ext>
             </a:extLst>
           </p:cNvPr>
@@ -10086,7 +10100,7 @@
           <p:cNvPr id="3" name="Picture 2">
             <a:extLst>
               <a:ext uri="{FF2B5EF4-FFF2-40B4-BE49-F238E27FC236}">
-                <a16:creationId xmlns:a16="http://schemas.microsoft.com/office/drawing/2014/main" xmlns="" id="{B632F133-AC7B-4BFC-9A60-F9C1BF83B8C7}"/>
+                <a16:creationId xmlns="" xmlns:a16="http://schemas.microsoft.com/office/drawing/2014/main" id="{B632F133-AC7B-4BFC-9A60-F9C1BF83B8C7}"/>
               </a:ext>
             </a:extLst>
           </p:cNvPr>
@@ -10122,7 +10136,7 @@
           <p:cNvPr id="4" name="TextBox 3">
             <a:extLst>
               <a:ext uri="{FF2B5EF4-FFF2-40B4-BE49-F238E27FC236}">
-                <a16:creationId xmlns:a16="http://schemas.microsoft.com/office/drawing/2014/main" xmlns="" id="{3D397016-664C-44ED-84CF-FEA6E3A54912}"/>
+                <a16:creationId xmlns="" xmlns:a16="http://schemas.microsoft.com/office/drawing/2014/main" id="{3D397016-664C-44ED-84CF-FEA6E3A54912}"/>
               </a:ext>
             </a:extLst>
           </p:cNvPr>
@@ -10159,7 +10173,7 @@
           <p:cNvPr id="5" name="TextBox 4">
             <a:extLst>
               <a:ext uri="{FF2B5EF4-FFF2-40B4-BE49-F238E27FC236}">
-                <a16:creationId xmlns:a16="http://schemas.microsoft.com/office/drawing/2014/main" xmlns="" id="{A5CC71F9-C09A-4860-98F4-CF360D096233}"/>
+                <a16:creationId xmlns="" xmlns:a16="http://schemas.microsoft.com/office/drawing/2014/main" id="{A5CC71F9-C09A-4860-98F4-CF360D096233}"/>
               </a:ext>
             </a:extLst>
           </p:cNvPr>
@@ -10253,7 +10267,7 @@
           <p:cNvPr id="6" name="TextBox 5">
             <a:extLst>
               <a:ext uri="{FF2B5EF4-FFF2-40B4-BE49-F238E27FC236}">
-                <a16:creationId xmlns:a16="http://schemas.microsoft.com/office/drawing/2014/main" xmlns="" id="{E515AEEE-9779-42A2-AFCA-734FDEC19A71}"/>
+                <a16:creationId xmlns="" xmlns:a16="http://schemas.microsoft.com/office/drawing/2014/main" id="{E515AEEE-9779-42A2-AFCA-734FDEC19A71}"/>
               </a:ext>
             </a:extLst>
           </p:cNvPr>
@@ -10318,7 +10332,7 @@
           <p:cNvPr id="3" name="Picture 2">
             <a:extLst>
               <a:ext uri="{FF2B5EF4-FFF2-40B4-BE49-F238E27FC236}">
-                <a16:creationId xmlns:a16="http://schemas.microsoft.com/office/drawing/2014/main" xmlns="" id="{B632F133-AC7B-4BFC-9A60-F9C1BF83B8C7}"/>
+                <a16:creationId xmlns="" xmlns:a16="http://schemas.microsoft.com/office/drawing/2014/main" id="{B632F133-AC7B-4BFC-9A60-F9C1BF83B8C7}"/>
               </a:ext>
             </a:extLst>
           </p:cNvPr>
@@ -10354,7 +10368,7 @@
           <p:cNvPr id="4" name="TextBox 3">
             <a:extLst>
               <a:ext uri="{FF2B5EF4-FFF2-40B4-BE49-F238E27FC236}">
-                <a16:creationId xmlns:a16="http://schemas.microsoft.com/office/drawing/2014/main" xmlns="" id="{3D397016-664C-44ED-84CF-FEA6E3A54912}"/>
+                <a16:creationId xmlns="" xmlns:a16="http://schemas.microsoft.com/office/drawing/2014/main" id="{3D397016-664C-44ED-84CF-FEA6E3A54912}"/>
               </a:ext>
             </a:extLst>
           </p:cNvPr>
@@ -10391,7 +10405,7 @@
           <p:cNvPr id="5" name="TextBox 4">
             <a:extLst>
               <a:ext uri="{FF2B5EF4-FFF2-40B4-BE49-F238E27FC236}">
-                <a16:creationId xmlns:a16="http://schemas.microsoft.com/office/drawing/2014/main" xmlns="" id="{A5CC71F9-C09A-4860-98F4-CF360D096233}"/>
+                <a16:creationId xmlns="" xmlns:a16="http://schemas.microsoft.com/office/drawing/2014/main" id="{A5CC71F9-C09A-4860-98F4-CF360D096233}"/>
               </a:ext>
             </a:extLst>
           </p:cNvPr>
@@ -10533,7 +10547,7 @@
           <p:cNvPr id="6" name="TextBox 5">
             <a:extLst>
               <a:ext uri="{FF2B5EF4-FFF2-40B4-BE49-F238E27FC236}">
-                <a16:creationId xmlns:a16="http://schemas.microsoft.com/office/drawing/2014/main" xmlns="" id="{E515AEEE-9779-42A2-AFCA-734FDEC19A71}"/>
+                <a16:creationId xmlns="" xmlns:a16="http://schemas.microsoft.com/office/drawing/2014/main" id="{E515AEEE-9779-42A2-AFCA-734FDEC19A71}"/>
               </a:ext>
             </a:extLst>
           </p:cNvPr>

--- a/OData Agenda.pptx
+++ b/OData Agenda.pptx
@@ -232,7 +232,7 @@
             <a:fld id="{7AB488F7-1FAC-40D2-BB7E-BA3CE28D8950}" type="datetimeFigureOut">
               <a:rPr lang="en-US" smtClean="0"/>
               <a:pPr/>
-              <a:t>9/24/2021</a:t>
+              <a:t>9/26/2021</a:t>
             </a:fld>
             <a:endParaRPr lang="en-US"/>
           </a:p>
@@ -921,7 +921,7 @@
           <p:cNvPr id="5" name="Picture Placeholder 4">
             <a:extLst>
               <a:ext uri="{FF2B5EF4-FFF2-40B4-BE49-F238E27FC236}">
-                <a16:creationId xmlns="" xmlns:a16="http://schemas.microsoft.com/office/drawing/2014/main" id="{8CBA70B9-7619-4B6B-9D48-09FF42954060}"/>
+                <a16:creationId xmlns:a16="http://schemas.microsoft.com/office/drawing/2014/main" xmlns="" id="{8CBA70B9-7619-4B6B-9D48-09FF42954060}"/>
               </a:ext>
             </a:extLst>
           </p:cNvPr>
@@ -987,7 +987,7 @@
           <p:cNvPr id="5" name="Picture Placeholder 4">
             <a:extLst>
               <a:ext uri="{FF2B5EF4-FFF2-40B4-BE49-F238E27FC236}">
-                <a16:creationId xmlns="" xmlns:a16="http://schemas.microsoft.com/office/drawing/2014/main" id="{8CBA70B9-7619-4B6B-9D48-09FF42954060}"/>
+                <a16:creationId xmlns:a16="http://schemas.microsoft.com/office/drawing/2014/main" xmlns="" id="{8CBA70B9-7619-4B6B-9D48-09FF42954060}"/>
               </a:ext>
             </a:extLst>
           </p:cNvPr>
@@ -1023,7 +1023,7 @@
           <p:cNvPr id="3" name="Picture Placeholder 19">
             <a:extLst>
               <a:ext uri="{FF2B5EF4-FFF2-40B4-BE49-F238E27FC236}">
-                <a16:creationId xmlns="" xmlns:a16="http://schemas.microsoft.com/office/drawing/2014/main" id="{388E23CC-7388-46C2-BCD5-F9234548CFD1}"/>
+                <a16:creationId xmlns:a16="http://schemas.microsoft.com/office/drawing/2014/main" xmlns="" id="{388E23CC-7388-46C2-BCD5-F9234548CFD1}"/>
               </a:ext>
             </a:extLst>
           </p:cNvPr>
@@ -1156,7 +1156,7 @@
           <p:cNvPr id="5" name="Picture Placeholder 4">
             <a:extLst>
               <a:ext uri="{FF2B5EF4-FFF2-40B4-BE49-F238E27FC236}">
-                <a16:creationId xmlns="" xmlns:a16="http://schemas.microsoft.com/office/drawing/2014/main" id="{8CBA70B9-7619-4B6B-9D48-09FF42954060}"/>
+                <a16:creationId xmlns:a16="http://schemas.microsoft.com/office/drawing/2014/main" xmlns="" id="{8CBA70B9-7619-4B6B-9D48-09FF42954060}"/>
               </a:ext>
             </a:extLst>
           </p:cNvPr>
@@ -1192,7 +1192,7 @@
           <p:cNvPr id="13" name="Picture Placeholder 12">
             <a:extLst>
               <a:ext uri="{FF2B5EF4-FFF2-40B4-BE49-F238E27FC236}">
-                <a16:creationId xmlns="" xmlns:a16="http://schemas.microsoft.com/office/drawing/2014/main" id="{D11BC8FA-8E3C-4B7E-B585-446554DD66B9}"/>
+                <a16:creationId xmlns:a16="http://schemas.microsoft.com/office/drawing/2014/main" xmlns="" id="{D11BC8FA-8E3C-4B7E-B585-446554DD66B9}"/>
               </a:ext>
             </a:extLst>
           </p:cNvPr>
@@ -1299,7 +1299,7 @@
           <p:cNvPr id="15" name="Picture Placeholder 14">
             <a:extLst>
               <a:ext uri="{FF2B5EF4-FFF2-40B4-BE49-F238E27FC236}">
-                <a16:creationId xmlns="" xmlns:a16="http://schemas.microsoft.com/office/drawing/2014/main" id="{8D503877-37B9-4FEE-A578-F1F19F5FFBF2}"/>
+                <a16:creationId xmlns:a16="http://schemas.microsoft.com/office/drawing/2014/main" xmlns="" id="{8D503877-37B9-4FEE-A578-F1F19F5FFBF2}"/>
               </a:ext>
             </a:extLst>
           </p:cNvPr>
@@ -1406,7 +1406,7 @@
           <p:cNvPr id="16" name="Picture Placeholder 15">
             <a:extLst>
               <a:ext uri="{FF2B5EF4-FFF2-40B4-BE49-F238E27FC236}">
-                <a16:creationId xmlns="" xmlns:a16="http://schemas.microsoft.com/office/drawing/2014/main" id="{0BC6429F-1169-4151-AF93-D3D79E1EA866}"/>
+                <a16:creationId xmlns:a16="http://schemas.microsoft.com/office/drawing/2014/main" xmlns="" id="{0BC6429F-1169-4151-AF93-D3D79E1EA866}"/>
               </a:ext>
             </a:extLst>
           </p:cNvPr>
@@ -1543,7 +1543,7 @@
           <p:cNvPr id="5" name="Picture Placeholder 4">
             <a:extLst>
               <a:ext uri="{FF2B5EF4-FFF2-40B4-BE49-F238E27FC236}">
-                <a16:creationId xmlns="" xmlns:a16="http://schemas.microsoft.com/office/drawing/2014/main" id="{8CBA70B9-7619-4B6B-9D48-09FF42954060}"/>
+                <a16:creationId xmlns:a16="http://schemas.microsoft.com/office/drawing/2014/main" xmlns="" id="{8CBA70B9-7619-4B6B-9D48-09FF42954060}"/>
               </a:ext>
             </a:extLst>
           </p:cNvPr>
@@ -1579,7 +1579,7 @@
           <p:cNvPr id="14" name="Picture Placeholder 13">
             <a:extLst>
               <a:ext uri="{FF2B5EF4-FFF2-40B4-BE49-F238E27FC236}">
-                <a16:creationId xmlns="" xmlns:a16="http://schemas.microsoft.com/office/drawing/2014/main" id="{A4EE4B8D-C6C1-45A1-B2AF-93F9EF8B44C6}"/>
+                <a16:creationId xmlns:a16="http://schemas.microsoft.com/office/drawing/2014/main" xmlns="" id="{A4EE4B8D-C6C1-45A1-B2AF-93F9EF8B44C6}"/>
               </a:ext>
             </a:extLst>
           </p:cNvPr>
@@ -1702,7 +1702,7 @@
           <p:cNvPr id="17" name="Picture Placeholder 16">
             <a:extLst>
               <a:ext uri="{FF2B5EF4-FFF2-40B4-BE49-F238E27FC236}">
-                <a16:creationId xmlns="" xmlns:a16="http://schemas.microsoft.com/office/drawing/2014/main" id="{FCDFD8C4-7251-4A4D-A596-438482E5EEB1}"/>
+                <a16:creationId xmlns:a16="http://schemas.microsoft.com/office/drawing/2014/main" xmlns="" id="{FCDFD8C4-7251-4A4D-A596-438482E5EEB1}"/>
               </a:ext>
             </a:extLst>
           </p:cNvPr>
@@ -1825,7 +1825,7 @@
           <p:cNvPr id="18" name="Picture Placeholder 17">
             <a:extLst>
               <a:ext uri="{FF2B5EF4-FFF2-40B4-BE49-F238E27FC236}">
-                <a16:creationId xmlns="" xmlns:a16="http://schemas.microsoft.com/office/drawing/2014/main" id="{DC9D97AB-1975-48B3-9332-4DA67BC72DD1}"/>
+                <a16:creationId xmlns:a16="http://schemas.microsoft.com/office/drawing/2014/main" xmlns="" id="{DC9D97AB-1975-48B3-9332-4DA67BC72DD1}"/>
               </a:ext>
             </a:extLst>
           </p:cNvPr>
@@ -1978,7 +1978,7 @@
           <p:cNvPr id="8" name="Picture Placeholder 2">
             <a:extLst>
               <a:ext uri="{FF2B5EF4-FFF2-40B4-BE49-F238E27FC236}">
-                <a16:creationId xmlns="" xmlns:a16="http://schemas.microsoft.com/office/drawing/2014/main" id="{F16661F6-5A56-4EB6-8C96-52A1FAE6B615}"/>
+                <a16:creationId xmlns:a16="http://schemas.microsoft.com/office/drawing/2014/main" xmlns="" id="{F16661F6-5A56-4EB6-8C96-52A1FAE6B615}"/>
               </a:ext>
             </a:extLst>
           </p:cNvPr>
@@ -3047,7 +3047,7 @@
           <p:cNvPr id="2" name="Picture Placeholder 8">
             <a:extLst>
               <a:ext uri="{FF2B5EF4-FFF2-40B4-BE49-F238E27FC236}">
-                <a16:creationId xmlns="" xmlns:a16="http://schemas.microsoft.com/office/drawing/2014/main" id="{D9DD6903-31DD-5348-931E-827644FF87FE}"/>
+                <a16:creationId xmlns:a16="http://schemas.microsoft.com/office/drawing/2014/main" xmlns="" id="{D9DD6903-31DD-5348-931E-827644FF87FE}"/>
               </a:ext>
             </a:extLst>
           </p:cNvPr>
@@ -3374,7 +3374,7 @@
           <p:cNvPr id="13" name="Rectangle 9">
             <a:extLst>
               <a:ext uri="{FF2B5EF4-FFF2-40B4-BE49-F238E27FC236}">
-                <a16:creationId xmlns="" xmlns:a16="http://schemas.microsoft.com/office/drawing/2014/main" id="{9E444B58-9435-4FC2-AFC1-1719DC22DD4A}"/>
+                <a16:creationId xmlns:a16="http://schemas.microsoft.com/office/drawing/2014/main" xmlns="" id="{9E444B58-9435-4FC2-AFC1-1719DC22DD4A}"/>
               </a:ext>
             </a:extLst>
           </p:cNvPr>
@@ -3741,7 +3741,7 @@
           <p:cNvPr id="16" name="Picture Placeholder 15">
             <a:extLst>
               <a:ext uri="{FF2B5EF4-FFF2-40B4-BE49-F238E27FC236}">
-                <a16:creationId xmlns="" xmlns:a16="http://schemas.microsoft.com/office/drawing/2014/main" id="{114D41D0-DB88-4BF0-B050-A01376305B20}"/>
+                <a16:creationId xmlns:a16="http://schemas.microsoft.com/office/drawing/2014/main" xmlns="" id="{114D41D0-DB88-4BF0-B050-A01376305B20}"/>
               </a:ext>
             </a:extLst>
           </p:cNvPr>
@@ -3883,7 +3883,7 @@
           <p:cNvPr id="13" name="Rectangle 9">
             <a:extLst>
               <a:ext uri="{FF2B5EF4-FFF2-40B4-BE49-F238E27FC236}">
-                <a16:creationId xmlns="" xmlns:a16="http://schemas.microsoft.com/office/drawing/2014/main" id="{9E444B58-9435-4FC2-AFC1-1719DC22DD4A}"/>
+                <a16:creationId xmlns:a16="http://schemas.microsoft.com/office/drawing/2014/main" xmlns="" id="{9E444B58-9435-4FC2-AFC1-1719DC22DD4A}"/>
               </a:ext>
             </a:extLst>
           </p:cNvPr>
@@ -4228,7 +4228,7 @@
             <a:fld id="{425404F2-BE9A-4460-8815-8F645183555F}" type="datetimeFigureOut">
               <a:rPr lang="en-US" smtClean="0"/>
               <a:pPr/>
-              <a:t>9/24/2021</a:t>
+              <a:t>9/26/2021</a:t>
             </a:fld>
             <a:endParaRPr lang="en-US"/>
           </a:p>
@@ -4282,7 +4282,7 @@
           <p:cNvPr id="11" name="Picture Placeholder 10">
             <a:extLst>
               <a:ext uri="{FF2B5EF4-FFF2-40B4-BE49-F238E27FC236}">
-                <a16:creationId xmlns="" xmlns:a16="http://schemas.microsoft.com/office/drawing/2014/main" id="{F22557AA-DA64-44AB-B366-365BC7CD1593}"/>
+                <a16:creationId xmlns:a16="http://schemas.microsoft.com/office/drawing/2014/main" xmlns="" id="{F22557AA-DA64-44AB-B366-365BC7CD1593}"/>
               </a:ext>
             </a:extLst>
           </p:cNvPr>
@@ -5062,7 +5062,7 @@
           <p:cNvPr id="12" name="Freeform: Shape 11">
             <a:extLst>
               <a:ext uri="{FF2B5EF4-FFF2-40B4-BE49-F238E27FC236}">
-                <a16:creationId xmlns="" xmlns:a16="http://schemas.microsoft.com/office/drawing/2014/main" id="{0DF2A531-B3D6-4EA3-BDB1-DA15E7293BB9}"/>
+                <a16:creationId xmlns:a16="http://schemas.microsoft.com/office/drawing/2014/main" xmlns="" id="{0DF2A531-B3D6-4EA3-BDB1-DA15E7293BB9}"/>
               </a:ext>
             </a:extLst>
           </p:cNvPr>
@@ -5195,7 +5195,7 @@
           <p:cNvPr id="13" name="Freeform: Shape 12">
             <a:extLst>
               <a:ext uri="{FF2B5EF4-FFF2-40B4-BE49-F238E27FC236}">
-                <a16:creationId xmlns="" xmlns:a16="http://schemas.microsoft.com/office/drawing/2014/main" id="{D497231C-9762-4A12-BEC4-4AD7D6DE149D}"/>
+                <a16:creationId xmlns:a16="http://schemas.microsoft.com/office/drawing/2014/main" xmlns="" id="{D497231C-9762-4A12-BEC4-4AD7D6DE149D}"/>
               </a:ext>
             </a:extLst>
           </p:cNvPr>
@@ -5322,7 +5322,7 @@
           <p:cNvPr id="14" name="Straight Connector 13">
             <a:extLst>
               <a:ext uri="{FF2B5EF4-FFF2-40B4-BE49-F238E27FC236}">
-                <a16:creationId xmlns="" xmlns:a16="http://schemas.microsoft.com/office/drawing/2014/main" id="{194E0303-30C9-4D08-AC28-8BCE877866B9}"/>
+                <a16:creationId xmlns:a16="http://schemas.microsoft.com/office/drawing/2014/main" xmlns="" id="{194E0303-30C9-4D08-AC28-8BCE877866B9}"/>
               </a:ext>
             </a:extLst>
           </p:cNvPr>
@@ -5442,7 +5442,7 @@
           <p:cNvPr id="11" name="Group 10">
             <a:extLst>
               <a:ext uri="{FF2B5EF4-FFF2-40B4-BE49-F238E27FC236}">
-                <a16:creationId xmlns="" xmlns:a16="http://schemas.microsoft.com/office/drawing/2014/main" id="{8BE44616-44F6-4451-8A07-B3C7088A052B}"/>
+                <a16:creationId xmlns:a16="http://schemas.microsoft.com/office/drawing/2014/main" xmlns="" id="{8BE44616-44F6-4451-8A07-B3C7088A052B}"/>
               </a:ext>
             </a:extLst>
           </p:cNvPr>
@@ -5462,7 +5462,7 @@
             <p:cNvPr id="6" name="Oval 5">
               <a:extLst>
                 <a:ext uri="{FF2B5EF4-FFF2-40B4-BE49-F238E27FC236}">
-                  <a16:creationId xmlns="" xmlns:a16="http://schemas.microsoft.com/office/drawing/2014/main" id="{AE87FC1A-FD83-4F38-B6A7-7F1EE537344A}"/>
+                  <a16:creationId xmlns:a16="http://schemas.microsoft.com/office/drawing/2014/main" xmlns="" id="{AE87FC1A-FD83-4F38-B6A7-7F1EE537344A}"/>
                 </a:ext>
               </a:extLst>
             </p:cNvPr>
@@ -5514,7 +5514,7 @@
             <p:cNvPr id="8" name="Oval 7">
               <a:extLst>
                 <a:ext uri="{FF2B5EF4-FFF2-40B4-BE49-F238E27FC236}">
-                  <a16:creationId xmlns="" xmlns:a16="http://schemas.microsoft.com/office/drawing/2014/main" id="{3ED916CA-2918-47D8-963E-CFBEF553243E}"/>
+                  <a16:creationId xmlns:a16="http://schemas.microsoft.com/office/drawing/2014/main" xmlns="" id="{3ED916CA-2918-47D8-963E-CFBEF553243E}"/>
                 </a:ext>
               </a:extLst>
             </p:cNvPr>
@@ -5566,7 +5566,7 @@
             <p:cNvPr id="9" name="Oval 8">
               <a:extLst>
                 <a:ext uri="{FF2B5EF4-FFF2-40B4-BE49-F238E27FC236}">
-                  <a16:creationId xmlns="" xmlns:a16="http://schemas.microsoft.com/office/drawing/2014/main" id="{5063945D-6F54-44A1-9725-E7BD2467D8BE}"/>
+                  <a16:creationId xmlns:a16="http://schemas.microsoft.com/office/drawing/2014/main" xmlns="" id="{5063945D-6F54-44A1-9725-E7BD2467D8BE}"/>
                 </a:ext>
               </a:extLst>
             </p:cNvPr>
@@ -5618,7 +5618,7 @@
             <p:cNvPr id="10" name="Oval 9">
               <a:extLst>
                 <a:ext uri="{FF2B5EF4-FFF2-40B4-BE49-F238E27FC236}">
-                  <a16:creationId xmlns="" xmlns:a16="http://schemas.microsoft.com/office/drawing/2014/main" id="{1B708E8F-5207-4E94-BA4D-EA9207FEBAA7}"/>
+                  <a16:creationId xmlns:a16="http://schemas.microsoft.com/office/drawing/2014/main" xmlns="" id="{1B708E8F-5207-4E94-BA4D-EA9207FEBAA7}"/>
                 </a:ext>
               </a:extLst>
             </p:cNvPr>
@@ -5701,7 +5701,7 @@
           <p:cNvPr id="15" name="Freeform: Shape 14">
             <a:extLst>
               <a:ext uri="{FF2B5EF4-FFF2-40B4-BE49-F238E27FC236}">
-                <a16:creationId xmlns="" xmlns:a16="http://schemas.microsoft.com/office/drawing/2014/main" id="{7EB80458-0E8D-4F91-B535-C4776968CF1A}"/>
+                <a16:creationId xmlns:a16="http://schemas.microsoft.com/office/drawing/2014/main" xmlns="" id="{7EB80458-0E8D-4F91-B535-C4776968CF1A}"/>
               </a:ext>
             </a:extLst>
           </p:cNvPr>
@@ -5834,7 +5834,7 @@
           <p:cNvPr id="16" name="Freeform: Shape 15">
             <a:extLst>
               <a:ext uri="{FF2B5EF4-FFF2-40B4-BE49-F238E27FC236}">
-                <a16:creationId xmlns="" xmlns:a16="http://schemas.microsoft.com/office/drawing/2014/main" id="{C49CFF18-3451-4B0E-9DAB-B2807D961421}"/>
+                <a16:creationId xmlns:a16="http://schemas.microsoft.com/office/drawing/2014/main" xmlns="" id="{C49CFF18-3451-4B0E-9DAB-B2807D961421}"/>
               </a:ext>
             </a:extLst>
           </p:cNvPr>
@@ -5961,7 +5961,7 @@
           <p:cNvPr id="14" name="Straight Connector 13">
             <a:extLst>
               <a:ext uri="{FF2B5EF4-FFF2-40B4-BE49-F238E27FC236}">
-                <a16:creationId xmlns="" xmlns:a16="http://schemas.microsoft.com/office/drawing/2014/main" id="{D1C53842-5688-4E4C-AEE3-FB57964067BB}"/>
+                <a16:creationId xmlns:a16="http://schemas.microsoft.com/office/drawing/2014/main" xmlns="" id="{D1C53842-5688-4E4C-AEE3-FB57964067BB}"/>
               </a:ext>
             </a:extLst>
           </p:cNvPr>
@@ -6038,7 +6038,7 @@
           <p:cNvPr id="11" name="Group 10">
             <a:extLst>
               <a:ext uri="{FF2B5EF4-FFF2-40B4-BE49-F238E27FC236}">
-                <a16:creationId xmlns="" xmlns:a16="http://schemas.microsoft.com/office/drawing/2014/main" id="{8BE44616-44F6-4451-8A07-B3C7088A052B}"/>
+                <a16:creationId xmlns:a16="http://schemas.microsoft.com/office/drawing/2014/main" xmlns="" id="{8BE44616-44F6-4451-8A07-B3C7088A052B}"/>
               </a:ext>
             </a:extLst>
           </p:cNvPr>
@@ -6058,7 +6058,7 @@
             <p:cNvPr id="6" name="Oval 5">
               <a:extLst>
                 <a:ext uri="{FF2B5EF4-FFF2-40B4-BE49-F238E27FC236}">
-                  <a16:creationId xmlns="" xmlns:a16="http://schemas.microsoft.com/office/drawing/2014/main" id="{AE87FC1A-FD83-4F38-B6A7-7F1EE537344A}"/>
+                  <a16:creationId xmlns:a16="http://schemas.microsoft.com/office/drawing/2014/main" xmlns="" id="{AE87FC1A-FD83-4F38-B6A7-7F1EE537344A}"/>
                 </a:ext>
               </a:extLst>
             </p:cNvPr>
@@ -6110,7 +6110,7 @@
             <p:cNvPr id="8" name="Oval 7">
               <a:extLst>
                 <a:ext uri="{FF2B5EF4-FFF2-40B4-BE49-F238E27FC236}">
-                  <a16:creationId xmlns="" xmlns:a16="http://schemas.microsoft.com/office/drawing/2014/main" id="{3ED916CA-2918-47D8-963E-CFBEF553243E}"/>
+                  <a16:creationId xmlns:a16="http://schemas.microsoft.com/office/drawing/2014/main" xmlns="" id="{3ED916CA-2918-47D8-963E-CFBEF553243E}"/>
                 </a:ext>
               </a:extLst>
             </p:cNvPr>
@@ -6162,7 +6162,7 @@
             <p:cNvPr id="9" name="Oval 8">
               <a:extLst>
                 <a:ext uri="{FF2B5EF4-FFF2-40B4-BE49-F238E27FC236}">
-                  <a16:creationId xmlns="" xmlns:a16="http://schemas.microsoft.com/office/drawing/2014/main" id="{5063945D-6F54-44A1-9725-E7BD2467D8BE}"/>
+                  <a16:creationId xmlns:a16="http://schemas.microsoft.com/office/drawing/2014/main" xmlns="" id="{5063945D-6F54-44A1-9725-E7BD2467D8BE}"/>
                 </a:ext>
               </a:extLst>
             </p:cNvPr>
@@ -6214,7 +6214,7 @@
             <p:cNvPr id="10" name="Oval 9">
               <a:extLst>
                 <a:ext uri="{FF2B5EF4-FFF2-40B4-BE49-F238E27FC236}">
-                  <a16:creationId xmlns="" xmlns:a16="http://schemas.microsoft.com/office/drawing/2014/main" id="{1B708E8F-5207-4E94-BA4D-EA9207FEBAA7}"/>
+                  <a16:creationId xmlns:a16="http://schemas.microsoft.com/office/drawing/2014/main" xmlns="" id="{1B708E8F-5207-4E94-BA4D-EA9207FEBAA7}"/>
                 </a:ext>
               </a:extLst>
             </p:cNvPr>
@@ -6267,7 +6267,7 @@
           <p:cNvPr id="20" name="Picture Placeholder 19">
             <a:extLst>
               <a:ext uri="{FF2B5EF4-FFF2-40B4-BE49-F238E27FC236}">
-                <a16:creationId xmlns="" xmlns:a16="http://schemas.microsoft.com/office/drawing/2014/main" id="{0B382A9B-B5A1-4911-8990-5EAC07025794}"/>
+                <a16:creationId xmlns:a16="http://schemas.microsoft.com/office/drawing/2014/main" xmlns="" id="{0B382A9B-B5A1-4911-8990-5EAC07025794}"/>
               </a:ext>
             </a:extLst>
           </p:cNvPr>
@@ -6367,7 +6367,7 @@
           <p:cNvPr id="17" name="Footer Placeholder 3">
             <a:extLst>
               <a:ext uri="{FF2B5EF4-FFF2-40B4-BE49-F238E27FC236}">
-                <a16:creationId xmlns="" xmlns:a16="http://schemas.microsoft.com/office/drawing/2014/main" id="{1E5CD683-A132-4506-9D46-474D9A8A1230}"/>
+                <a16:creationId xmlns:a16="http://schemas.microsoft.com/office/drawing/2014/main" xmlns="" id="{1E5CD683-A132-4506-9D46-474D9A8A1230}"/>
               </a:ext>
             </a:extLst>
           </p:cNvPr>
@@ -6397,7 +6397,7 @@
           <p:cNvPr id="18" name="Slide Number Placeholder 4">
             <a:extLst>
               <a:ext uri="{FF2B5EF4-FFF2-40B4-BE49-F238E27FC236}">
-                <a16:creationId xmlns="" xmlns:a16="http://schemas.microsoft.com/office/drawing/2014/main" id="{382E09B3-E595-4045-9D9E-5DAD201BFC2C}"/>
+                <a16:creationId xmlns:a16="http://schemas.microsoft.com/office/drawing/2014/main" xmlns="" id="{382E09B3-E595-4045-9D9E-5DAD201BFC2C}"/>
               </a:ext>
             </a:extLst>
           </p:cNvPr>
@@ -6973,7 +6973,7 @@
           <p:cNvPr id="13" name="Rectangle 12">
             <a:extLst>
               <a:ext uri="{FF2B5EF4-FFF2-40B4-BE49-F238E27FC236}">
-                <a16:creationId xmlns="" xmlns:a16="http://schemas.microsoft.com/office/drawing/2014/main" id="{EE1D1380-BC28-F74F-8866-BD4C0AD42595}"/>
+                <a16:creationId xmlns:a16="http://schemas.microsoft.com/office/drawing/2014/main" xmlns="" id="{EE1D1380-BC28-F74F-8866-BD4C0AD42595}"/>
               </a:ext>
             </a:extLst>
           </p:cNvPr>
@@ -7041,7 +7041,7 @@
           <p:cNvPr id="10" name="Picture 9">
             <a:extLst>
               <a:ext uri="{FF2B5EF4-FFF2-40B4-BE49-F238E27FC236}">
-                <a16:creationId xmlns="" xmlns:a16="http://schemas.microsoft.com/office/drawing/2014/main" id="{B632F133-AC7B-4BFC-9A60-F9C1BF83B8C7}"/>
+                <a16:creationId xmlns:a16="http://schemas.microsoft.com/office/drawing/2014/main" xmlns="" id="{B632F133-AC7B-4BFC-9A60-F9C1BF83B8C7}"/>
               </a:ext>
             </a:extLst>
           </p:cNvPr>
@@ -7077,7 +7077,7 @@
           <p:cNvPr id="12" name="Title 17">
             <a:extLst>
               <a:ext uri="{FF2B5EF4-FFF2-40B4-BE49-F238E27FC236}">
-                <a16:creationId xmlns="" xmlns:a16="http://schemas.microsoft.com/office/drawing/2014/main" id="{4117CAFD-7974-40A0-B30C-AF63966E104E}"/>
+                <a16:creationId xmlns:a16="http://schemas.microsoft.com/office/drawing/2014/main" xmlns="" id="{4117CAFD-7974-40A0-B30C-AF63966E104E}"/>
               </a:ext>
             </a:extLst>
           </p:cNvPr>
@@ -7147,7 +7147,7 @@
           <p:cNvPr id="14" name="TextBox 3">
             <a:extLst>
               <a:ext uri="{FF2B5EF4-FFF2-40B4-BE49-F238E27FC236}">
-                <a16:creationId xmlns="" xmlns:a16="http://schemas.microsoft.com/office/drawing/2014/main" id="{CD9849B0-BCB0-4466-8FC9-5ADD342E24D4}"/>
+                <a16:creationId xmlns:a16="http://schemas.microsoft.com/office/drawing/2014/main" xmlns="" id="{CD9849B0-BCB0-4466-8FC9-5ADD342E24D4}"/>
               </a:ext>
             </a:extLst>
           </p:cNvPr>
@@ -7278,7 +7278,7 @@
           <p:cNvPr id="15" name="Picture Placeholder 21" descr="A picture containing person, suit, person, posing&#10;&#10;Description automatically generated">
             <a:extLst>
               <a:ext uri="{FF2B5EF4-FFF2-40B4-BE49-F238E27FC236}">
-                <a16:creationId xmlns="" xmlns:a16="http://schemas.microsoft.com/office/drawing/2014/main" id="{C8DDA278-417E-4992-A507-538AA285B1CA}"/>
+                <a16:creationId xmlns:a16="http://schemas.microsoft.com/office/drawing/2014/main" xmlns="" id="{C8DDA278-417E-4992-A507-538AA285B1CA}"/>
               </a:ext>
             </a:extLst>
           </p:cNvPr>
@@ -7366,7 +7366,7 @@
           <p:cNvPr id="16" name="Picture 15">
             <a:extLst>
               <a:ext uri="{FF2B5EF4-FFF2-40B4-BE49-F238E27FC236}">
-                <a16:creationId xmlns="" xmlns:a16="http://schemas.microsoft.com/office/drawing/2014/main" id="{5CD05779-92C9-4167-9FAF-2640F8D564D9}"/>
+                <a16:creationId xmlns:a16="http://schemas.microsoft.com/office/drawing/2014/main" xmlns="" id="{5CD05779-92C9-4167-9FAF-2640F8D564D9}"/>
               </a:ext>
             </a:extLst>
           </p:cNvPr>
@@ -7402,7 +7402,7 @@
           <p:cNvPr id="11" name="TextBox 10">
             <a:extLst>
               <a:ext uri="{FF2B5EF4-FFF2-40B4-BE49-F238E27FC236}">
-                <a16:creationId xmlns="" xmlns:a16="http://schemas.microsoft.com/office/drawing/2014/main" id="{48852948-6211-4F0A-ACA2-7ECFA7683A37}"/>
+                <a16:creationId xmlns:a16="http://schemas.microsoft.com/office/drawing/2014/main" xmlns="" id="{48852948-6211-4F0A-ACA2-7ECFA7683A37}"/>
               </a:ext>
             </a:extLst>
           </p:cNvPr>
@@ -7485,7 +7485,7 @@
           <p:cNvPr id="3" name="Picture 2">
             <a:extLst>
               <a:ext uri="{FF2B5EF4-FFF2-40B4-BE49-F238E27FC236}">
-                <a16:creationId xmlns="" xmlns:a16="http://schemas.microsoft.com/office/drawing/2014/main" id="{B632F133-AC7B-4BFC-9A60-F9C1BF83B8C7}"/>
+                <a16:creationId xmlns:a16="http://schemas.microsoft.com/office/drawing/2014/main" xmlns="" id="{B632F133-AC7B-4BFC-9A60-F9C1BF83B8C7}"/>
               </a:ext>
             </a:extLst>
           </p:cNvPr>
@@ -7521,7 +7521,7 @@
           <p:cNvPr id="4" name="TextBox 3">
             <a:extLst>
               <a:ext uri="{FF2B5EF4-FFF2-40B4-BE49-F238E27FC236}">
-                <a16:creationId xmlns="" xmlns:a16="http://schemas.microsoft.com/office/drawing/2014/main" id="{3D397016-664C-44ED-84CF-FEA6E3A54912}"/>
+                <a16:creationId xmlns:a16="http://schemas.microsoft.com/office/drawing/2014/main" xmlns="" id="{3D397016-664C-44ED-84CF-FEA6E3A54912}"/>
               </a:ext>
             </a:extLst>
           </p:cNvPr>
@@ -7558,7 +7558,7 @@
           <p:cNvPr id="6" name="TextBox 5">
             <a:extLst>
               <a:ext uri="{FF2B5EF4-FFF2-40B4-BE49-F238E27FC236}">
-                <a16:creationId xmlns="" xmlns:a16="http://schemas.microsoft.com/office/drawing/2014/main" id="{E515AEEE-9779-42A2-AFCA-734FDEC19A71}"/>
+                <a16:creationId xmlns:a16="http://schemas.microsoft.com/office/drawing/2014/main" xmlns="" id="{E515AEEE-9779-42A2-AFCA-734FDEC19A71}"/>
               </a:ext>
             </a:extLst>
           </p:cNvPr>
@@ -7593,7 +7593,7 @@
           <p:cNvPr id="7" name="TextBox 6">
             <a:extLst>
               <a:ext uri="{FF2B5EF4-FFF2-40B4-BE49-F238E27FC236}">
-                <a16:creationId xmlns="" xmlns:a16="http://schemas.microsoft.com/office/drawing/2014/main" id="{A5CC71F9-C09A-4860-98F4-CF360D096233}"/>
+                <a16:creationId xmlns:a16="http://schemas.microsoft.com/office/drawing/2014/main" xmlns="" id="{A5CC71F9-C09A-4860-98F4-CF360D096233}"/>
               </a:ext>
             </a:extLst>
           </p:cNvPr>
@@ -7697,7 +7697,7 @@
           <p:cNvPr id="3" name="Picture 2">
             <a:extLst>
               <a:ext uri="{FF2B5EF4-FFF2-40B4-BE49-F238E27FC236}">
-                <a16:creationId xmlns="" xmlns:a16="http://schemas.microsoft.com/office/drawing/2014/main" id="{B632F133-AC7B-4BFC-9A60-F9C1BF83B8C7}"/>
+                <a16:creationId xmlns:a16="http://schemas.microsoft.com/office/drawing/2014/main" xmlns="" id="{B632F133-AC7B-4BFC-9A60-F9C1BF83B8C7}"/>
               </a:ext>
             </a:extLst>
           </p:cNvPr>
@@ -7733,7 +7733,7 @@
           <p:cNvPr id="4" name="TextBox 3">
             <a:extLst>
               <a:ext uri="{FF2B5EF4-FFF2-40B4-BE49-F238E27FC236}">
-                <a16:creationId xmlns="" xmlns:a16="http://schemas.microsoft.com/office/drawing/2014/main" id="{3D397016-664C-44ED-84CF-FEA6E3A54912}"/>
+                <a16:creationId xmlns:a16="http://schemas.microsoft.com/office/drawing/2014/main" xmlns="" id="{3D397016-664C-44ED-84CF-FEA6E3A54912}"/>
               </a:ext>
             </a:extLst>
           </p:cNvPr>
@@ -7770,7 +7770,7 @@
           <p:cNvPr id="5" name="TextBox 4">
             <a:extLst>
               <a:ext uri="{FF2B5EF4-FFF2-40B4-BE49-F238E27FC236}">
-                <a16:creationId xmlns="" xmlns:a16="http://schemas.microsoft.com/office/drawing/2014/main" id="{A5CC71F9-C09A-4860-98F4-CF360D096233}"/>
+                <a16:creationId xmlns:a16="http://schemas.microsoft.com/office/drawing/2014/main" xmlns="" id="{A5CC71F9-C09A-4860-98F4-CF360D096233}"/>
               </a:ext>
             </a:extLst>
           </p:cNvPr>
@@ -7864,7 +7864,7 @@
           <p:cNvPr id="6" name="TextBox 5">
             <a:extLst>
               <a:ext uri="{FF2B5EF4-FFF2-40B4-BE49-F238E27FC236}">
-                <a16:creationId xmlns="" xmlns:a16="http://schemas.microsoft.com/office/drawing/2014/main" id="{E515AEEE-9779-42A2-AFCA-734FDEC19A71}"/>
+                <a16:creationId xmlns:a16="http://schemas.microsoft.com/office/drawing/2014/main" xmlns="" id="{E515AEEE-9779-42A2-AFCA-734FDEC19A71}"/>
               </a:ext>
             </a:extLst>
           </p:cNvPr>
@@ -7929,7 +7929,7 @@
           <p:cNvPr id="3" name="Slide Number Placeholder 2">
             <a:extLst>
               <a:ext uri="{FF2B5EF4-FFF2-40B4-BE49-F238E27FC236}">
-                <a16:creationId xmlns="" xmlns:a16="http://schemas.microsoft.com/office/drawing/2014/main" id="{FBF87C44-1FBE-4DAA-A7F9-A76EA593482A}"/>
+                <a16:creationId xmlns:a16="http://schemas.microsoft.com/office/drawing/2014/main" xmlns="" id="{FBF87C44-1FBE-4DAA-A7F9-A76EA593482A}"/>
               </a:ext>
             </a:extLst>
           </p:cNvPr>
@@ -7964,7 +7964,7 @@
           <p:cNvPr id="11" name="Picture Placeholder 10">
             <a:extLst>
               <a:ext uri="{FF2B5EF4-FFF2-40B4-BE49-F238E27FC236}">
-                <a16:creationId xmlns="" xmlns:a16="http://schemas.microsoft.com/office/drawing/2014/main" id="{69A8831E-7EB2-484A-9D01-F802C8B71C90}"/>
+                <a16:creationId xmlns:a16="http://schemas.microsoft.com/office/drawing/2014/main" xmlns="" id="{69A8831E-7EB2-484A-9D01-F802C8B71C90}"/>
               </a:ext>
             </a:extLst>
           </p:cNvPr>
@@ -7995,7 +7995,7 @@
           <p:cNvPr id="54" name="Freeform 6">
             <a:extLst>
               <a:ext uri="{FF2B5EF4-FFF2-40B4-BE49-F238E27FC236}">
-                <a16:creationId xmlns="" xmlns:a16="http://schemas.microsoft.com/office/drawing/2014/main" id="{7CEA75D0-6AAF-4DF6-A668-7EE782A30A1F}"/>
+                <a16:creationId xmlns:a16="http://schemas.microsoft.com/office/drawing/2014/main" xmlns="" id="{7CEA75D0-6AAF-4DF6-A668-7EE782A30A1F}"/>
               </a:ext>
             </a:extLst>
           </p:cNvPr>
@@ -8110,7 +8110,7 @@
           <p:cNvPr id="55" name="Freeform 6">
             <a:extLst>
               <a:ext uri="{FF2B5EF4-FFF2-40B4-BE49-F238E27FC236}">
-                <a16:creationId xmlns="" xmlns:a16="http://schemas.microsoft.com/office/drawing/2014/main" id="{8A72FFBC-FC4F-4574-BCE4-075EBD782D1B}"/>
+                <a16:creationId xmlns:a16="http://schemas.microsoft.com/office/drawing/2014/main" xmlns="" id="{8A72FFBC-FC4F-4574-BCE4-075EBD782D1B}"/>
               </a:ext>
             </a:extLst>
           </p:cNvPr>
@@ -8225,7 +8225,7 @@
           <p:cNvPr id="13" name="TextBox 12">
             <a:extLst>
               <a:ext uri="{FF2B5EF4-FFF2-40B4-BE49-F238E27FC236}">
-                <a16:creationId xmlns="" xmlns:a16="http://schemas.microsoft.com/office/drawing/2014/main" id="{0F67A00B-35E2-4D67-8B7B-F211152C2584}"/>
+                <a16:creationId xmlns:a16="http://schemas.microsoft.com/office/drawing/2014/main" xmlns="" id="{0F67A00B-35E2-4D67-8B7B-F211152C2584}"/>
               </a:ext>
             </a:extLst>
           </p:cNvPr>
@@ -8265,7 +8265,7 @@
           <p:cNvPr id="56" name="Rectangle 55">
             <a:extLst>
               <a:ext uri="{FF2B5EF4-FFF2-40B4-BE49-F238E27FC236}">
-                <a16:creationId xmlns="" xmlns:a16="http://schemas.microsoft.com/office/drawing/2014/main" id="{56D1A3A5-8C05-4459-89DF-E277F89F72B6}"/>
+                <a16:creationId xmlns:a16="http://schemas.microsoft.com/office/drawing/2014/main" xmlns="" id="{56D1A3A5-8C05-4459-89DF-E277F89F72B6}"/>
               </a:ext>
             </a:extLst>
           </p:cNvPr>
@@ -8305,7 +8305,7 @@
           <p:cNvPr id="57" name="Rectangle 56">
             <a:extLst>
               <a:ext uri="{FF2B5EF4-FFF2-40B4-BE49-F238E27FC236}">
-                <a16:creationId xmlns="" xmlns:a16="http://schemas.microsoft.com/office/drawing/2014/main" id="{0B5C7820-2097-40EE-8A3C-5CC9DEF512EB}"/>
+                <a16:creationId xmlns:a16="http://schemas.microsoft.com/office/drawing/2014/main" xmlns="" id="{0B5C7820-2097-40EE-8A3C-5CC9DEF512EB}"/>
               </a:ext>
             </a:extLst>
           </p:cNvPr>
@@ -8343,7 +8343,7 @@
           <p:cNvPr id="2" name="TextBox 1">
             <a:extLst>
               <a:ext uri="{FF2B5EF4-FFF2-40B4-BE49-F238E27FC236}">
-                <a16:creationId xmlns="" xmlns:a16="http://schemas.microsoft.com/office/drawing/2014/main" id="{811821F5-9F15-4420-A5A9-063F4D7930EB}"/>
+                <a16:creationId xmlns:a16="http://schemas.microsoft.com/office/drawing/2014/main" xmlns="" id="{811821F5-9F15-4420-A5A9-063F4D7930EB}"/>
               </a:ext>
             </a:extLst>
           </p:cNvPr>
@@ -8385,7 +8385,7 @@
           <p:cNvPr id="10" name="Picture 9">
             <a:extLst>
               <a:ext uri="{FF2B5EF4-FFF2-40B4-BE49-F238E27FC236}">
-                <a16:creationId xmlns="" xmlns:a16="http://schemas.microsoft.com/office/drawing/2014/main" id="{76507F6D-CAA6-4D86-8B9B-572298053C71}"/>
+                <a16:creationId xmlns:a16="http://schemas.microsoft.com/office/drawing/2014/main" xmlns="" id="{76507F6D-CAA6-4D86-8B9B-572298053C71}"/>
               </a:ext>
             </a:extLst>
           </p:cNvPr>
@@ -8451,7 +8451,7 @@
           <p:cNvPr id="3" name="Picture 2">
             <a:extLst>
               <a:ext uri="{FF2B5EF4-FFF2-40B4-BE49-F238E27FC236}">
-                <a16:creationId xmlns="" xmlns:a16="http://schemas.microsoft.com/office/drawing/2014/main" id="{B632F133-AC7B-4BFC-9A60-F9C1BF83B8C7}"/>
+                <a16:creationId xmlns:a16="http://schemas.microsoft.com/office/drawing/2014/main" xmlns="" id="{B632F133-AC7B-4BFC-9A60-F9C1BF83B8C7}"/>
               </a:ext>
             </a:extLst>
           </p:cNvPr>
@@ -8487,7 +8487,7 @@
           <p:cNvPr id="4" name="TextBox 3">
             <a:extLst>
               <a:ext uri="{FF2B5EF4-FFF2-40B4-BE49-F238E27FC236}">
-                <a16:creationId xmlns="" xmlns:a16="http://schemas.microsoft.com/office/drawing/2014/main" id="{3D397016-664C-44ED-84CF-FEA6E3A54912}"/>
+                <a16:creationId xmlns:a16="http://schemas.microsoft.com/office/drawing/2014/main" xmlns="" id="{3D397016-664C-44ED-84CF-FEA6E3A54912}"/>
               </a:ext>
             </a:extLst>
           </p:cNvPr>
@@ -8524,7 +8524,7 @@
           <p:cNvPr id="5" name="TextBox 4">
             <a:extLst>
               <a:ext uri="{FF2B5EF4-FFF2-40B4-BE49-F238E27FC236}">
-                <a16:creationId xmlns="" xmlns:a16="http://schemas.microsoft.com/office/drawing/2014/main" id="{A5CC71F9-C09A-4860-98F4-CF360D096233}"/>
+                <a16:creationId xmlns:a16="http://schemas.microsoft.com/office/drawing/2014/main" xmlns="" id="{A5CC71F9-C09A-4860-98F4-CF360D096233}"/>
               </a:ext>
             </a:extLst>
           </p:cNvPr>
@@ -8683,7 +8683,7 @@
           <p:cNvPr id="6" name="TextBox 5">
             <a:extLst>
               <a:ext uri="{FF2B5EF4-FFF2-40B4-BE49-F238E27FC236}">
-                <a16:creationId xmlns="" xmlns:a16="http://schemas.microsoft.com/office/drawing/2014/main" id="{E515AEEE-9779-42A2-AFCA-734FDEC19A71}"/>
+                <a16:creationId xmlns:a16="http://schemas.microsoft.com/office/drawing/2014/main" xmlns="" id="{E515AEEE-9779-42A2-AFCA-734FDEC19A71}"/>
               </a:ext>
             </a:extLst>
           </p:cNvPr>
@@ -8748,7 +8748,7 @@
           <p:cNvPr id="3" name="Picture 2">
             <a:extLst>
               <a:ext uri="{FF2B5EF4-FFF2-40B4-BE49-F238E27FC236}">
-                <a16:creationId xmlns="" xmlns:a16="http://schemas.microsoft.com/office/drawing/2014/main" id="{B632F133-AC7B-4BFC-9A60-F9C1BF83B8C7}"/>
+                <a16:creationId xmlns:a16="http://schemas.microsoft.com/office/drawing/2014/main" xmlns="" id="{B632F133-AC7B-4BFC-9A60-F9C1BF83B8C7}"/>
               </a:ext>
             </a:extLst>
           </p:cNvPr>
@@ -8784,7 +8784,7 @@
           <p:cNvPr id="4" name="TextBox 3">
             <a:extLst>
               <a:ext uri="{FF2B5EF4-FFF2-40B4-BE49-F238E27FC236}">
-                <a16:creationId xmlns="" xmlns:a16="http://schemas.microsoft.com/office/drawing/2014/main" id="{3D397016-664C-44ED-84CF-FEA6E3A54912}"/>
+                <a16:creationId xmlns:a16="http://schemas.microsoft.com/office/drawing/2014/main" xmlns="" id="{3D397016-664C-44ED-84CF-FEA6E3A54912}"/>
               </a:ext>
             </a:extLst>
           </p:cNvPr>
@@ -8821,7 +8821,7 @@
           <p:cNvPr id="5" name="TextBox 4">
             <a:extLst>
               <a:ext uri="{FF2B5EF4-FFF2-40B4-BE49-F238E27FC236}">
-                <a16:creationId xmlns="" xmlns:a16="http://schemas.microsoft.com/office/drawing/2014/main" id="{A5CC71F9-C09A-4860-98F4-CF360D096233}"/>
+                <a16:creationId xmlns:a16="http://schemas.microsoft.com/office/drawing/2014/main" xmlns="" id="{A5CC71F9-C09A-4860-98F4-CF360D096233}"/>
               </a:ext>
             </a:extLst>
           </p:cNvPr>
@@ -8988,7 +8988,7 @@
           <p:cNvPr id="6" name="TextBox 5">
             <a:extLst>
               <a:ext uri="{FF2B5EF4-FFF2-40B4-BE49-F238E27FC236}">
-                <a16:creationId xmlns="" xmlns:a16="http://schemas.microsoft.com/office/drawing/2014/main" id="{E515AEEE-9779-42A2-AFCA-734FDEC19A71}"/>
+                <a16:creationId xmlns:a16="http://schemas.microsoft.com/office/drawing/2014/main" xmlns="" id="{E515AEEE-9779-42A2-AFCA-734FDEC19A71}"/>
               </a:ext>
             </a:extLst>
           </p:cNvPr>
@@ -9053,7 +9053,7 @@
           <p:cNvPr id="3" name="Picture 2">
             <a:extLst>
               <a:ext uri="{FF2B5EF4-FFF2-40B4-BE49-F238E27FC236}">
-                <a16:creationId xmlns="" xmlns:a16="http://schemas.microsoft.com/office/drawing/2014/main" id="{B632F133-AC7B-4BFC-9A60-F9C1BF83B8C7}"/>
+                <a16:creationId xmlns:a16="http://schemas.microsoft.com/office/drawing/2014/main" xmlns="" id="{B632F133-AC7B-4BFC-9A60-F9C1BF83B8C7}"/>
               </a:ext>
             </a:extLst>
           </p:cNvPr>
@@ -9089,7 +9089,7 @@
           <p:cNvPr id="4" name="TextBox 3">
             <a:extLst>
               <a:ext uri="{FF2B5EF4-FFF2-40B4-BE49-F238E27FC236}">
-                <a16:creationId xmlns="" xmlns:a16="http://schemas.microsoft.com/office/drawing/2014/main" id="{3D397016-664C-44ED-84CF-FEA6E3A54912}"/>
+                <a16:creationId xmlns:a16="http://schemas.microsoft.com/office/drawing/2014/main" xmlns="" id="{3D397016-664C-44ED-84CF-FEA6E3A54912}"/>
               </a:ext>
             </a:extLst>
           </p:cNvPr>
@@ -9126,7 +9126,7 @@
           <p:cNvPr id="5" name="TextBox 4">
             <a:extLst>
               <a:ext uri="{FF2B5EF4-FFF2-40B4-BE49-F238E27FC236}">
-                <a16:creationId xmlns="" xmlns:a16="http://schemas.microsoft.com/office/drawing/2014/main" id="{A5CC71F9-C09A-4860-98F4-CF360D096233}"/>
+                <a16:creationId xmlns:a16="http://schemas.microsoft.com/office/drawing/2014/main" xmlns="" id="{A5CC71F9-C09A-4860-98F4-CF360D096233}"/>
               </a:ext>
             </a:extLst>
           </p:cNvPr>
@@ -9136,7 +9136,7 @@
         <p:spPr>
           <a:xfrm>
             <a:off x="621804" y="851222"/>
-            <a:ext cx="10801200" cy="2308324"/>
+            <a:ext cx="10801200" cy="1754326"/>
           </a:xfrm>
           <a:prstGeom prst="rect">
             <a:avLst/>
@@ -9197,21 +9197,19 @@
                 <a:latin typeface="Calibri" panose="020F0502020204030204" pitchFamily="34" charset="0"/>
                 <a:cs typeface="Calibri" panose="020F0502020204030204" pitchFamily="34" charset="0"/>
               </a:rPr>
-              <a:t>POSTMAN test</a:t>
-            </a:r>
-          </a:p>
-          <a:p>
-            <a:pPr marL="285750" indent="-285750">
-              <a:buFont typeface="Arial" panose="020B0604020202020204" pitchFamily="34" charset="0"/>
-              <a:buChar char="•"/>
-            </a:pPr>
-            <a:r>
-              <a:rPr lang="en-US" sz="1800" dirty="0">
+              <a:t>POSTMAN </a:t>
+            </a:r>
+            <a:r>
+              <a:rPr lang="en-US" sz="1800" dirty="0" smtClean="0">
                 <a:latin typeface="Calibri" panose="020F0502020204030204" pitchFamily="34" charset="0"/>
                 <a:cs typeface="Calibri" panose="020F0502020204030204" pitchFamily="34" charset="0"/>
               </a:rPr>
-              <a:t>PATCH v/s Merge</a:t>
-            </a:r>
+              <a:t>test</a:t>
+            </a:r>
+            <a:endParaRPr lang="en-US" sz="1800" dirty="0">
+              <a:latin typeface="Calibri" panose="020F0502020204030204" pitchFamily="34" charset="0"/>
+              <a:cs typeface="Calibri" panose="020F0502020204030204" pitchFamily="34" charset="0"/>
+            </a:endParaRPr>
           </a:p>
           <a:p>
             <a:pPr marL="285750" indent="-285750">
@@ -9233,16 +9231,6 @@
               <a:cs typeface="Calibri" panose="020F0502020204030204" pitchFamily="34" charset="0"/>
             </a:endParaRPr>
           </a:p>
-          <a:p>
-            <a:pPr marL="285750" indent="-285750">
-              <a:buFont typeface="Arial" panose="020B0604020202020204" pitchFamily="34" charset="0"/>
-              <a:buChar char="•"/>
-            </a:pPr>
-            <a:endParaRPr lang="en-US" sz="1800" dirty="0">
-              <a:latin typeface="Calibri" panose="020F0502020204030204" pitchFamily="34" charset="0"/>
-              <a:cs typeface="Calibri" panose="020F0502020204030204" pitchFamily="34" charset="0"/>
-            </a:endParaRPr>
-          </a:p>
         </p:txBody>
       </p:sp>
       <p:sp>
@@ -9250,7 +9238,7 @@
           <p:cNvPr id="6" name="TextBox 5">
             <a:extLst>
               <a:ext uri="{FF2B5EF4-FFF2-40B4-BE49-F238E27FC236}">
-                <a16:creationId xmlns="" xmlns:a16="http://schemas.microsoft.com/office/drawing/2014/main" id="{E515AEEE-9779-42A2-AFCA-734FDEC19A71}"/>
+                <a16:creationId xmlns:a16="http://schemas.microsoft.com/office/drawing/2014/main" xmlns="" id="{E515AEEE-9779-42A2-AFCA-734FDEC19A71}"/>
               </a:ext>
             </a:extLst>
           </p:cNvPr>
@@ -9315,7 +9303,7 @@
           <p:cNvPr id="3" name="Picture 2">
             <a:extLst>
               <a:ext uri="{FF2B5EF4-FFF2-40B4-BE49-F238E27FC236}">
-                <a16:creationId xmlns="" xmlns:a16="http://schemas.microsoft.com/office/drawing/2014/main" id="{B632F133-AC7B-4BFC-9A60-F9C1BF83B8C7}"/>
+                <a16:creationId xmlns:a16="http://schemas.microsoft.com/office/drawing/2014/main" xmlns="" id="{B632F133-AC7B-4BFC-9A60-F9C1BF83B8C7}"/>
               </a:ext>
             </a:extLst>
           </p:cNvPr>
@@ -9351,7 +9339,7 @@
           <p:cNvPr id="4" name="TextBox 3">
             <a:extLst>
               <a:ext uri="{FF2B5EF4-FFF2-40B4-BE49-F238E27FC236}">
-                <a16:creationId xmlns="" xmlns:a16="http://schemas.microsoft.com/office/drawing/2014/main" id="{3D397016-664C-44ED-84CF-FEA6E3A54912}"/>
+                <a16:creationId xmlns:a16="http://schemas.microsoft.com/office/drawing/2014/main" xmlns="" id="{3D397016-664C-44ED-84CF-FEA6E3A54912}"/>
               </a:ext>
             </a:extLst>
           </p:cNvPr>
@@ -9388,7 +9376,7 @@
           <p:cNvPr id="5" name="TextBox 4">
             <a:extLst>
               <a:ext uri="{FF2B5EF4-FFF2-40B4-BE49-F238E27FC236}">
-                <a16:creationId xmlns="" xmlns:a16="http://schemas.microsoft.com/office/drawing/2014/main" id="{A5CC71F9-C09A-4860-98F4-CF360D096233}"/>
+                <a16:creationId xmlns:a16="http://schemas.microsoft.com/office/drawing/2014/main" xmlns="" id="{A5CC71F9-C09A-4860-98F4-CF360D096233}"/>
               </a:ext>
             </a:extLst>
           </p:cNvPr>
@@ -9545,7 +9533,7 @@
           <p:cNvPr id="6" name="TextBox 5">
             <a:extLst>
               <a:ext uri="{FF2B5EF4-FFF2-40B4-BE49-F238E27FC236}">
-                <a16:creationId xmlns="" xmlns:a16="http://schemas.microsoft.com/office/drawing/2014/main" id="{E515AEEE-9779-42A2-AFCA-734FDEC19A71}"/>
+                <a16:creationId xmlns:a16="http://schemas.microsoft.com/office/drawing/2014/main" xmlns="" id="{E515AEEE-9779-42A2-AFCA-734FDEC19A71}"/>
               </a:ext>
             </a:extLst>
           </p:cNvPr>
@@ -9610,7 +9598,7 @@
           <p:cNvPr id="3" name="Picture 2">
             <a:extLst>
               <a:ext uri="{FF2B5EF4-FFF2-40B4-BE49-F238E27FC236}">
-                <a16:creationId xmlns="" xmlns:a16="http://schemas.microsoft.com/office/drawing/2014/main" id="{B632F133-AC7B-4BFC-9A60-F9C1BF83B8C7}"/>
+                <a16:creationId xmlns:a16="http://schemas.microsoft.com/office/drawing/2014/main" xmlns="" id="{B632F133-AC7B-4BFC-9A60-F9C1BF83B8C7}"/>
               </a:ext>
             </a:extLst>
           </p:cNvPr>
@@ -9646,7 +9634,7 @@
           <p:cNvPr id="4" name="TextBox 3">
             <a:extLst>
               <a:ext uri="{FF2B5EF4-FFF2-40B4-BE49-F238E27FC236}">
-                <a16:creationId xmlns="" xmlns:a16="http://schemas.microsoft.com/office/drawing/2014/main" id="{3D397016-664C-44ED-84CF-FEA6E3A54912}"/>
+                <a16:creationId xmlns:a16="http://schemas.microsoft.com/office/drawing/2014/main" xmlns="" id="{3D397016-664C-44ED-84CF-FEA6E3A54912}"/>
               </a:ext>
             </a:extLst>
           </p:cNvPr>
@@ -9683,7 +9671,7 @@
           <p:cNvPr id="5" name="TextBox 4">
             <a:extLst>
               <a:ext uri="{FF2B5EF4-FFF2-40B4-BE49-F238E27FC236}">
-                <a16:creationId xmlns="" xmlns:a16="http://schemas.microsoft.com/office/drawing/2014/main" id="{A5CC71F9-C09A-4860-98F4-CF360D096233}"/>
+                <a16:creationId xmlns:a16="http://schemas.microsoft.com/office/drawing/2014/main" xmlns="" id="{A5CC71F9-C09A-4860-98F4-CF360D096233}"/>
               </a:ext>
             </a:extLst>
           </p:cNvPr>
@@ -9803,7 +9791,7 @@
           <p:cNvPr id="6" name="TextBox 5">
             <a:extLst>
               <a:ext uri="{FF2B5EF4-FFF2-40B4-BE49-F238E27FC236}">
-                <a16:creationId xmlns="" xmlns:a16="http://schemas.microsoft.com/office/drawing/2014/main" id="{E515AEEE-9779-42A2-AFCA-734FDEC19A71}"/>
+                <a16:creationId xmlns:a16="http://schemas.microsoft.com/office/drawing/2014/main" xmlns="" id="{E515AEEE-9779-42A2-AFCA-734FDEC19A71}"/>
               </a:ext>
             </a:extLst>
           </p:cNvPr>
@@ -9868,7 +9856,7 @@
           <p:cNvPr id="3" name="Picture 2">
             <a:extLst>
               <a:ext uri="{FF2B5EF4-FFF2-40B4-BE49-F238E27FC236}">
-                <a16:creationId xmlns="" xmlns:a16="http://schemas.microsoft.com/office/drawing/2014/main" id="{B632F133-AC7B-4BFC-9A60-F9C1BF83B8C7}"/>
+                <a16:creationId xmlns:a16="http://schemas.microsoft.com/office/drawing/2014/main" xmlns="" id="{B632F133-AC7B-4BFC-9A60-F9C1BF83B8C7}"/>
               </a:ext>
             </a:extLst>
           </p:cNvPr>
@@ -9904,7 +9892,7 @@
           <p:cNvPr id="4" name="TextBox 3">
             <a:extLst>
               <a:ext uri="{FF2B5EF4-FFF2-40B4-BE49-F238E27FC236}">
-                <a16:creationId xmlns="" xmlns:a16="http://schemas.microsoft.com/office/drawing/2014/main" id="{3D397016-664C-44ED-84CF-FEA6E3A54912}"/>
+                <a16:creationId xmlns:a16="http://schemas.microsoft.com/office/drawing/2014/main" xmlns="" id="{3D397016-664C-44ED-84CF-FEA6E3A54912}"/>
               </a:ext>
             </a:extLst>
           </p:cNvPr>
@@ -9941,7 +9929,7 @@
           <p:cNvPr id="5" name="TextBox 4">
             <a:extLst>
               <a:ext uri="{FF2B5EF4-FFF2-40B4-BE49-F238E27FC236}">
-                <a16:creationId xmlns="" xmlns:a16="http://schemas.microsoft.com/office/drawing/2014/main" id="{A5CC71F9-C09A-4860-98F4-CF360D096233}"/>
+                <a16:creationId xmlns:a16="http://schemas.microsoft.com/office/drawing/2014/main" xmlns="" id="{A5CC71F9-C09A-4860-98F4-CF360D096233}"/>
               </a:ext>
             </a:extLst>
           </p:cNvPr>
@@ -10035,7 +10023,7 @@
           <p:cNvPr id="6" name="TextBox 5">
             <a:extLst>
               <a:ext uri="{FF2B5EF4-FFF2-40B4-BE49-F238E27FC236}">
-                <a16:creationId xmlns="" xmlns:a16="http://schemas.microsoft.com/office/drawing/2014/main" id="{E515AEEE-9779-42A2-AFCA-734FDEC19A71}"/>
+                <a16:creationId xmlns:a16="http://schemas.microsoft.com/office/drawing/2014/main" xmlns="" id="{E515AEEE-9779-42A2-AFCA-734FDEC19A71}"/>
               </a:ext>
             </a:extLst>
           </p:cNvPr>
@@ -10100,7 +10088,7 @@
           <p:cNvPr id="3" name="Picture 2">
             <a:extLst>
               <a:ext uri="{FF2B5EF4-FFF2-40B4-BE49-F238E27FC236}">
-                <a16:creationId xmlns="" xmlns:a16="http://schemas.microsoft.com/office/drawing/2014/main" id="{B632F133-AC7B-4BFC-9A60-F9C1BF83B8C7}"/>
+                <a16:creationId xmlns:a16="http://schemas.microsoft.com/office/drawing/2014/main" xmlns="" id="{B632F133-AC7B-4BFC-9A60-F9C1BF83B8C7}"/>
               </a:ext>
             </a:extLst>
           </p:cNvPr>
@@ -10136,7 +10124,7 @@
           <p:cNvPr id="4" name="TextBox 3">
             <a:extLst>
               <a:ext uri="{FF2B5EF4-FFF2-40B4-BE49-F238E27FC236}">
-                <a16:creationId xmlns="" xmlns:a16="http://schemas.microsoft.com/office/drawing/2014/main" id="{3D397016-664C-44ED-84CF-FEA6E3A54912}"/>
+                <a16:creationId xmlns:a16="http://schemas.microsoft.com/office/drawing/2014/main" xmlns="" id="{3D397016-664C-44ED-84CF-FEA6E3A54912}"/>
               </a:ext>
             </a:extLst>
           </p:cNvPr>
@@ -10173,7 +10161,7 @@
           <p:cNvPr id="5" name="TextBox 4">
             <a:extLst>
               <a:ext uri="{FF2B5EF4-FFF2-40B4-BE49-F238E27FC236}">
-                <a16:creationId xmlns="" xmlns:a16="http://schemas.microsoft.com/office/drawing/2014/main" id="{A5CC71F9-C09A-4860-98F4-CF360D096233}"/>
+                <a16:creationId xmlns:a16="http://schemas.microsoft.com/office/drawing/2014/main" xmlns="" id="{A5CC71F9-C09A-4860-98F4-CF360D096233}"/>
               </a:ext>
             </a:extLst>
           </p:cNvPr>
@@ -10267,7 +10255,7 @@
           <p:cNvPr id="6" name="TextBox 5">
             <a:extLst>
               <a:ext uri="{FF2B5EF4-FFF2-40B4-BE49-F238E27FC236}">
-                <a16:creationId xmlns="" xmlns:a16="http://schemas.microsoft.com/office/drawing/2014/main" id="{E515AEEE-9779-42A2-AFCA-734FDEC19A71}"/>
+                <a16:creationId xmlns:a16="http://schemas.microsoft.com/office/drawing/2014/main" xmlns="" id="{E515AEEE-9779-42A2-AFCA-734FDEC19A71}"/>
               </a:ext>
             </a:extLst>
           </p:cNvPr>
@@ -10332,7 +10320,7 @@
           <p:cNvPr id="3" name="Picture 2">
             <a:extLst>
               <a:ext uri="{FF2B5EF4-FFF2-40B4-BE49-F238E27FC236}">
-                <a16:creationId xmlns="" xmlns:a16="http://schemas.microsoft.com/office/drawing/2014/main" id="{B632F133-AC7B-4BFC-9A60-F9C1BF83B8C7}"/>
+                <a16:creationId xmlns:a16="http://schemas.microsoft.com/office/drawing/2014/main" xmlns="" id="{B632F133-AC7B-4BFC-9A60-F9C1BF83B8C7}"/>
               </a:ext>
             </a:extLst>
           </p:cNvPr>
@@ -10368,7 +10356,7 @@
           <p:cNvPr id="4" name="TextBox 3">
             <a:extLst>
               <a:ext uri="{FF2B5EF4-FFF2-40B4-BE49-F238E27FC236}">
-                <a16:creationId xmlns="" xmlns:a16="http://schemas.microsoft.com/office/drawing/2014/main" id="{3D397016-664C-44ED-84CF-FEA6E3A54912}"/>
+                <a16:creationId xmlns:a16="http://schemas.microsoft.com/office/drawing/2014/main" xmlns="" id="{3D397016-664C-44ED-84CF-FEA6E3A54912}"/>
               </a:ext>
             </a:extLst>
           </p:cNvPr>
@@ -10405,7 +10393,7 @@
           <p:cNvPr id="5" name="TextBox 4">
             <a:extLst>
               <a:ext uri="{FF2B5EF4-FFF2-40B4-BE49-F238E27FC236}">
-                <a16:creationId xmlns="" xmlns:a16="http://schemas.microsoft.com/office/drawing/2014/main" id="{A5CC71F9-C09A-4860-98F4-CF360D096233}"/>
+                <a16:creationId xmlns:a16="http://schemas.microsoft.com/office/drawing/2014/main" xmlns="" id="{A5CC71F9-C09A-4860-98F4-CF360D096233}"/>
               </a:ext>
             </a:extLst>
           </p:cNvPr>
@@ -10547,7 +10535,7 @@
           <p:cNvPr id="6" name="TextBox 5">
             <a:extLst>
               <a:ext uri="{FF2B5EF4-FFF2-40B4-BE49-F238E27FC236}">
-                <a16:creationId xmlns="" xmlns:a16="http://schemas.microsoft.com/office/drawing/2014/main" id="{E515AEEE-9779-42A2-AFCA-734FDEC19A71}"/>
+                <a16:creationId xmlns:a16="http://schemas.microsoft.com/office/drawing/2014/main" xmlns="" id="{E515AEEE-9779-42A2-AFCA-734FDEC19A71}"/>
               </a:ext>
             </a:extLst>
           </p:cNvPr>

--- a/OData Agenda.pptx
+++ b/OData Agenda.pptx
@@ -921,7 +921,7 @@
           <p:cNvPr id="5" name="Picture Placeholder 4">
             <a:extLst>
               <a:ext uri="{FF2B5EF4-FFF2-40B4-BE49-F238E27FC236}">
-                <a16:creationId xmlns:a16="http://schemas.microsoft.com/office/drawing/2014/main" xmlns="" id="{8CBA70B9-7619-4B6B-9D48-09FF42954060}"/>
+                <a16:creationId xmlns="" xmlns:a16="http://schemas.microsoft.com/office/drawing/2014/main" id="{8CBA70B9-7619-4B6B-9D48-09FF42954060}"/>
               </a:ext>
             </a:extLst>
           </p:cNvPr>
@@ -987,7 +987,7 @@
           <p:cNvPr id="5" name="Picture Placeholder 4">
             <a:extLst>
               <a:ext uri="{FF2B5EF4-FFF2-40B4-BE49-F238E27FC236}">
-                <a16:creationId xmlns:a16="http://schemas.microsoft.com/office/drawing/2014/main" xmlns="" id="{8CBA70B9-7619-4B6B-9D48-09FF42954060}"/>
+                <a16:creationId xmlns="" xmlns:a16="http://schemas.microsoft.com/office/drawing/2014/main" id="{8CBA70B9-7619-4B6B-9D48-09FF42954060}"/>
               </a:ext>
             </a:extLst>
           </p:cNvPr>
@@ -1023,7 +1023,7 @@
           <p:cNvPr id="3" name="Picture Placeholder 19">
             <a:extLst>
               <a:ext uri="{FF2B5EF4-FFF2-40B4-BE49-F238E27FC236}">
-                <a16:creationId xmlns:a16="http://schemas.microsoft.com/office/drawing/2014/main" xmlns="" id="{388E23CC-7388-46C2-BCD5-F9234548CFD1}"/>
+                <a16:creationId xmlns="" xmlns:a16="http://schemas.microsoft.com/office/drawing/2014/main" id="{388E23CC-7388-46C2-BCD5-F9234548CFD1}"/>
               </a:ext>
             </a:extLst>
           </p:cNvPr>
@@ -1156,7 +1156,7 @@
           <p:cNvPr id="5" name="Picture Placeholder 4">
             <a:extLst>
               <a:ext uri="{FF2B5EF4-FFF2-40B4-BE49-F238E27FC236}">
-                <a16:creationId xmlns:a16="http://schemas.microsoft.com/office/drawing/2014/main" xmlns="" id="{8CBA70B9-7619-4B6B-9D48-09FF42954060}"/>
+                <a16:creationId xmlns="" xmlns:a16="http://schemas.microsoft.com/office/drawing/2014/main" id="{8CBA70B9-7619-4B6B-9D48-09FF42954060}"/>
               </a:ext>
             </a:extLst>
           </p:cNvPr>
@@ -1192,7 +1192,7 @@
           <p:cNvPr id="13" name="Picture Placeholder 12">
             <a:extLst>
               <a:ext uri="{FF2B5EF4-FFF2-40B4-BE49-F238E27FC236}">
-                <a16:creationId xmlns:a16="http://schemas.microsoft.com/office/drawing/2014/main" xmlns="" id="{D11BC8FA-8E3C-4B7E-B585-446554DD66B9}"/>
+                <a16:creationId xmlns="" xmlns:a16="http://schemas.microsoft.com/office/drawing/2014/main" id="{D11BC8FA-8E3C-4B7E-B585-446554DD66B9}"/>
               </a:ext>
             </a:extLst>
           </p:cNvPr>
@@ -1299,7 +1299,7 @@
           <p:cNvPr id="15" name="Picture Placeholder 14">
             <a:extLst>
               <a:ext uri="{FF2B5EF4-FFF2-40B4-BE49-F238E27FC236}">
-                <a16:creationId xmlns:a16="http://schemas.microsoft.com/office/drawing/2014/main" xmlns="" id="{8D503877-37B9-4FEE-A578-F1F19F5FFBF2}"/>
+                <a16:creationId xmlns="" xmlns:a16="http://schemas.microsoft.com/office/drawing/2014/main" id="{8D503877-37B9-4FEE-A578-F1F19F5FFBF2}"/>
               </a:ext>
             </a:extLst>
           </p:cNvPr>
@@ -1406,7 +1406,7 @@
           <p:cNvPr id="16" name="Picture Placeholder 15">
             <a:extLst>
               <a:ext uri="{FF2B5EF4-FFF2-40B4-BE49-F238E27FC236}">
-                <a16:creationId xmlns:a16="http://schemas.microsoft.com/office/drawing/2014/main" xmlns="" id="{0BC6429F-1169-4151-AF93-D3D79E1EA866}"/>
+                <a16:creationId xmlns="" xmlns:a16="http://schemas.microsoft.com/office/drawing/2014/main" id="{0BC6429F-1169-4151-AF93-D3D79E1EA866}"/>
               </a:ext>
             </a:extLst>
           </p:cNvPr>
@@ -1543,7 +1543,7 @@
           <p:cNvPr id="5" name="Picture Placeholder 4">
             <a:extLst>
               <a:ext uri="{FF2B5EF4-FFF2-40B4-BE49-F238E27FC236}">
-                <a16:creationId xmlns:a16="http://schemas.microsoft.com/office/drawing/2014/main" xmlns="" id="{8CBA70B9-7619-4B6B-9D48-09FF42954060}"/>
+                <a16:creationId xmlns="" xmlns:a16="http://schemas.microsoft.com/office/drawing/2014/main" id="{8CBA70B9-7619-4B6B-9D48-09FF42954060}"/>
               </a:ext>
             </a:extLst>
           </p:cNvPr>
@@ -1579,7 +1579,7 @@
           <p:cNvPr id="14" name="Picture Placeholder 13">
             <a:extLst>
               <a:ext uri="{FF2B5EF4-FFF2-40B4-BE49-F238E27FC236}">
-                <a16:creationId xmlns:a16="http://schemas.microsoft.com/office/drawing/2014/main" xmlns="" id="{A4EE4B8D-C6C1-45A1-B2AF-93F9EF8B44C6}"/>
+                <a16:creationId xmlns="" xmlns:a16="http://schemas.microsoft.com/office/drawing/2014/main" id="{A4EE4B8D-C6C1-45A1-B2AF-93F9EF8B44C6}"/>
               </a:ext>
             </a:extLst>
           </p:cNvPr>
@@ -1702,7 +1702,7 @@
           <p:cNvPr id="17" name="Picture Placeholder 16">
             <a:extLst>
               <a:ext uri="{FF2B5EF4-FFF2-40B4-BE49-F238E27FC236}">
-                <a16:creationId xmlns:a16="http://schemas.microsoft.com/office/drawing/2014/main" xmlns="" id="{FCDFD8C4-7251-4A4D-A596-438482E5EEB1}"/>
+                <a16:creationId xmlns="" xmlns:a16="http://schemas.microsoft.com/office/drawing/2014/main" id="{FCDFD8C4-7251-4A4D-A596-438482E5EEB1}"/>
               </a:ext>
             </a:extLst>
           </p:cNvPr>
@@ -1825,7 +1825,7 @@
           <p:cNvPr id="18" name="Picture Placeholder 17">
             <a:extLst>
               <a:ext uri="{FF2B5EF4-FFF2-40B4-BE49-F238E27FC236}">
-                <a16:creationId xmlns:a16="http://schemas.microsoft.com/office/drawing/2014/main" xmlns="" id="{DC9D97AB-1975-48B3-9332-4DA67BC72DD1}"/>
+                <a16:creationId xmlns="" xmlns:a16="http://schemas.microsoft.com/office/drawing/2014/main" id="{DC9D97AB-1975-48B3-9332-4DA67BC72DD1}"/>
               </a:ext>
             </a:extLst>
           </p:cNvPr>
@@ -1978,7 +1978,7 @@
           <p:cNvPr id="8" name="Picture Placeholder 2">
             <a:extLst>
               <a:ext uri="{FF2B5EF4-FFF2-40B4-BE49-F238E27FC236}">
-                <a16:creationId xmlns:a16="http://schemas.microsoft.com/office/drawing/2014/main" xmlns="" id="{F16661F6-5A56-4EB6-8C96-52A1FAE6B615}"/>
+                <a16:creationId xmlns="" xmlns:a16="http://schemas.microsoft.com/office/drawing/2014/main" id="{F16661F6-5A56-4EB6-8C96-52A1FAE6B615}"/>
               </a:ext>
             </a:extLst>
           </p:cNvPr>
@@ -3047,7 +3047,7 @@
           <p:cNvPr id="2" name="Picture Placeholder 8">
             <a:extLst>
               <a:ext uri="{FF2B5EF4-FFF2-40B4-BE49-F238E27FC236}">
-                <a16:creationId xmlns:a16="http://schemas.microsoft.com/office/drawing/2014/main" xmlns="" id="{D9DD6903-31DD-5348-931E-827644FF87FE}"/>
+                <a16:creationId xmlns="" xmlns:a16="http://schemas.microsoft.com/office/drawing/2014/main" id="{D9DD6903-31DD-5348-931E-827644FF87FE}"/>
               </a:ext>
             </a:extLst>
           </p:cNvPr>
@@ -3374,7 +3374,7 @@
           <p:cNvPr id="13" name="Rectangle 9">
             <a:extLst>
               <a:ext uri="{FF2B5EF4-FFF2-40B4-BE49-F238E27FC236}">
-                <a16:creationId xmlns:a16="http://schemas.microsoft.com/office/drawing/2014/main" xmlns="" id="{9E444B58-9435-4FC2-AFC1-1719DC22DD4A}"/>
+                <a16:creationId xmlns="" xmlns:a16="http://schemas.microsoft.com/office/drawing/2014/main" id="{9E444B58-9435-4FC2-AFC1-1719DC22DD4A}"/>
               </a:ext>
             </a:extLst>
           </p:cNvPr>
@@ -3741,7 +3741,7 @@
           <p:cNvPr id="16" name="Picture Placeholder 15">
             <a:extLst>
               <a:ext uri="{FF2B5EF4-FFF2-40B4-BE49-F238E27FC236}">
-                <a16:creationId xmlns:a16="http://schemas.microsoft.com/office/drawing/2014/main" xmlns="" id="{114D41D0-DB88-4BF0-B050-A01376305B20}"/>
+                <a16:creationId xmlns="" xmlns:a16="http://schemas.microsoft.com/office/drawing/2014/main" id="{114D41D0-DB88-4BF0-B050-A01376305B20}"/>
               </a:ext>
             </a:extLst>
           </p:cNvPr>
@@ -3883,7 +3883,7 @@
           <p:cNvPr id="13" name="Rectangle 9">
             <a:extLst>
               <a:ext uri="{FF2B5EF4-FFF2-40B4-BE49-F238E27FC236}">
-                <a16:creationId xmlns:a16="http://schemas.microsoft.com/office/drawing/2014/main" xmlns="" id="{9E444B58-9435-4FC2-AFC1-1719DC22DD4A}"/>
+                <a16:creationId xmlns="" xmlns:a16="http://schemas.microsoft.com/office/drawing/2014/main" id="{9E444B58-9435-4FC2-AFC1-1719DC22DD4A}"/>
               </a:ext>
             </a:extLst>
           </p:cNvPr>
@@ -4282,7 +4282,7 @@
           <p:cNvPr id="11" name="Picture Placeholder 10">
             <a:extLst>
               <a:ext uri="{FF2B5EF4-FFF2-40B4-BE49-F238E27FC236}">
-                <a16:creationId xmlns:a16="http://schemas.microsoft.com/office/drawing/2014/main" xmlns="" id="{F22557AA-DA64-44AB-B366-365BC7CD1593}"/>
+                <a16:creationId xmlns="" xmlns:a16="http://schemas.microsoft.com/office/drawing/2014/main" id="{F22557AA-DA64-44AB-B366-365BC7CD1593}"/>
               </a:ext>
             </a:extLst>
           </p:cNvPr>
@@ -5062,7 +5062,7 @@
           <p:cNvPr id="12" name="Freeform: Shape 11">
             <a:extLst>
               <a:ext uri="{FF2B5EF4-FFF2-40B4-BE49-F238E27FC236}">
-                <a16:creationId xmlns:a16="http://schemas.microsoft.com/office/drawing/2014/main" xmlns="" id="{0DF2A531-B3D6-4EA3-BDB1-DA15E7293BB9}"/>
+                <a16:creationId xmlns="" xmlns:a16="http://schemas.microsoft.com/office/drawing/2014/main" id="{0DF2A531-B3D6-4EA3-BDB1-DA15E7293BB9}"/>
               </a:ext>
             </a:extLst>
           </p:cNvPr>
@@ -5195,7 +5195,7 @@
           <p:cNvPr id="13" name="Freeform: Shape 12">
             <a:extLst>
               <a:ext uri="{FF2B5EF4-FFF2-40B4-BE49-F238E27FC236}">
-                <a16:creationId xmlns:a16="http://schemas.microsoft.com/office/drawing/2014/main" xmlns="" id="{D497231C-9762-4A12-BEC4-4AD7D6DE149D}"/>
+                <a16:creationId xmlns="" xmlns:a16="http://schemas.microsoft.com/office/drawing/2014/main" id="{D497231C-9762-4A12-BEC4-4AD7D6DE149D}"/>
               </a:ext>
             </a:extLst>
           </p:cNvPr>
@@ -5322,7 +5322,7 @@
           <p:cNvPr id="14" name="Straight Connector 13">
             <a:extLst>
               <a:ext uri="{FF2B5EF4-FFF2-40B4-BE49-F238E27FC236}">
-                <a16:creationId xmlns:a16="http://schemas.microsoft.com/office/drawing/2014/main" xmlns="" id="{194E0303-30C9-4D08-AC28-8BCE877866B9}"/>
+                <a16:creationId xmlns="" xmlns:a16="http://schemas.microsoft.com/office/drawing/2014/main" id="{194E0303-30C9-4D08-AC28-8BCE877866B9}"/>
               </a:ext>
             </a:extLst>
           </p:cNvPr>
@@ -5442,7 +5442,7 @@
           <p:cNvPr id="11" name="Group 10">
             <a:extLst>
               <a:ext uri="{FF2B5EF4-FFF2-40B4-BE49-F238E27FC236}">
-                <a16:creationId xmlns:a16="http://schemas.microsoft.com/office/drawing/2014/main" xmlns="" id="{8BE44616-44F6-4451-8A07-B3C7088A052B}"/>
+                <a16:creationId xmlns="" xmlns:a16="http://schemas.microsoft.com/office/drawing/2014/main" id="{8BE44616-44F6-4451-8A07-B3C7088A052B}"/>
               </a:ext>
             </a:extLst>
           </p:cNvPr>
@@ -5462,7 +5462,7 @@
             <p:cNvPr id="6" name="Oval 5">
               <a:extLst>
                 <a:ext uri="{FF2B5EF4-FFF2-40B4-BE49-F238E27FC236}">
-                  <a16:creationId xmlns:a16="http://schemas.microsoft.com/office/drawing/2014/main" xmlns="" id="{AE87FC1A-FD83-4F38-B6A7-7F1EE537344A}"/>
+                  <a16:creationId xmlns="" xmlns:a16="http://schemas.microsoft.com/office/drawing/2014/main" id="{AE87FC1A-FD83-4F38-B6A7-7F1EE537344A}"/>
                 </a:ext>
               </a:extLst>
             </p:cNvPr>
@@ -5514,7 +5514,7 @@
             <p:cNvPr id="8" name="Oval 7">
               <a:extLst>
                 <a:ext uri="{FF2B5EF4-FFF2-40B4-BE49-F238E27FC236}">
-                  <a16:creationId xmlns:a16="http://schemas.microsoft.com/office/drawing/2014/main" xmlns="" id="{3ED916CA-2918-47D8-963E-CFBEF553243E}"/>
+                  <a16:creationId xmlns="" xmlns:a16="http://schemas.microsoft.com/office/drawing/2014/main" id="{3ED916CA-2918-47D8-963E-CFBEF553243E}"/>
                 </a:ext>
               </a:extLst>
             </p:cNvPr>
@@ -5566,7 +5566,7 @@
             <p:cNvPr id="9" name="Oval 8">
               <a:extLst>
                 <a:ext uri="{FF2B5EF4-FFF2-40B4-BE49-F238E27FC236}">
-                  <a16:creationId xmlns:a16="http://schemas.microsoft.com/office/drawing/2014/main" xmlns="" id="{5063945D-6F54-44A1-9725-E7BD2467D8BE}"/>
+                  <a16:creationId xmlns="" xmlns:a16="http://schemas.microsoft.com/office/drawing/2014/main" id="{5063945D-6F54-44A1-9725-E7BD2467D8BE}"/>
                 </a:ext>
               </a:extLst>
             </p:cNvPr>
@@ -5618,7 +5618,7 @@
             <p:cNvPr id="10" name="Oval 9">
               <a:extLst>
                 <a:ext uri="{FF2B5EF4-FFF2-40B4-BE49-F238E27FC236}">
-                  <a16:creationId xmlns:a16="http://schemas.microsoft.com/office/drawing/2014/main" xmlns="" id="{1B708E8F-5207-4E94-BA4D-EA9207FEBAA7}"/>
+                  <a16:creationId xmlns="" xmlns:a16="http://schemas.microsoft.com/office/drawing/2014/main" id="{1B708E8F-5207-4E94-BA4D-EA9207FEBAA7}"/>
                 </a:ext>
               </a:extLst>
             </p:cNvPr>
@@ -5701,7 +5701,7 @@
           <p:cNvPr id="15" name="Freeform: Shape 14">
             <a:extLst>
               <a:ext uri="{FF2B5EF4-FFF2-40B4-BE49-F238E27FC236}">
-                <a16:creationId xmlns:a16="http://schemas.microsoft.com/office/drawing/2014/main" xmlns="" id="{7EB80458-0E8D-4F91-B535-C4776968CF1A}"/>
+                <a16:creationId xmlns="" xmlns:a16="http://schemas.microsoft.com/office/drawing/2014/main" id="{7EB80458-0E8D-4F91-B535-C4776968CF1A}"/>
               </a:ext>
             </a:extLst>
           </p:cNvPr>
@@ -5834,7 +5834,7 @@
           <p:cNvPr id="16" name="Freeform: Shape 15">
             <a:extLst>
               <a:ext uri="{FF2B5EF4-FFF2-40B4-BE49-F238E27FC236}">
-                <a16:creationId xmlns:a16="http://schemas.microsoft.com/office/drawing/2014/main" xmlns="" id="{C49CFF18-3451-4B0E-9DAB-B2807D961421}"/>
+                <a16:creationId xmlns="" xmlns:a16="http://schemas.microsoft.com/office/drawing/2014/main" id="{C49CFF18-3451-4B0E-9DAB-B2807D961421}"/>
               </a:ext>
             </a:extLst>
           </p:cNvPr>
@@ -5961,7 +5961,7 @@
           <p:cNvPr id="14" name="Straight Connector 13">
             <a:extLst>
               <a:ext uri="{FF2B5EF4-FFF2-40B4-BE49-F238E27FC236}">
-                <a16:creationId xmlns:a16="http://schemas.microsoft.com/office/drawing/2014/main" xmlns="" id="{D1C53842-5688-4E4C-AEE3-FB57964067BB}"/>
+                <a16:creationId xmlns="" xmlns:a16="http://schemas.microsoft.com/office/drawing/2014/main" id="{D1C53842-5688-4E4C-AEE3-FB57964067BB}"/>
               </a:ext>
             </a:extLst>
           </p:cNvPr>
@@ -6038,7 +6038,7 @@
           <p:cNvPr id="11" name="Group 10">
             <a:extLst>
               <a:ext uri="{FF2B5EF4-FFF2-40B4-BE49-F238E27FC236}">
-                <a16:creationId xmlns:a16="http://schemas.microsoft.com/office/drawing/2014/main" xmlns="" id="{8BE44616-44F6-4451-8A07-B3C7088A052B}"/>
+                <a16:creationId xmlns="" xmlns:a16="http://schemas.microsoft.com/office/drawing/2014/main" id="{8BE44616-44F6-4451-8A07-B3C7088A052B}"/>
               </a:ext>
             </a:extLst>
           </p:cNvPr>
@@ -6058,7 +6058,7 @@
             <p:cNvPr id="6" name="Oval 5">
               <a:extLst>
                 <a:ext uri="{FF2B5EF4-FFF2-40B4-BE49-F238E27FC236}">
-                  <a16:creationId xmlns:a16="http://schemas.microsoft.com/office/drawing/2014/main" xmlns="" id="{AE87FC1A-FD83-4F38-B6A7-7F1EE537344A}"/>
+                  <a16:creationId xmlns="" xmlns:a16="http://schemas.microsoft.com/office/drawing/2014/main" id="{AE87FC1A-FD83-4F38-B6A7-7F1EE537344A}"/>
                 </a:ext>
               </a:extLst>
             </p:cNvPr>
@@ -6110,7 +6110,7 @@
             <p:cNvPr id="8" name="Oval 7">
               <a:extLst>
                 <a:ext uri="{FF2B5EF4-FFF2-40B4-BE49-F238E27FC236}">
-                  <a16:creationId xmlns:a16="http://schemas.microsoft.com/office/drawing/2014/main" xmlns="" id="{3ED916CA-2918-47D8-963E-CFBEF553243E}"/>
+                  <a16:creationId xmlns="" xmlns:a16="http://schemas.microsoft.com/office/drawing/2014/main" id="{3ED916CA-2918-47D8-963E-CFBEF553243E}"/>
                 </a:ext>
               </a:extLst>
             </p:cNvPr>
@@ -6162,7 +6162,7 @@
             <p:cNvPr id="9" name="Oval 8">
               <a:extLst>
                 <a:ext uri="{FF2B5EF4-FFF2-40B4-BE49-F238E27FC236}">
-                  <a16:creationId xmlns:a16="http://schemas.microsoft.com/office/drawing/2014/main" xmlns="" id="{5063945D-6F54-44A1-9725-E7BD2467D8BE}"/>
+                  <a16:creationId xmlns="" xmlns:a16="http://schemas.microsoft.com/office/drawing/2014/main" id="{5063945D-6F54-44A1-9725-E7BD2467D8BE}"/>
                 </a:ext>
               </a:extLst>
             </p:cNvPr>
@@ -6214,7 +6214,7 @@
             <p:cNvPr id="10" name="Oval 9">
               <a:extLst>
                 <a:ext uri="{FF2B5EF4-FFF2-40B4-BE49-F238E27FC236}">
-                  <a16:creationId xmlns:a16="http://schemas.microsoft.com/office/drawing/2014/main" xmlns="" id="{1B708E8F-5207-4E94-BA4D-EA9207FEBAA7}"/>
+                  <a16:creationId xmlns="" xmlns:a16="http://schemas.microsoft.com/office/drawing/2014/main" id="{1B708E8F-5207-4E94-BA4D-EA9207FEBAA7}"/>
                 </a:ext>
               </a:extLst>
             </p:cNvPr>
@@ -6267,7 +6267,7 @@
           <p:cNvPr id="20" name="Picture Placeholder 19">
             <a:extLst>
               <a:ext uri="{FF2B5EF4-FFF2-40B4-BE49-F238E27FC236}">
-                <a16:creationId xmlns:a16="http://schemas.microsoft.com/office/drawing/2014/main" xmlns="" id="{0B382A9B-B5A1-4911-8990-5EAC07025794}"/>
+                <a16:creationId xmlns="" xmlns:a16="http://schemas.microsoft.com/office/drawing/2014/main" id="{0B382A9B-B5A1-4911-8990-5EAC07025794}"/>
               </a:ext>
             </a:extLst>
           </p:cNvPr>
@@ -6367,7 +6367,7 @@
           <p:cNvPr id="17" name="Footer Placeholder 3">
             <a:extLst>
               <a:ext uri="{FF2B5EF4-FFF2-40B4-BE49-F238E27FC236}">
-                <a16:creationId xmlns:a16="http://schemas.microsoft.com/office/drawing/2014/main" xmlns="" id="{1E5CD683-A132-4506-9D46-474D9A8A1230}"/>
+                <a16:creationId xmlns="" xmlns:a16="http://schemas.microsoft.com/office/drawing/2014/main" id="{1E5CD683-A132-4506-9D46-474D9A8A1230}"/>
               </a:ext>
             </a:extLst>
           </p:cNvPr>
@@ -6397,7 +6397,7 @@
           <p:cNvPr id="18" name="Slide Number Placeholder 4">
             <a:extLst>
               <a:ext uri="{FF2B5EF4-FFF2-40B4-BE49-F238E27FC236}">
-                <a16:creationId xmlns:a16="http://schemas.microsoft.com/office/drawing/2014/main" xmlns="" id="{382E09B3-E595-4045-9D9E-5DAD201BFC2C}"/>
+                <a16:creationId xmlns="" xmlns:a16="http://schemas.microsoft.com/office/drawing/2014/main" id="{382E09B3-E595-4045-9D9E-5DAD201BFC2C}"/>
               </a:ext>
             </a:extLst>
           </p:cNvPr>
@@ -6973,7 +6973,7 @@
           <p:cNvPr id="13" name="Rectangle 12">
             <a:extLst>
               <a:ext uri="{FF2B5EF4-FFF2-40B4-BE49-F238E27FC236}">
-                <a16:creationId xmlns:a16="http://schemas.microsoft.com/office/drawing/2014/main" xmlns="" id="{EE1D1380-BC28-F74F-8866-BD4C0AD42595}"/>
+                <a16:creationId xmlns="" xmlns:a16="http://schemas.microsoft.com/office/drawing/2014/main" id="{EE1D1380-BC28-F74F-8866-BD4C0AD42595}"/>
               </a:ext>
             </a:extLst>
           </p:cNvPr>
@@ -7041,7 +7041,7 @@
           <p:cNvPr id="10" name="Picture 9">
             <a:extLst>
               <a:ext uri="{FF2B5EF4-FFF2-40B4-BE49-F238E27FC236}">
-                <a16:creationId xmlns:a16="http://schemas.microsoft.com/office/drawing/2014/main" xmlns="" id="{B632F133-AC7B-4BFC-9A60-F9C1BF83B8C7}"/>
+                <a16:creationId xmlns="" xmlns:a16="http://schemas.microsoft.com/office/drawing/2014/main" id="{B632F133-AC7B-4BFC-9A60-F9C1BF83B8C7}"/>
               </a:ext>
             </a:extLst>
           </p:cNvPr>
@@ -7077,7 +7077,7 @@
           <p:cNvPr id="12" name="Title 17">
             <a:extLst>
               <a:ext uri="{FF2B5EF4-FFF2-40B4-BE49-F238E27FC236}">
-                <a16:creationId xmlns:a16="http://schemas.microsoft.com/office/drawing/2014/main" xmlns="" id="{4117CAFD-7974-40A0-B30C-AF63966E104E}"/>
+                <a16:creationId xmlns="" xmlns:a16="http://schemas.microsoft.com/office/drawing/2014/main" id="{4117CAFD-7974-40A0-B30C-AF63966E104E}"/>
               </a:ext>
             </a:extLst>
           </p:cNvPr>
@@ -7147,7 +7147,7 @@
           <p:cNvPr id="14" name="TextBox 3">
             <a:extLst>
               <a:ext uri="{FF2B5EF4-FFF2-40B4-BE49-F238E27FC236}">
-                <a16:creationId xmlns:a16="http://schemas.microsoft.com/office/drawing/2014/main" xmlns="" id="{CD9849B0-BCB0-4466-8FC9-5ADD342E24D4}"/>
+                <a16:creationId xmlns="" xmlns:a16="http://schemas.microsoft.com/office/drawing/2014/main" id="{CD9849B0-BCB0-4466-8FC9-5ADD342E24D4}"/>
               </a:ext>
             </a:extLst>
           </p:cNvPr>
@@ -7278,7 +7278,7 @@
           <p:cNvPr id="15" name="Picture Placeholder 21" descr="A picture containing person, suit, person, posing&#10;&#10;Description automatically generated">
             <a:extLst>
               <a:ext uri="{FF2B5EF4-FFF2-40B4-BE49-F238E27FC236}">
-                <a16:creationId xmlns:a16="http://schemas.microsoft.com/office/drawing/2014/main" xmlns="" id="{C8DDA278-417E-4992-A507-538AA285B1CA}"/>
+                <a16:creationId xmlns="" xmlns:a16="http://schemas.microsoft.com/office/drawing/2014/main" id="{C8DDA278-417E-4992-A507-538AA285B1CA}"/>
               </a:ext>
             </a:extLst>
           </p:cNvPr>
@@ -7366,7 +7366,7 @@
           <p:cNvPr id="16" name="Picture 15">
             <a:extLst>
               <a:ext uri="{FF2B5EF4-FFF2-40B4-BE49-F238E27FC236}">
-                <a16:creationId xmlns:a16="http://schemas.microsoft.com/office/drawing/2014/main" xmlns="" id="{5CD05779-92C9-4167-9FAF-2640F8D564D9}"/>
+                <a16:creationId xmlns="" xmlns:a16="http://schemas.microsoft.com/office/drawing/2014/main" id="{5CD05779-92C9-4167-9FAF-2640F8D564D9}"/>
               </a:ext>
             </a:extLst>
           </p:cNvPr>
@@ -7402,7 +7402,7 @@
           <p:cNvPr id="11" name="TextBox 10">
             <a:extLst>
               <a:ext uri="{FF2B5EF4-FFF2-40B4-BE49-F238E27FC236}">
-                <a16:creationId xmlns:a16="http://schemas.microsoft.com/office/drawing/2014/main" xmlns="" id="{48852948-6211-4F0A-ACA2-7ECFA7683A37}"/>
+                <a16:creationId xmlns="" xmlns:a16="http://schemas.microsoft.com/office/drawing/2014/main" id="{48852948-6211-4F0A-ACA2-7ECFA7683A37}"/>
               </a:ext>
             </a:extLst>
           </p:cNvPr>
@@ -7485,7 +7485,7 @@
           <p:cNvPr id="3" name="Picture 2">
             <a:extLst>
               <a:ext uri="{FF2B5EF4-FFF2-40B4-BE49-F238E27FC236}">
-                <a16:creationId xmlns:a16="http://schemas.microsoft.com/office/drawing/2014/main" xmlns="" id="{B632F133-AC7B-4BFC-9A60-F9C1BF83B8C7}"/>
+                <a16:creationId xmlns="" xmlns:a16="http://schemas.microsoft.com/office/drawing/2014/main" id="{B632F133-AC7B-4BFC-9A60-F9C1BF83B8C7}"/>
               </a:ext>
             </a:extLst>
           </p:cNvPr>
@@ -7521,7 +7521,7 @@
           <p:cNvPr id="4" name="TextBox 3">
             <a:extLst>
               <a:ext uri="{FF2B5EF4-FFF2-40B4-BE49-F238E27FC236}">
-                <a16:creationId xmlns:a16="http://schemas.microsoft.com/office/drawing/2014/main" xmlns="" id="{3D397016-664C-44ED-84CF-FEA6E3A54912}"/>
+                <a16:creationId xmlns="" xmlns:a16="http://schemas.microsoft.com/office/drawing/2014/main" id="{3D397016-664C-44ED-84CF-FEA6E3A54912}"/>
               </a:ext>
             </a:extLst>
           </p:cNvPr>
@@ -7558,7 +7558,7 @@
           <p:cNvPr id="6" name="TextBox 5">
             <a:extLst>
               <a:ext uri="{FF2B5EF4-FFF2-40B4-BE49-F238E27FC236}">
-                <a16:creationId xmlns:a16="http://schemas.microsoft.com/office/drawing/2014/main" xmlns="" id="{E515AEEE-9779-42A2-AFCA-734FDEC19A71}"/>
+                <a16:creationId xmlns="" xmlns:a16="http://schemas.microsoft.com/office/drawing/2014/main" id="{E515AEEE-9779-42A2-AFCA-734FDEC19A71}"/>
               </a:ext>
             </a:extLst>
           </p:cNvPr>
@@ -7593,7 +7593,7 @@
           <p:cNvPr id="7" name="TextBox 6">
             <a:extLst>
               <a:ext uri="{FF2B5EF4-FFF2-40B4-BE49-F238E27FC236}">
-                <a16:creationId xmlns:a16="http://schemas.microsoft.com/office/drawing/2014/main" xmlns="" id="{A5CC71F9-C09A-4860-98F4-CF360D096233}"/>
+                <a16:creationId xmlns="" xmlns:a16="http://schemas.microsoft.com/office/drawing/2014/main" id="{A5CC71F9-C09A-4860-98F4-CF360D096233}"/>
               </a:ext>
             </a:extLst>
           </p:cNvPr>
@@ -7697,7 +7697,7 @@
           <p:cNvPr id="3" name="Picture 2">
             <a:extLst>
               <a:ext uri="{FF2B5EF4-FFF2-40B4-BE49-F238E27FC236}">
-                <a16:creationId xmlns:a16="http://schemas.microsoft.com/office/drawing/2014/main" xmlns="" id="{B632F133-AC7B-4BFC-9A60-F9C1BF83B8C7}"/>
+                <a16:creationId xmlns="" xmlns:a16="http://schemas.microsoft.com/office/drawing/2014/main" id="{B632F133-AC7B-4BFC-9A60-F9C1BF83B8C7}"/>
               </a:ext>
             </a:extLst>
           </p:cNvPr>
@@ -7733,7 +7733,7 @@
           <p:cNvPr id="4" name="TextBox 3">
             <a:extLst>
               <a:ext uri="{FF2B5EF4-FFF2-40B4-BE49-F238E27FC236}">
-                <a16:creationId xmlns:a16="http://schemas.microsoft.com/office/drawing/2014/main" xmlns="" id="{3D397016-664C-44ED-84CF-FEA6E3A54912}"/>
+                <a16:creationId xmlns="" xmlns:a16="http://schemas.microsoft.com/office/drawing/2014/main" id="{3D397016-664C-44ED-84CF-FEA6E3A54912}"/>
               </a:ext>
             </a:extLst>
           </p:cNvPr>
@@ -7770,7 +7770,7 @@
           <p:cNvPr id="5" name="TextBox 4">
             <a:extLst>
               <a:ext uri="{FF2B5EF4-FFF2-40B4-BE49-F238E27FC236}">
-                <a16:creationId xmlns:a16="http://schemas.microsoft.com/office/drawing/2014/main" xmlns="" id="{A5CC71F9-C09A-4860-98F4-CF360D096233}"/>
+                <a16:creationId xmlns="" xmlns:a16="http://schemas.microsoft.com/office/drawing/2014/main" id="{A5CC71F9-C09A-4860-98F4-CF360D096233}"/>
               </a:ext>
             </a:extLst>
           </p:cNvPr>
@@ -7864,7 +7864,7 @@
           <p:cNvPr id="6" name="TextBox 5">
             <a:extLst>
               <a:ext uri="{FF2B5EF4-FFF2-40B4-BE49-F238E27FC236}">
-                <a16:creationId xmlns:a16="http://schemas.microsoft.com/office/drawing/2014/main" xmlns="" id="{E515AEEE-9779-42A2-AFCA-734FDEC19A71}"/>
+                <a16:creationId xmlns="" xmlns:a16="http://schemas.microsoft.com/office/drawing/2014/main" id="{E515AEEE-9779-42A2-AFCA-734FDEC19A71}"/>
               </a:ext>
             </a:extLst>
           </p:cNvPr>
@@ -7929,7 +7929,7 @@
           <p:cNvPr id="3" name="Slide Number Placeholder 2">
             <a:extLst>
               <a:ext uri="{FF2B5EF4-FFF2-40B4-BE49-F238E27FC236}">
-                <a16:creationId xmlns:a16="http://schemas.microsoft.com/office/drawing/2014/main" xmlns="" id="{FBF87C44-1FBE-4DAA-A7F9-A76EA593482A}"/>
+                <a16:creationId xmlns="" xmlns:a16="http://schemas.microsoft.com/office/drawing/2014/main" id="{FBF87C44-1FBE-4DAA-A7F9-A76EA593482A}"/>
               </a:ext>
             </a:extLst>
           </p:cNvPr>
@@ -7964,7 +7964,7 @@
           <p:cNvPr id="11" name="Picture Placeholder 10">
             <a:extLst>
               <a:ext uri="{FF2B5EF4-FFF2-40B4-BE49-F238E27FC236}">
-                <a16:creationId xmlns:a16="http://schemas.microsoft.com/office/drawing/2014/main" xmlns="" id="{69A8831E-7EB2-484A-9D01-F802C8B71C90}"/>
+                <a16:creationId xmlns="" xmlns:a16="http://schemas.microsoft.com/office/drawing/2014/main" id="{69A8831E-7EB2-484A-9D01-F802C8B71C90}"/>
               </a:ext>
             </a:extLst>
           </p:cNvPr>
@@ -7995,7 +7995,7 @@
           <p:cNvPr id="54" name="Freeform 6">
             <a:extLst>
               <a:ext uri="{FF2B5EF4-FFF2-40B4-BE49-F238E27FC236}">
-                <a16:creationId xmlns:a16="http://schemas.microsoft.com/office/drawing/2014/main" xmlns="" id="{7CEA75D0-6AAF-4DF6-A668-7EE782A30A1F}"/>
+                <a16:creationId xmlns="" xmlns:a16="http://schemas.microsoft.com/office/drawing/2014/main" id="{7CEA75D0-6AAF-4DF6-A668-7EE782A30A1F}"/>
               </a:ext>
             </a:extLst>
           </p:cNvPr>
@@ -8110,7 +8110,7 @@
           <p:cNvPr id="55" name="Freeform 6">
             <a:extLst>
               <a:ext uri="{FF2B5EF4-FFF2-40B4-BE49-F238E27FC236}">
-                <a16:creationId xmlns:a16="http://schemas.microsoft.com/office/drawing/2014/main" xmlns="" id="{8A72FFBC-FC4F-4574-BCE4-075EBD782D1B}"/>
+                <a16:creationId xmlns="" xmlns:a16="http://schemas.microsoft.com/office/drawing/2014/main" id="{8A72FFBC-FC4F-4574-BCE4-075EBD782D1B}"/>
               </a:ext>
             </a:extLst>
           </p:cNvPr>
@@ -8225,7 +8225,7 @@
           <p:cNvPr id="13" name="TextBox 12">
             <a:extLst>
               <a:ext uri="{FF2B5EF4-FFF2-40B4-BE49-F238E27FC236}">
-                <a16:creationId xmlns:a16="http://schemas.microsoft.com/office/drawing/2014/main" xmlns="" id="{0F67A00B-35E2-4D67-8B7B-F211152C2584}"/>
+                <a16:creationId xmlns="" xmlns:a16="http://schemas.microsoft.com/office/drawing/2014/main" id="{0F67A00B-35E2-4D67-8B7B-F211152C2584}"/>
               </a:ext>
             </a:extLst>
           </p:cNvPr>
@@ -8265,7 +8265,7 @@
           <p:cNvPr id="56" name="Rectangle 55">
             <a:extLst>
               <a:ext uri="{FF2B5EF4-FFF2-40B4-BE49-F238E27FC236}">
-                <a16:creationId xmlns:a16="http://schemas.microsoft.com/office/drawing/2014/main" xmlns="" id="{56D1A3A5-8C05-4459-89DF-E277F89F72B6}"/>
+                <a16:creationId xmlns="" xmlns:a16="http://schemas.microsoft.com/office/drawing/2014/main" id="{56D1A3A5-8C05-4459-89DF-E277F89F72B6}"/>
               </a:ext>
             </a:extLst>
           </p:cNvPr>
@@ -8305,7 +8305,7 @@
           <p:cNvPr id="57" name="Rectangle 56">
             <a:extLst>
               <a:ext uri="{FF2B5EF4-FFF2-40B4-BE49-F238E27FC236}">
-                <a16:creationId xmlns:a16="http://schemas.microsoft.com/office/drawing/2014/main" xmlns="" id="{0B5C7820-2097-40EE-8A3C-5CC9DEF512EB}"/>
+                <a16:creationId xmlns="" xmlns:a16="http://schemas.microsoft.com/office/drawing/2014/main" id="{0B5C7820-2097-40EE-8A3C-5CC9DEF512EB}"/>
               </a:ext>
             </a:extLst>
           </p:cNvPr>
@@ -8343,7 +8343,7 @@
           <p:cNvPr id="2" name="TextBox 1">
             <a:extLst>
               <a:ext uri="{FF2B5EF4-FFF2-40B4-BE49-F238E27FC236}">
-                <a16:creationId xmlns:a16="http://schemas.microsoft.com/office/drawing/2014/main" xmlns="" id="{811821F5-9F15-4420-A5A9-063F4D7930EB}"/>
+                <a16:creationId xmlns="" xmlns:a16="http://schemas.microsoft.com/office/drawing/2014/main" id="{811821F5-9F15-4420-A5A9-063F4D7930EB}"/>
               </a:ext>
             </a:extLst>
           </p:cNvPr>
@@ -8385,7 +8385,7 @@
           <p:cNvPr id="10" name="Picture 9">
             <a:extLst>
               <a:ext uri="{FF2B5EF4-FFF2-40B4-BE49-F238E27FC236}">
-                <a16:creationId xmlns:a16="http://schemas.microsoft.com/office/drawing/2014/main" xmlns="" id="{76507F6D-CAA6-4D86-8B9B-572298053C71}"/>
+                <a16:creationId xmlns="" xmlns:a16="http://schemas.microsoft.com/office/drawing/2014/main" id="{76507F6D-CAA6-4D86-8B9B-572298053C71}"/>
               </a:ext>
             </a:extLst>
           </p:cNvPr>
@@ -8451,7 +8451,7 @@
           <p:cNvPr id="3" name="Picture 2">
             <a:extLst>
               <a:ext uri="{FF2B5EF4-FFF2-40B4-BE49-F238E27FC236}">
-                <a16:creationId xmlns:a16="http://schemas.microsoft.com/office/drawing/2014/main" xmlns="" id="{B632F133-AC7B-4BFC-9A60-F9C1BF83B8C7}"/>
+                <a16:creationId xmlns="" xmlns:a16="http://schemas.microsoft.com/office/drawing/2014/main" id="{B632F133-AC7B-4BFC-9A60-F9C1BF83B8C7}"/>
               </a:ext>
             </a:extLst>
           </p:cNvPr>
@@ -8487,7 +8487,7 @@
           <p:cNvPr id="4" name="TextBox 3">
             <a:extLst>
               <a:ext uri="{FF2B5EF4-FFF2-40B4-BE49-F238E27FC236}">
-                <a16:creationId xmlns:a16="http://schemas.microsoft.com/office/drawing/2014/main" xmlns="" id="{3D397016-664C-44ED-84CF-FEA6E3A54912}"/>
+                <a16:creationId xmlns="" xmlns:a16="http://schemas.microsoft.com/office/drawing/2014/main" id="{3D397016-664C-44ED-84CF-FEA6E3A54912}"/>
               </a:ext>
             </a:extLst>
           </p:cNvPr>
@@ -8524,7 +8524,7 @@
           <p:cNvPr id="5" name="TextBox 4">
             <a:extLst>
               <a:ext uri="{FF2B5EF4-FFF2-40B4-BE49-F238E27FC236}">
-                <a16:creationId xmlns:a16="http://schemas.microsoft.com/office/drawing/2014/main" xmlns="" id="{A5CC71F9-C09A-4860-98F4-CF360D096233}"/>
+                <a16:creationId xmlns="" xmlns:a16="http://schemas.microsoft.com/office/drawing/2014/main" id="{A5CC71F9-C09A-4860-98F4-CF360D096233}"/>
               </a:ext>
             </a:extLst>
           </p:cNvPr>
@@ -8683,7 +8683,7 @@
           <p:cNvPr id="6" name="TextBox 5">
             <a:extLst>
               <a:ext uri="{FF2B5EF4-FFF2-40B4-BE49-F238E27FC236}">
-                <a16:creationId xmlns:a16="http://schemas.microsoft.com/office/drawing/2014/main" xmlns="" id="{E515AEEE-9779-42A2-AFCA-734FDEC19A71}"/>
+                <a16:creationId xmlns="" xmlns:a16="http://schemas.microsoft.com/office/drawing/2014/main" id="{E515AEEE-9779-42A2-AFCA-734FDEC19A71}"/>
               </a:ext>
             </a:extLst>
           </p:cNvPr>
@@ -8748,7 +8748,7 @@
           <p:cNvPr id="3" name="Picture 2">
             <a:extLst>
               <a:ext uri="{FF2B5EF4-FFF2-40B4-BE49-F238E27FC236}">
-                <a16:creationId xmlns:a16="http://schemas.microsoft.com/office/drawing/2014/main" xmlns="" id="{B632F133-AC7B-4BFC-9A60-F9C1BF83B8C7}"/>
+                <a16:creationId xmlns="" xmlns:a16="http://schemas.microsoft.com/office/drawing/2014/main" id="{B632F133-AC7B-4BFC-9A60-F9C1BF83B8C7}"/>
               </a:ext>
             </a:extLst>
           </p:cNvPr>
@@ -8784,7 +8784,7 @@
           <p:cNvPr id="4" name="TextBox 3">
             <a:extLst>
               <a:ext uri="{FF2B5EF4-FFF2-40B4-BE49-F238E27FC236}">
-                <a16:creationId xmlns:a16="http://schemas.microsoft.com/office/drawing/2014/main" xmlns="" id="{3D397016-664C-44ED-84CF-FEA6E3A54912}"/>
+                <a16:creationId xmlns="" xmlns:a16="http://schemas.microsoft.com/office/drawing/2014/main" id="{3D397016-664C-44ED-84CF-FEA6E3A54912}"/>
               </a:ext>
             </a:extLst>
           </p:cNvPr>
@@ -8821,7 +8821,7 @@
           <p:cNvPr id="5" name="TextBox 4">
             <a:extLst>
               <a:ext uri="{FF2B5EF4-FFF2-40B4-BE49-F238E27FC236}">
-                <a16:creationId xmlns:a16="http://schemas.microsoft.com/office/drawing/2014/main" xmlns="" id="{A5CC71F9-C09A-4860-98F4-CF360D096233}"/>
+                <a16:creationId xmlns="" xmlns:a16="http://schemas.microsoft.com/office/drawing/2014/main" id="{A5CC71F9-C09A-4860-98F4-CF360D096233}"/>
               </a:ext>
             </a:extLst>
           </p:cNvPr>
@@ -8988,7 +8988,7 @@
           <p:cNvPr id="6" name="TextBox 5">
             <a:extLst>
               <a:ext uri="{FF2B5EF4-FFF2-40B4-BE49-F238E27FC236}">
-                <a16:creationId xmlns:a16="http://schemas.microsoft.com/office/drawing/2014/main" xmlns="" id="{E515AEEE-9779-42A2-AFCA-734FDEC19A71}"/>
+                <a16:creationId xmlns="" xmlns:a16="http://schemas.microsoft.com/office/drawing/2014/main" id="{E515AEEE-9779-42A2-AFCA-734FDEC19A71}"/>
               </a:ext>
             </a:extLst>
           </p:cNvPr>
@@ -9053,7 +9053,7 @@
           <p:cNvPr id="3" name="Picture 2">
             <a:extLst>
               <a:ext uri="{FF2B5EF4-FFF2-40B4-BE49-F238E27FC236}">
-                <a16:creationId xmlns:a16="http://schemas.microsoft.com/office/drawing/2014/main" xmlns="" id="{B632F133-AC7B-4BFC-9A60-F9C1BF83B8C7}"/>
+                <a16:creationId xmlns="" xmlns:a16="http://schemas.microsoft.com/office/drawing/2014/main" id="{B632F133-AC7B-4BFC-9A60-F9C1BF83B8C7}"/>
               </a:ext>
             </a:extLst>
           </p:cNvPr>
@@ -9089,7 +9089,7 @@
           <p:cNvPr id="4" name="TextBox 3">
             <a:extLst>
               <a:ext uri="{FF2B5EF4-FFF2-40B4-BE49-F238E27FC236}">
-                <a16:creationId xmlns:a16="http://schemas.microsoft.com/office/drawing/2014/main" xmlns="" id="{3D397016-664C-44ED-84CF-FEA6E3A54912}"/>
+                <a16:creationId xmlns="" xmlns:a16="http://schemas.microsoft.com/office/drawing/2014/main" id="{3D397016-664C-44ED-84CF-FEA6E3A54912}"/>
               </a:ext>
             </a:extLst>
           </p:cNvPr>
@@ -9126,7 +9126,7 @@
           <p:cNvPr id="5" name="TextBox 4">
             <a:extLst>
               <a:ext uri="{FF2B5EF4-FFF2-40B4-BE49-F238E27FC236}">
-                <a16:creationId xmlns:a16="http://schemas.microsoft.com/office/drawing/2014/main" xmlns="" id="{A5CC71F9-C09A-4860-98F4-CF360D096233}"/>
+                <a16:creationId xmlns="" xmlns:a16="http://schemas.microsoft.com/office/drawing/2014/main" id="{A5CC71F9-C09A-4860-98F4-CF360D096233}"/>
               </a:ext>
             </a:extLst>
           </p:cNvPr>
@@ -9238,7 +9238,7 @@
           <p:cNvPr id="6" name="TextBox 5">
             <a:extLst>
               <a:ext uri="{FF2B5EF4-FFF2-40B4-BE49-F238E27FC236}">
-                <a16:creationId xmlns:a16="http://schemas.microsoft.com/office/drawing/2014/main" xmlns="" id="{E515AEEE-9779-42A2-AFCA-734FDEC19A71}"/>
+                <a16:creationId xmlns="" xmlns:a16="http://schemas.microsoft.com/office/drawing/2014/main" id="{E515AEEE-9779-42A2-AFCA-734FDEC19A71}"/>
               </a:ext>
             </a:extLst>
           </p:cNvPr>
@@ -9303,7 +9303,7 @@
           <p:cNvPr id="3" name="Picture 2">
             <a:extLst>
               <a:ext uri="{FF2B5EF4-FFF2-40B4-BE49-F238E27FC236}">
-                <a16:creationId xmlns:a16="http://schemas.microsoft.com/office/drawing/2014/main" xmlns="" id="{B632F133-AC7B-4BFC-9A60-F9C1BF83B8C7}"/>
+                <a16:creationId xmlns="" xmlns:a16="http://schemas.microsoft.com/office/drawing/2014/main" id="{B632F133-AC7B-4BFC-9A60-F9C1BF83B8C7}"/>
               </a:ext>
             </a:extLst>
           </p:cNvPr>
@@ -9339,7 +9339,7 @@
           <p:cNvPr id="4" name="TextBox 3">
             <a:extLst>
               <a:ext uri="{FF2B5EF4-FFF2-40B4-BE49-F238E27FC236}">
-                <a16:creationId xmlns:a16="http://schemas.microsoft.com/office/drawing/2014/main" xmlns="" id="{3D397016-664C-44ED-84CF-FEA6E3A54912}"/>
+                <a16:creationId xmlns="" xmlns:a16="http://schemas.microsoft.com/office/drawing/2014/main" id="{3D397016-664C-44ED-84CF-FEA6E3A54912}"/>
               </a:ext>
             </a:extLst>
           </p:cNvPr>
@@ -9376,7 +9376,7 @@
           <p:cNvPr id="5" name="TextBox 4">
             <a:extLst>
               <a:ext uri="{FF2B5EF4-FFF2-40B4-BE49-F238E27FC236}">
-                <a16:creationId xmlns:a16="http://schemas.microsoft.com/office/drawing/2014/main" xmlns="" id="{A5CC71F9-C09A-4860-98F4-CF360D096233}"/>
+                <a16:creationId xmlns="" xmlns:a16="http://schemas.microsoft.com/office/drawing/2014/main" id="{A5CC71F9-C09A-4860-98F4-CF360D096233}"/>
               </a:ext>
             </a:extLst>
           </p:cNvPr>
@@ -9533,7 +9533,7 @@
           <p:cNvPr id="6" name="TextBox 5">
             <a:extLst>
               <a:ext uri="{FF2B5EF4-FFF2-40B4-BE49-F238E27FC236}">
-                <a16:creationId xmlns:a16="http://schemas.microsoft.com/office/drawing/2014/main" xmlns="" id="{E515AEEE-9779-42A2-AFCA-734FDEC19A71}"/>
+                <a16:creationId xmlns="" xmlns:a16="http://schemas.microsoft.com/office/drawing/2014/main" id="{E515AEEE-9779-42A2-AFCA-734FDEC19A71}"/>
               </a:ext>
             </a:extLst>
           </p:cNvPr>
@@ -9598,7 +9598,7 @@
           <p:cNvPr id="3" name="Picture 2">
             <a:extLst>
               <a:ext uri="{FF2B5EF4-FFF2-40B4-BE49-F238E27FC236}">
-                <a16:creationId xmlns:a16="http://schemas.microsoft.com/office/drawing/2014/main" xmlns="" id="{B632F133-AC7B-4BFC-9A60-F9C1BF83B8C7}"/>
+                <a16:creationId xmlns="" xmlns:a16="http://schemas.microsoft.com/office/drawing/2014/main" id="{B632F133-AC7B-4BFC-9A60-F9C1BF83B8C7}"/>
               </a:ext>
             </a:extLst>
           </p:cNvPr>
@@ -9634,7 +9634,7 @@
           <p:cNvPr id="4" name="TextBox 3">
             <a:extLst>
               <a:ext uri="{FF2B5EF4-FFF2-40B4-BE49-F238E27FC236}">
-                <a16:creationId xmlns:a16="http://schemas.microsoft.com/office/drawing/2014/main" xmlns="" id="{3D397016-664C-44ED-84CF-FEA6E3A54912}"/>
+                <a16:creationId xmlns="" xmlns:a16="http://schemas.microsoft.com/office/drawing/2014/main" id="{3D397016-664C-44ED-84CF-FEA6E3A54912}"/>
               </a:ext>
             </a:extLst>
           </p:cNvPr>
@@ -9671,7 +9671,7 @@
           <p:cNvPr id="5" name="TextBox 4">
             <a:extLst>
               <a:ext uri="{FF2B5EF4-FFF2-40B4-BE49-F238E27FC236}">
-                <a16:creationId xmlns:a16="http://schemas.microsoft.com/office/drawing/2014/main" xmlns="" id="{A5CC71F9-C09A-4860-98F4-CF360D096233}"/>
+                <a16:creationId xmlns="" xmlns:a16="http://schemas.microsoft.com/office/drawing/2014/main" id="{A5CC71F9-C09A-4860-98F4-CF360D096233}"/>
               </a:ext>
             </a:extLst>
           </p:cNvPr>
@@ -9791,7 +9791,7 @@
           <p:cNvPr id="6" name="TextBox 5">
             <a:extLst>
               <a:ext uri="{FF2B5EF4-FFF2-40B4-BE49-F238E27FC236}">
-                <a16:creationId xmlns:a16="http://schemas.microsoft.com/office/drawing/2014/main" xmlns="" id="{E515AEEE-9779-42A2-AFCA-734FDEC19A71}"/>
+                <a16:creationId xmlns="" xmlns:a16="http://schemas.microsoft.com/office/drawing/2014/main" id="{E515AEEE-9779-42A2-AFCA-734FDEC19A71}"/>
               </a:ext>
             </a:extLst>
           </p:cNvPr>
@@ -9856,7 +9856,7 @@
           <p:cNvPr id="3" name="Picture 2">
             <a:extLst>
               <a:ext uri="{FF2B5EF4-FFF2-40B4-BE49-F238E27FC236}">
-                <a16:creationId xmlns:a16="http://schemas.microsoft.com/office/drawing/2014/main" xmlns="" id="{B632F133-AC7B-4BFC-9A60-F9C1BF83B8C7}"/>
+                <a16:creationId xmlns="" xmlns:a16="http://schemas.microsoft.com/office/drawing/2014/main" id="{B632F133-AC7B-4BFC-9A60-F9C1BF83B8C7}"/>
               </a:ext>
             </a:extLst>
           </p:cNvPr>
@@ -9892,7 +9892,7 @@
           <p:cNvPr id="4" name="TextBox 3">
             <a:extLst>
               <a:ext uri="{FF2B5EF4-FFF2-40B4-BE49-F238E27FC236}">
-                <a16:creationId xmlns:a16="http://schemas.microsoft.com/office/drawing/2014/main" xmlns="" id="{3D397016-664C-44ED-84CF-FEA6E3A54912}"/>
+                <a16:creationId xmlns="" xmlns:a16="http://schemas.microsoft.com/office/drawing/2014/main" id="{3D397016-664C-44ED-84CF-FEA6E3A54912}"/>
               </a:ext>
             </a:extLst>
           </p:cNvPr>
@@ -9929,7 +9929,7 @@
           <p:cNvPr id="5" name="TextBox 4">
             <a:extLst>
               <a:ext uri="{FF2B5EF4-FFF2-40B4-BE49-F238E27FC236}">
-                <a16:creationId xmlns:a16="http://schemas.microsoft.com/office/drawing/2014/main" xmlns="" id="{A5CC71F9-C09A-4860-98F4-CF360D096233}"/>
+                <a16:creationId xmlns="" xmlns:a16="http://schemas.microsoft.com/office/drawing/2014/main" id="{A5CC71F9-C09A-4860-98F4-CF360D096233}"/>
               </a:ext>
             </a:extLst>
           </p:cNvPr>
@@ -10023,7 +10023,7 @@
           <p:cNvPr id="6" name="TextBox 5">
             <a:extLst>
               <a:ext uri="{FF2B5EF4-FFF2-40B4-BE49-F238E27FC236}">
-                <a16:creationId xmlns:a16="http://schemas.microsoft.com/office/drawing/2014/main" xmlns="" id="{E515AEEE-9779-42A2-AFCA-734FDEC19A71}"/>
+                <a16:creationId xmlns="" xmlns:a16="http://schemas.microsoft.com/office/drawing/2014/main" id="{E515AEEE-9779-42A2-AFCA-734FDEC19A71}"/>
               </a:ext>
             </a:extLst>
           </p:cNvPr>
@@ -10088,7 +10088,7 @@
           <p:cNvPr id="3" name="Picture 2">
             <a:extLst>
               <a:ext uri="{FF2B5EF4-FFF2-40B4-BE49-F238E27FC236}">
-                <a16:creationId xmlns:a16="http://schemas.microsoft.com/office/drawing/2014/main" xmlns="" id="{B632F133-AC7B-4BFC-9A60-F9C1BF83B8C7}"/>
+                <a16:creationId xmlns="" xmlns:a16="http://schemas.microsoft.com/office/drawing/2014/main" id="{B632F133-AC7B-4BFC-9A60-F9C1BF83B8C7}"/>
               </a:ext>
             </a:extLst>
           </p:cNvPr>
@@ -10124,7 +10124,7 @@
           <p:cNvPr id="4" name="TextBox 3">
             <a:extLst>
               <a:ext uri="{FF2B5EF4-FFF2-40B4-BE49-F238E27FC236}">
-                <a16:creationId xmlns:a16="http://schemas.microsoft.com/office/drawing/2014/main" xmlns="" id="{3D397016-664C-44ED-84CF-FEA6E3A54912}"/>
+                <a16:creationId xmlns="" xmlns:a16="http://schemas.microsoft.com/office/drawing/2014/main" id="{3D397016-664C-44ED-84CF-FEA6E3A54912}"/>
               </a:ext>
             </a:extLst>
           </p:cNvPr>
@@ -10161,7 +10161,7 @@
           <p:cNvPr id="5" name="TextBox 4">
             <a:extLst>
               <a:ext uri="{FF2B5EF4-FFF2-40B4-BE49-F238E27FC236}">
-                <a16:creationId xmlns:a16="http://schemas.microsoft.com/office/drawing/2014/main" xmlns="" id="{A5CC71F9-C09A-4860-98F4-CF360D096233}"/>
+                <a16:creationId xmlns="" xmlns:a16="http://schemas.microsoft.com/office/drawing/2014/main" id="{A5CC71F9-C09A-4860-98F4-CF360D096233}"/>
               </a:ext>
             </a:extLst>
           </p:cNvPr>
@@ -10255,7 +10255,7 @@
           <p:cNvPr id="6" name="TextBox 5">
             <a:extLst>
               <a:ext uri="{FF2B5EF4-FFF2-40B4-BE49-F238E27FC236}">
-                <a16:creationId xmlns:a16="http://schemas.microsoft.com/office/drawing/2014/main" xmlns="" id="{E515AEEE-9779-42A2-AFCA-734FDEC19A71}"/>
+                <a16:creationId xmlns="" xmlns:a16="http://schemas.microsoft.com/office/drawing/2014/main" id="{E515AEEE-9779-42A2-AFCA-734FDEC19A71}"/>
               </a:ext>
             </a:extLst>
           </p:cNvPr>
@@ -10320,7 +10320,7 @@
           <p:cNvPr id="3" name="Picture 2">
             <a:extLst>
               <a:ext uri="{FF2B5EF4-FFF2-40B4-BE49-F238E27FC236}">
-                <a16:creationId xmlns:a16="http://schemas.microsoft.com/office/drawing/2014/main" xmlns="" id="{B632F133-AC7B-4BFC-9A60-F9C1BF83B8C7}"/>
+                <a16:creationId xmlns="" xmlns:a16="http://schemas.microsoft.com/office/drawing/2014/main" id="{B632F133-AC7B-4BFC-9A60-F9C1BF83B8C7}"/>
               </a:ext>
             </a:extLst>
           </p:cNvPr>
@@ -10356,7 +10356,7 @@
           <p:cNvPr id="4" name="TextBox 3">
             <a:extLst>
               <a:ext uri="{FF2B5EF4-FFF2-40B4-BE49-F238E27FC236}">
-                <a16:creationId xmlns:a16="http://schemas.microsoft.com/office/drawing/2014/main" xmlns="" id="{3D397016-664C-44ED-84CF-FEA6E3A54912}"/>
+                <a16:creationId xmlns="" xmlns:a16="http://schemas.microsoft.com/office/drawing/2014/main" id="{3D397016-664C-44ED-84CF-FEA6E3A54912}"/>
               </a:ext>
             </a:extLst>
           </p:cNvPr>
@@ -10393,7 +10393,7 @@
           <p:cNvPr id="5" name="TextBox 4">
             <a:extLst>
               <a:ext uri="{FF2B5EF4-FFF2-40B4-BE49-F238E27FC236}">
-                <a16:creationId xmlns:a16="http://schemas.microsoft.com/office/drawing/2014/main" xmlns="" id="{A5CC71F9-C09A-4860-98F4-CF360D096233}"/>
+                <a16:creationId xmlns="" xmlns:a16="http://schemas.microsoft.com/office/drawing/2014/main" id="{A5CC71F9-C09A-4860-98F4-CF360D096233}"/>
               </a:ext>
             </a:extLst>
           </p:cNvPr>
@@ -10535,7 +10535,7 @@
           <p:cNvPr id="6" name="TextBox 5">
             <a:extLst>
               <a:ext uri="{FF2B5EF4-FFF2-40B4-BE49-F238E27FC236}">
-                <a16:creationId xmlns:a16="http://schemas.microsoft.com/office/drawing/2014/main" xmlns="" id="{E515AEEE-9779-42A2-AFCA-734FDEC19A71}"/>
+                <a16:creationId xmlns="" xmlns:a16="http://schemas.microsoft.com/office/drawing/2014/main" id="{E515AEEE-9779-42A2-AFCA-734FDEC19A71}"/>
               </a:ext>
             </a:extLst>
           </p:cNvPr>

--- a/OData Agenda.pptx
+++ b/OData Agenda.pptx
@@ -232,7 +232,7 @@
             <a:fld id="{7AB488F7-1FAC-40D2-BB7E-BA3CE28D8950}" type="datetimeFigureOut">
               <a:rPr lang="en-US" smtClean="0"/>
               <a:pPr/>
-              <a:t>9/26/2021</a:t>
+              <a:t>9/27/2021</a:t>
             </a:fld>
             <a:endParaRPr lang="en-US"/>
           </a:p>
@@ -921,7 +921,7 @@
           <p:cNvPr id="5" name="Picture Placeholder 4">
             <a:extLst>
               <a:ext uri="{FF2B5EF4-FFF2-40B4-BE49-F238E27FC236}">
-                <a16:creationId xmlns="" xmlns:a16="http://schemas.microsoft.com/office/drawing/2014/main" id="{8CBA70B9-7619-4B6B-9D48-09FF42954060}"/>
+                <a16:creationId xmlns:a16="http://schemas.microsoft.com/office/drawing/2014/main" xmlns="" id="{8CBA70B9-7619-4B6B-9D48-09FF42954060}"/>
               </a:ext>
             </a:extLst>
           </p:cNvPr>
@@ -987,7 +987,7 @@
           <p:cNvPr id="5" name="Picture Placeholder 4">
             <a:extLst>
               <a:ext uri="{FF2B5EF4-FFF2-40B4-BE49-F238E27FC236}">
-                <a16:creationId xmlns="" xmlns:a16="http://schemas.microsoft.com/office/drawing/2014/main" id="{8CBA70B9-7619-4B6B-9D48-09FF42954060}"/>
+                <a16:creationId xmlns:a16="http://schemas.microsoft.com/office/drawing/2014/main" xmlns="" id="{8CBA70B9-7619-4B6B-9D48-09FF42954060}"/>
               </a:ext>
             </a:extLst>
           </p:cNvPr>
@@ -1023,7 +1023,7 @@
           <p:cNvPr id="3" name="Picture Placeholder 19">
             <a:extLst>
               <a:ext uri="{FF2B5EF4-FFF2-40B4-BE49-F238E27FC236}">
-                <a16:creationId xmlns="" xmlns:a16="http://schemas.microsoft.com/office/drawing/2014/main" id="{388E23CC-7388-46C2-BCD5-F9234548CFD1}"/>
+                <a16:creationId xmlns:a16="http://schemas.microsoft.com/office/drawing/2014/main" xmlns="" id="{388E23CC-7388-46C2-BCD5-F9234548CFD1}"/>
               </a:ext>
             </a:extLst>
           </p:cNvPr>
@@ -1156,7 +1156,7 @@
           <p:cNvPr id="5" name="Picture Placeholder 4">
             <a:extLst>
               <a:ext uri="{FF2B5EF4-FFF2-40B4-BE49-F238E27FC236}">
-                <a16:creationId xmlns="" xmlns:a16="http://schemas.microsoft.com/office/drawing/2014/main" id="{8CBA70B9-7619-4B6B-9D48-09FF42954060}"/>
+                <a16:creationId xmlns:a16="http://schemas.microsoft.com/office/drawing/2014/main" xmlns="" id="{8CBA70B9-7619-4B6B-9D48-09FF42954060}"/>
               </a:ext>
             </a:extLst>
           </p:cNvPr>
@@ -1192,7 +1192,7 @@
           <p:cNvPr id="13" name="Picture Placeholder 12">
             <a:extLst>
               <a:ext uri="{FF2B5EF4-FFF2-40B4-BE49-F238E27FC236}">
-                <a16:creationId xmlns="" xmlns:a16="http://schemas.microsoft.com/office/drawing/2014/main" id="{D11BC8FA-8E3C-4B7E-B585-446554DD66B9}"/>
+                <a16:creationId xmlns:a16="http://schemas.microsoft.com/office/drawing/2014/main" xmlns="" id="{D11BC8FA-8E3C-4B7E-B585-446554DD66B9}"/>
               </a:ext>
             </a:extLst>
           </p:cNvPr>
@@ -1299,7 +1299,7 @@
           <p:cNvPr id="15" name="Picture Placeholder 14">
             <a:extLst>
               <a:ext uri="{FF2B5EF4-FFF2-40B4-BE49-F238E27FC236}">
-                <a16:creationId xmlns="" xmlns:a16="http://schemas.microsoft.com/office/drawing/2014/main" id="{8D503877-37B9-4FEE-A578-F1F19F5FFBF2}"/>
+                <a16:creationId xmlns:a16="http://schemas.microsoft.com/office/drawing/2014/main" xmlns="" id="{8D503877-37B9-4FEE-A578-F1F19F5FFBF2}"/>
               </a:ext>
             </a:extLst>
           </p:cNvPr>
@@ -1406,7 +1406,7 @@
           <p:cNvPr id="16" name="Picture Placeholder 15">
             <a:extLst>
               <a:ext uri="{FF2B5EF4-FFF2-40B4-BE49-F238E27FC236}">
-                <a16:creationId xmlns="" xmlns:a16="http://schemas.microsoft.com/office/drawing/2014/main" id="{0BC6429F-1169-4151-AF93-D3D79E1EA866}"/>
+                <a16:creationId xmlns:a16="http://schemas.microsoft.com/office/drawing/2014/main" xmlns="" id="{0BC6429F-1169-4151-AF93-D3D79E1EA866}"/>
               </a:ext>
             </a:extLst>
           </p:cNvPr>
@@ -1543,7 +1543,7 @@
           <p:cNvPr id="5" name="Picture Placeholder 4">
             <a:extLst>
               <a:ext uri="{FF2B5EF4-FFF2-40B4-BE49-F238E27FC236}">
-                <a16:creationId xmlns="" xmlns:a16="http://schemas.microsoft.com/office/drawing/2014/main" id="{8CBA70B9-7619-4B6B-9D48-09FF42954060}"/>
+                <a16:creationId xmlns:a16="http://schemas.microsoft.com/office/drawing/2014/main" xmlns="" id="{8CBA70B9-7619-4B6B-9D48-09FF42954060}"/>
               </a:ext>
             </a:extLst>
           </p:cNvPr>
@@ -1579,7 +1579,7 @@
           <p:cNvPr id="14" name="Picture Placeholder 13">
             <a:extLst>
               <a:ext uri="{FF2B5EF4-FFF2-40B4-BE49-F238E27FC236}">
-                <a16:creationId xmlns="" xmlns:a16="http://schemas.microsoft.com/office/drawing/2014/main" id="{A4EE4B8D-C6C1-45A1-B2AF-93F9EF8B44C6}"/>
+                <a16:creationId xmlns:a16="http://schemas.microsoft.com/office/drawing/2014/main" xmlns="" id="{A4EE4B8D-C6C1-45A1-B2AF-93F9EF8B44C6}"/>
               </a:ext>
             </a:extLst>
           </p:cNvPr>
@@ -1702,7 +1702,7 @@
           <p:cNvPr id="17" name="Picture Placeholder 16">
             <a:extLst>
               <a:ext uri="{FF2B5EF4-FFF2-40B4-BE49-F238E27FC236}">
-                <a16:creationId xmlns="" xmlns:a16="http://schemas.microsoft.com/office/drawing/2014/main" id="{FCDFD8C4-7251-4A4D-A596-438482E5EEB1}"/>
+                <a16:creationId xmlns:a16="http://schemas.microsoft.com/office/drawing/2014/main" xmlns="" id="{FCDFD8C4-7251-4A4D-A596-438482E5EEB1}"/>
               </a:ext>
             </a:extLst>
           </p:cNvPr>
@@ -1825,7 +1825,7 @@
           <p:cNvPr id="18" name="Picture Placeholder 17">
             <a:extLst>
               <a:ext uri="{FF2B5EF4-FFF2-40B4-BE49-F238E27FC236}">
-                <a16:creationId xmlns="" xmlns:a16="http://schemas.microsoft.com/office/drawing/2014/main" id="{DC9D97AB-1975-48B3-9332-4DA67BC72DD1}"/>
+                <a16:creationId xmlns:a16="http://schemas.microsoft.com/office/drawing/2014/main" xmlns="" id="{DC9D97AB-1975-48B3-9332-4DA67BC72DD1}"/>
               </a:ext>
             </a:extLst>
           </p:cNvPr>
@@ -1978,7 +1978,7 @@
           <p:cNvPr id="8" name="Picture Placeholder 2">
             <a:extLst>
               <a:ext uri="{FF2B5EF4-FFF2-40B4-BE49-F238E27FC236}">
-                <a16:creationId xmlns="" xmlns:a16="http://schemas.microsoft.com/office/drawing/2014/main" id="{F16661F6-5A56-4EB6-8C96-52A1FAE6B615}"/>
+                <a16:creationId xmlns:a16="http://schemas.microsoft.com/office/drawing/2014/main" xmlns="" id="{F16661F6-5A56-4EB6-8C96-52A1FAE6B615}"/>
               </a:ext>
             </a:extLst>
           </p:cNvPr>
@@ -3047,7 +3047,7 @@
           <p:cNvPr id="2" name="Picture Placeholder 8">
             <a:extLst>
               <a:ext uri="{FF2B5EF4-FFF2-40B4-BE49-F238E27FC236}">
-                <a16:creationId xmlns="" xmlns:a16="http://schemas.microsoft.com/office/drawing/2014/main" id="{D9DD6903-31DD-5348-931E-827644FF87FE}"/>
+                <a16:creationId xmlns:a16="http://schemas.microsoft.com/office/drawing/2014/main" xmlns="" id="{D9DD6903-31DD-5348-931E-827644FF87FE}"/>
               </a:ext>
             </a:extLst>
           </p:cNvPr>
@@ -3374,7 +3374,7 @@
           <p:cNvPr id="13" name="Rectangle 9">
             <a:extLst>
               <a:ext uri="{FF2B5EF4-FFF2-40B4-BE49-F238E27FC236}">
-                <a16:creationId xmlns="" xmlns:a16="http://schemas.microsoft.com/office/drawing/2014/main" id="{9E444B58-9435-4FC2-AFC1-1719DC22DD4A}"/>
+                <a16:creationId xmlns:a16="http://schemas.microsoft.com/office/drawing/2014/main" xmlns="" id="{9E444B58-9435-4FC2-AFC1-1719DC22DD4A}"/>
               </a:ext>
             </a:extLst>
           </p:cNvPr>
@@ -3741,7 +3741,7 @@
           <p:cNvPr id="16" name="Picture Placeholder 15">
             <a:extLst>
               <a:ext uri="{FF2B5EF4-FFF2-40B4-BE49-F238E27FC236}">
-                <a16:creationId xmlns="" xmlns:a16="http://schemas.microsoft.com/office/drawing/2014/main" id="{114D41D0-DB88-4BF0-B050-A01376305B20}"/>
+                <a16:creationId xmlns:a16="http://schemas.microsoft.com/office/drawing/2014/main" xmlns="" id="{114D41D0-DB88-4BF0-B050-A01376305B20}"/>
               </a:ext>
             </a:extLst>
           </p:cNvPr>
@@ -3883,7 +3883,7 @@
           <p:cNvPr id="13" name="Rectangle 9">
             <a:extLst>
               <a:ext uri="{FF2B5EF4-FFF2-40B4-BE49-F238E27FC236}">
-                <a16:creationId xmlns="" xmlns:a16="http://schemas.microsoft.com/office/drawing/2014/main" id="{9E444B58-9435-4FC2-AFC1-1719DC22DD4A}"/>
+                <a16:creationId xmlns:a16="http://schemas.microsoft.com/office/drawing/2014/main" xmlns="" id="{9E444B58-9435-4FC2-AFC1-1719DC22DD4A}"/>
               </a:ext>
             </a:extLst>
           </p:cNvPr>
@@ -4228,7 +4228,7 @@
             <a:fld id="{425404F2-BE9A-4460-8815-8F645183555F}" type="datetimeFigureOut">
               <a:rPr lang="en-US" smtClean="0"/>
               <a:pPr/>
-              <a:t>9/26/2021</a:t>
+              <a:t>9/27/2021</a:t>
             </a:fld>
             <a:endParaRPr lang="en-US"/>
           </a:p>
@@ -4282,7 +4282,7 @@
           <p:cNvPr id="11" name="Picture Placeholder 10">
             <a:extLst>
               <a:ext uri="{FF2B5EF4-FFF2-40B4-BE49-F238E27FC236}">
-                <a16:creationId xmlns="" xmlns:a16="http://schemas.microsoft.com/office/drawing/2014/main" id="{F22557AA-DA64-44AB-B366-365BC7CD1593}"/>
+                <a16:creationId xmlns:a16="http://schemas.microsoft.com/office/drawing/2014/main" xmlns="" id="{F22557AA-DA64-44AB-B366-365BC7CD1593}"/>
               </a:ext>
             </a:extLst>
           </p:cNvPr>
@@ -5062,7 +5062,7 @@
           <p:cNvPr id="12" name="Freeform: Shape 11">
             <a:extLst>
               <a:ext uri="{FF2B5EF4-FFF2-40B4-BE49-F238E27FC236}">
-                <a16:creationId xmlns="" xmlns:a16="http://schemas.microsoft.com/office/drawing/2014/main" id="{0DF2A531-B3D6-4EA3-BDB1-DA15E7293BB9}"/>
+                <a16:creationId xmlns:a16="http://schemas.microsoft.com/office/drawing/2014/main" xmlns="" id="{0DF2A531-B3D6-4EA3-BDB1-DA15E7293BB9}"/>
               </a:ext>
             </a:extLst>
           </p:cNvPr>
@@ -5195,7 +5195,7 @@
           <p:cNvPr id="13" name="Freeform: Shape 12">
             <a:extLst>
               <a:ext uri="{FF2B5EF4-FFF2-40B4-BE49-F238E27FC236}">
-                <a16:creationId xmlns="" xmlns:a16="http://schemas.microsoft.com/office/drawing/2014/main" id="{D497231C-9762-4A12-BEC4-4AD7D6DE149D}"/>
+                <a16:creationId xmlns:a16="http://schemas.microsoft.com/office/drawing/2014/main" xmlns="" id="{D497231C-9762-4A12-BEC4-4AD7D6DE149D}"/>
               </a:ext>
             </a:extLst>
           </p:cNvPr>
@@ -5322,7 +5322,7 @@
           <p:cNvPr id="14" name="Straight Connector 13">
             <a:extLst>
               <a:ext uri="{FF2B5EF4-FFF2-40B4-BE49-F238E27FC236}">
-                <a16:creationId xmlns="" xmlns:a16="http://schemas.microsoft.com/office/drawing/2014/main" id="{194E0303-30C9-4D08-AC28-8BCE877866B9}"/>
+                <a16:creationId xmlns:a16="http://schemas.microsoft.com/office/drawing/2014/main" xmlns="" id="{194E0303-30C9-4D08-AC28-8BCE877866B9}"/>
               </a:ext>
             </a:extLst>
           </p:cNvPr>
@@ -5442,7 +5442,7 @@
           <p:cNvPr id="11" name="Group 10">
             <a:extLst>
               <a:ext uri="{FF2B5EF4-FFF2-40B4-BE49-F238E27FC236}">
-                <a16:creationId xmlns="" xmlns:a16="http://schemas.microsoft.com/office/drawing/2014/main" id="{8BE44616-44F6-4451-8A07-B3C7088A052B}"/>
+                <a16:creationId xmlns:a16="http://schemas.microsoft.com/office/drawing/2014/main" xmlns="" id="{8BE44616-44F6-4451-8A07-B3C7088A052B}"/>
               </a:ext>
             </a:extLst>
           </p:cNvPr>
@@ -5462,7 +5462,7 @@
             <p:cNvPr id="6" name="Oval 5">
               <a:extLst>
                 <a:ext uri="{FF2B5EF4-FFF2-40B4-BE49-F238E27FC236}">
-                  <a16:creationId xmlns="" xmlns:a16="http://schemas.microsoft.com/office/drawing/2014/main" id="{AE87FC1A-FD83-4F38-B6A7-7F1EE537344A}"/>
+                  <a16:creationId xmlns:a16="http://schemas.microsoft.com/office/drawing/2014/main" xmlns="" id="{AE87FC1A-FD83-4F38-B6A7-7F1EE537344A}"/>
                 </a:ext>
               </a:extLst>
             </p:cNvPr>
@@ -5514,7 +5514,7 @@
             <p:cNvPr id="8" name="Oval 7">
               <a:extLst>
                 <a:ext uri="{FF2B5EF4-FFF2-40B4-BE49-F238E27FC236}">
-                  <a16:creationId xmlns="" xmlns:a16="http://schemas.microsoft.com/office/drawing/2014/main" id="{3ED916CA-2918-47D8-963E-CFBEF553243E}"/>
+                  <a16:creationId xmlns:a16="http://schemas.microsoft.com/office/drawing/2014/main" xmlns="" id="{3ED916CA-2918-47D8-963E-CFBEF553243E}"/>
                 </a:ext>
               </a:extLst>
             </p:cNvPr>
@@ -5566,7 +5566,7 @@
             <p:cNvPr id="9" name="Oval 8">
               <a:extLst>
                 <a:ext uri="{FF2B5EF4-FFF2-40B4-BE49-F238E27FC236}">
-                  <a16:creationId xmlns="" xmlns:a16="http://schemas.microsoft.com/office/drawing/2014/main" id="{5063945D-6F54-44A1-9725-E7BD2467D8BE}"/>
+                  <a16:creationId xmlns:a16="http://schemas.microsoft.com/office/drawing/2014/main" xmlns="" id="{5063945D-6F54-44A1-9725-E7BD2467D8BE}"/>
                 </a:ext>
               </a:extLst>
             </p:cNvPr>
@@ -5618,7 +5618,7 @@
             <p:cNvPr id="10" name="Oval 9">
               <a:extLst>
                 <a:ext uri="{FF2B5EF4-FFF2-40B4-BE49-F238E27FC236}">
-                  <a16:creationId xmlns="" xmlns:a16="http://schemas.microsoft.com/office/drawing/2014/main" id="{1B708E8F-5207-4E94-BA4D-EA9207FEBAA7}"/>
+                  <a16:creationId xmlns:a16="http://schemas.microsoft.com/office/drawing/2014/main" xmlns="" id="{1B708E8F-5207-4E94-BA4D-EA9207FEBAA7}"/>
                 </a:ext>
               </a:extLst>
             </p:cNvPr>
@@ -5701,7 +5701,7 @@
           <p:cNvPr id="15" name="Freeform: Shape 14">
             <a:extLst>
               <a:ext uri="{FF2B5EF4-FFF2-40B4-BE49-F238E27FC236}">
-                <a16:creationId xmlns="" xmlns:a16="http://schemas.microsoft.com/office/drawing/2014/main" id="{7EB80458-0E8D-4F91-B535-C4776968CF1A}"/>
+                <a16:creationId xmlns:a16="http://schemas.microsoft.com/office/drawing/2014/main" xmlns="" id="{7EB80458-0E8D-4F91-B535-C4776968CF1A}"/>
               </a:ext>
             </a:extLst>
           </p:cNvPr>
@@ -5834,7 +5834,7 @@
           <p:cNvPr id="16" name="Freeform: Shape 15">
             <a:extLst>
               <a:ext uri="{FF2B5EF4-FFF2-40B4-BE49-F238E27FC236}">
-                <a16:creationId xmlns="" xmlns:a16="http://schemas.microsoft.com/office/drawing/2014/main" id="{C49CFF18-3451-4B0E-9DAB-B2807D961421}"/>
+                <a16:creationId xmlns:a16="http://schemas.microsoft.com/office/drawing/2014/main" xmlns="" id="{C49CFF18-3451-4B0E-9DAB-B2807D961421}"/>
               </a:ext>
             </a:extLst>
           </p:cNvPr>
@@ -5961,7 +5961,7 @@
           <p:cNvPr id="14" name="Straight Connector 13">
             <a:extLst>
               <a:ext uri="{FF2B5EF4-FFF2-40B4-BE49-F238E27FC236}">
-                <a16:creationId xmlns="" xmlns:a16="http://schemas.microsoft.com/office/drawing/2014/main" id="{D1C53842-5688-4E4C-AEE3-FB57964067BB}"/>
+                <a16:creationId xmlns:a16="http://schemas.microsoft.com/office/drawing/2014/main" xmlns="" id="{D1C53842-5688-4E4C-AEE3-FB57964067BB}"/>
               </a:ext>
             </a:extLst>
           </p:cNvPr>
@@ -6038,7 +6038,7 @@
           <p:cNvPr id="11" name="Group 10">
             <a:extLst>
               <a:ext uri="{FF2B5EF4-FFF2-40B4-BE49-F238E27FC236}">
-                <a16:creationId xmlns="" xmlns:a16="http://schemas.microsoft.com/office/drawing/2014/main" id="{8BE44616-44F6-4451-8A07-B3C7088A052B}"/>
+                <a16:creationId xmlns:a16="http://schemas.microsoft.com/office/drawing/2014/main" xmlns="" id="{8BE44616-44F6-4451-8A07-B3C7088A052B}"/>
               </a:ext>
             </a:extLst>
           </p:cNvPr>
@@ -6058,7 +6058,7 @@
             <p:cNvPr id="6" name="Oval 5">
               <a:extLst>
                 <a:ext uri="{FF2B5EF4-FFF2-40B4-BE49-F238E27FC236}">
-                  <a16:creationId xmlns="" xmlns:a16="http://schemas.microsoft.com/office/drawing/2014/main" id="{AE87FC1A-FD83-4F38-B6A7-7F1EE537344A}"/>
+                  <a16:creationId xmlns:a16="http://schemas.microsoft.com/office/drawing/2014/main" xmlns="" id="{AE87FC1A-FD83-4F38-B6A7-7F1EE537344A}"/>
                 </a:ext>
               </a:extLst>
             </p:cNvPr>
@@ -6110,7 +6110,7 @@
             <p:cNvPr id="8" name="Oval 7">
               <a:extLst>
                 <a:ext uri="{FF2B5EF4-FFF2-40B4-BE49-F238E27FC236}">
-                  <a16:creationId xmlns="" xmlns:a16="http://schemas.microsoft.com/office/drawing/2014/main" id="{3ED916CA-2918-47D8-963E-CFBEF553243E}"/>
+                  <a16:creationId xmlns:a16="http://schemas.microsoft.com/office/drawing/2014/main" xmlns="" id="{3ED916CA-2918-47D8-963E-CFBEF553243E}"/>
                 </a:ext>
               </a:extLst>
             </p:cNvPr>
@@ -6162,7 +6162,7 @@
             <p:cNvPr id="9" name="Oval 8">
               <a:extLst>
                 <a:ext uri="{FF2B5EF4-FFF2-40B4-BE49-F238E27FC236}">
-                  <a16:creationId xmlns="" xmlns:a16="http://schemas.microsoft.com/office/drawing/2014/main" id="{5063945D-6F54-44A1-9725-E7BD2467D8BE}"/>
+                  <a16:creationId xmlns:a16="http://schemas.microsoft.com/office/drawing/2014/main" xmlns="" id="{5063945D-6F54-44A1-9725-E7BD2467D8BE}"/>
                 </a:ext>
               </a:extLst>
             </p:cNvPr>
@@ -6214,7 +6214,7 @@
             <p:cNvPr id="10" name="Oval 9">
               <a:extLst>
                 <a:ext uri="{FF2B5EF4-FFF2-40B4-BE49-F238E27FC236}">
-                  <a16:creationId xmlns="" xmlns:a16="http://schemas.microsoft.com/office/drawing/2014/main" id="{1B708E8F-5207-4E94-BA4D-EA9207FEBAA7}"/>
+                  <a16:creationId xmlns:a16="http://schemas.microsoft.com/office/drawing/2014/main" xmlns="" id="{1B708E8F-5207-4E94-BA4D-EA9207FEBAA7}"/>
                 </a:ext>
               </a:extLst>
             </p:cNvPr>
@@ -6267,7 +6267,7 @@
           <p:cNvPr id="20" name="Picture Placeholder 19">
             <a:extLst>
               <a:ext uri="{FF2B5EF4-FFF2-40B4-BE49-F238E27FC236}">
-                <a16:creationId xmlns="" xmlns:a16="http://schemas.microsoft.com/office/drawing/2014/main" id="{0B382A9B-B5A1-4911-8990-5EAC07025794}"/>
+                <a16:creationId xmlns:a16="http://schemas.microsoft.com/office/drawing/2014/main" xmlns="" id="{0B382A9B-B5A1-4911-8990-5EAC07025794}"/>
               </a:ext>
             </a:extLst>
           </p:cNvPr>
@@ -6367,7 +6367,7 @@
           <p:cNvPr id="17" name="Footer Placeholder 3">
             <a:extLst>
               <a:ext uri="{FF2B5EF4-FFF2-40B4-BE49-F238E27FC236}">
-                <a16:creationId xmlns="" xmlns:a16="http://schemas.microsoft.com/office/drawing/2014/main" id="{1E5CD683-A132-4506-9D46-474D9A8A1230}"/>
+                <a16:creationId xmlns:a16="http://schemas.microsoft.com/office/drawing/2014/main" xmlns="" id="{1E5CD683-A132-4506-9D46-474D9A8A1230}"/>
               </a:ext>
             </a:extLst>
           </p:cNvPr>
@@ -6397,7 +6397,7 @@
           <p:cNvPr id="18" name="Slide Number Placeholder 4">
             <a:extLst>
               <a:ext uri="{FF2B5EF4-FFF2-40B4-BE49-F238E27FC236}">
-                <a16:creationId xmlns="" xmlns:a16="http://schemas.microsoft.com/office/drawing/2014/main" id="{382E09B3-E595-4045-9D9E-5DAD201BFC2C}"/>
+                <a16:creationId xmlns:a16="http://schemas.microsoft.com/office/drawing/2014/main" xmlns="" id="{382E09B3-E595-4045-9D9E-5DAD201BFC2C}"/>
               </a:ext>
             </a:extLst>
           </p:cNvPr>
@@ -6973,7 +6973,7 @@
           <p:cNvPr id="13" name="Rectangle 12">
             <a:extLst>
               <a:ext uri="{FF2B5EF4-FFF2-40B4-BE49-F238E27FC236}">
-                <a16:creationId xmlns="" xmlns:a16="http://schemas.microsoft.com/office/drawing/2014/main" id="{EE1D1380-BC28-F74F-8866-BD4C0AD42595}"/>
+                <a16:creationId xmlns:a16="http://schemas.microsoft.com/office/drawing/2014/main" xmlns="" id="{EE1D1380-BC28-F74F-8866-BD4C0AD42595}"/>
               </a:ext>
             </a:extLst>
           </p:cNvPr>
@@ -7041,7 +7041,7 @@
           <p:cNvPr id="10" name="Picture 9">
             <a:extLst>
               <a:ext uri="{FF2B5EF4-FFF2-40B4-BE49-F238E27FC236}">
-                <a16:creationId xmlns="" xmlns:a16="http://schemas.microsoft.com/office/drawing/2014/main" id="{B632F133-AC7B-4BFC-9A60-F9C1BF83B8C7}"/>
+                <a16:creationId xmlns:a16="http://schemas.microsoft.com/office/drawing/2014/main" xmlns="" id="{B632F133-AC7B-4BFC-9A60-F9C1BF83B8C7}"/>
               </a:ext>
             </a:extLst>
           </p:cNvPr>
@@ -7077,7 +7077,7 @@
           <p:cNvPr id="12" name="Title 17">
             <a:extLst>
               <a:ext uri="{FF2B5EF4-FFF2-40B4-BE49-F238E27FC236}">
-                <a16:creationId xmlns="" xmlns:a16="http://schemas.microsoft.com/office/drawing/2014/main" id="{4117CAFD-7974-40A0-B30C-AF63966E104E}"/>
+                <a16:creationId xmlns:a16="http://schemas.microsoft.com/office/drawing/2014/main" xmlns="" id="{4117CAFD-7974-40A0-B30C-AF63966E104E}"/>
               </a:ext>
             </a:extLst>
           </p:cNvPr>
@@ -7147,7 +7147,7 @@
           <p:cNvPr id="14" name="TextBox 3">
             <a:extLst>
               <a:ext uri="{FF2B5EF4-FFF2-40B4-BE49-F238E27FC236}">
-                <a16:creationId xmlns="" xmlns:a16="http://schemas.microsoft.com/office/drawing/2014/main" id="{CD9849B0-BCB0-4466-8FC9-5ADD342E24D4}"/>
+                <a16:creationId xmlns:a16="http://schemas.microsoft.com/office/drawing/2014/main" xmlns="" id="{CD9849B0-BCB0-4466-8FC9-5ADD342E24D4}"/>
               </a:ext>
             </a:extLst>
           </p:cNvPr>
@@ -7278,7 +7278,7 @@
           <p:cNvPr id="15" name="Picture Placeholder 21" descr="A picture containing person, suit, person, posing&#10;&#10;Description automatically generated">
             <a:extLst>
               <a:ext uri="{FF2B5EF4-FFF2-40B4-BE49-F238E27FC236}">
-                <a16:creationId xmlns="" xmlns:a16="http://schemas.microsoft.com/office/drawing/2014/main" id="{C8DDA278-417E-4992-A507-538AA285B1CA}"/>
+                <a16:creationId xmlns:a16="http://schemas.microsoft.com/office/drawing/2014/main" xmlns="" id="{C8DDA278-417E-4992-A507-538AA285B1CA}"/>
               </a:ext>
             </a:extLst>
           </p:cNvPr>
@@ -7366,7 +7366,7 @@
           <p:cNvPr id="16" name="Picture 15">
             <a:extLst>
               <a:ext uri="{FF2B5EF4-FFF2-40B4-BE49-F238E27FC236}">
-                <a16:creationId xmlns="" xmlns:a16="http://schemas.microsoft.com/office/drawing/2014/main" id="{5CD05779-92C9-4167-9FAF-2640F8D564D9}"/>
+                <a16:creationId xmlns:a16="http://schemas.microsoft.com/office/drawing/2014/main" xmlns="" id="{5CD05779-92C9-4167-9FAF-2640F8D564D9}"/>
               </a:ext>
             </a:extLst>
           </p:cNvPr>
@@ -7402,7 +7402,7 @@
           <p:cNvPr id="11" name="TextBox 10">
             <a:extLst>
               <a:ext uri="{FF2B5EF4-FFF2-40B4-BE49-F238E27FC236}">
-                <a16:creationId xmlns="" xmlns:a16="http://schemas.microsoft.com/office/drawing/2014/main" id="{48852948-6211-4F0A-ACA2-7ECFA7683A37}"/>
+                <a16:creationId xmlns:a16="http://schemas.microsoft.com/office/drawing/2014/main" xmlns="" id="{48852948-6211-4F0A-ACA2-7ECFA7683A37}"/>
               </a:ext>
             </a:extLst>
           </p:cNvPr>
@@ -7485,7 +7485,7 @@
           <p:cNvPr id="3" name="Picture 2">
             <a:extLst>
               <a:ext uri="{FF2B5EF4-FFF2-40B4-BE49-F238E27FC236}">
-                <a16:creationId xmlns="" xmlns:a16="http://schemas.microsoft.com/office/drawing/2014/main" id="{B632F133-AC7B-4BFC-9A60-F9C1BF83B8C7}"/>
+                <a16:creationId xmlns:a16="http://schemas.microsoft.com/office/drawing/2014/main" xmlns="" id="{B632F133-AC7B-4BFC-9A60-F9C1BF83B8C7}"/>
               </a:ext>
             </a:extLst>
           </p:cNvPr>
@@ -7521,7 +7521,7 @@
           <p:cNvPr id="4" name="TextBox 3">
             <a:extLst>
               <a:ext uri="{FF2B5EF4-FFF2-40B4-BE49-F238E27FC236}">
-                <a16:creationId xmlns="" xmlns:a16="http://schemas.microsoft.com/office/drawing/2014/main" id="{3D397016-664C-44ED-84CF-FEA6E3A54912}"/>
+                <a16:creationId xmlns:a16="http://schemas.microsoft.com/office/drawing/2014/main" xmlns="" id="{3D397016-664C-44ED-84CF-FEA6E3A54912}"/>
               </a:ext>
             </a:extLst>
           </p:cNvPr>
@@ -7558,7 +7558,7 @@
           <p:cNvPr id="6" name="TextBox 5">
             <a:extLst>
               <a:ext uri="{FF2B5EF4-FFF2-40B4-BE49-F238E27FC236}">
-                <a16:creationId xmlns="" xmlns:a16="http://schemas.microsoft.com/office/drawing/2014/main" id="{E515AEEE-9779-42A2-AFCA-734FDEC19A71}"/>
+                <a16:creationId xmlns:a16="http://schemas.microsoft.com/office/drawing/2014/main" xmlns="" id="{E515AEEE-9779-42A2-AFCA-734FDEC19A71}"/>
               </a:ext>
             </a:extLst>
           </p:cNvPr>
@@ -7593,7 +7593,7 @@
           <p:cNvPr id="7" name="TextBox 6">
             <a:extLst>
               <a:ext uri="{FF2B5EF4-FFF2-40B4-BE49-F238E27FC236}">
-                <a16:creationId xmlns="" xmlns:a16="http://schemas.microsoft.com/office/drawing/2014/main" id="{A5CC71F9-C09A-4860-98F4-CF360D096233}"/>
+                <a16:creationId xmlns:a16="http://schemas.microsoft.com/office/drawing/2014/main" xmlns="" id="{A5CC71F9-C09A-4860-98F4-CF360D096233}"/>
               </a:ext>
             </a:extLst>
           </p:cNvPr>
@@ -7697,7 +7697,7 @@
           <p:cNvPr id="3" name="Picture 2">
             <a:extLst>
               <a:ext uri="{FF2B5EF4-FFF2-40B4-BE49-F238E27FC236}">
-                <a16:creationId xmlns="" xmlns:a16="http://schemas.microsoft.com/office/drawing/2014/main" id="{B632F133-AC7B-4BFC-9A60-F9C1BF83B8C7}"/>
+                <a16:creationId xmlns:a16="http://schemas.microsoft.com/office/drawing/2014/main" xmlns="" id="{B632F133-AC7B-4BFC-9A60-F9C1BF83B8C7}"/>
               </a:ext>
             </a:extLst>
           </p:cNvPr>
@@ -7733,7 +7733,7 @@
           <p:cNvPr id="4" name="TextBox 3">
             <a:extLst>
               <a:ext uri="{FF2B5EF4-FFF2-40B4-BE49-F238E27FC236}">
-                <a16:creationId xmlns="" xmlns:a16="http://schemas.microsoft.com/office/drawing/2014/main" id="{3D397016-664C-44ED-84CF-FEA6E3A54912}"/>
+                <a16:creationId xmlns:a16="http://schemas.microsoft.com/office/drawing/2014/main" xmlns="" id="{3D397016-664C-44ED-84CF-FEA6E3A54912}"/>
               </a:ext>
             </a:extLst>
           </p:cNvPr>
@@ -7770,7 +7770,7 @@
           <p:cNvPr id="5" name="TextBox 4">
             <a:extLst>
               <a:ext uri="{FF2B5EF4-FFF2-40B4-BE49-F238E27FC236}">
-                <a16:creationId xmlns="" xmlns:a16="http://schemas.microsoft.com/office/drawing/2014/main" id="{A5CC71F9-C09A-4860-98F4-CF360D096233}"/>
+                <a16:creationId xmlns:a16="http://schemas.microsoft.com/office/drawing/2014/main" xmlns="" id="{A5CC71F9-C09A-4860-98F4-CF360D096233}"/>
               </a:ext>
             </a:extLst>
           </p:cNvPr>
@@ -7864,7 +7864,7 @@
           <p:cNvPr id="6" name="TextBox 5">
             <a:extLst>
               <a:ext uri="{FF2B5EF4-FFF2-40B4-BE49-F238E27FC236}">
-                <a16:creationId xmlns="" xmlns:a16="http://schemas.microsoft.com/office/drawing/2014/main" id="{E515AEEE-9779-42A2-AFCA-734FDEC19A71}"/>
+                <a16:creationId xmlns:a16="http://schemas.microsoft.com/office/drawing/2014/main" xmlns="" id="{E515AEEE-9779-42A2-AFCA-734FDEC19A71}"/>
               </a:ext>
             </a:extLst>
           </p:cNvPr>
@@ -7929,7 +7929,7 @@
           <p:cNvPr id="3" name="Slide Number Placeholder 2">
             <a:extLst>
               <a:ext uri="{FF2B5EF4-FFF2-40B4-BE49-F238E27FC236}">
-                <a16:creationId xmlns="" xmlns:a16="http://schemas.microsoft.com/office/drawing/2014/main" id="{FBF87C44-1FBE-4DAA-A7F9-A76EA593482A}"/>
+                <a16:creationId xmlns:a16="http://schemas.microsoft.com/office/drawing/2014/main" xmlns="" id="{FBF87C44-1FBE-4DAA-A7F9-A76EA593482A}"/>
               </a:ext>
             </a:extLst>
           </p:cNvPr>
@@ -7964,7 +7964,7 @@
           <p:cNvPr id="11" name="Picture Placeholder 10">
             <a:extLst>
               <a:ext uri="{FF2B5EF4-FFF2-40B4-BE49-F238E27FC236}">
-                <a16:creationId xmlns="" xmlns:a16="http://schemas.microsoft.com/office/drawing/2014/main" id="{69A8831E-7EB2-484A-9D01-F802C8B71C90}"/>
+                <a16:creationId xmlns:a16="http://schemas.microsoft.com/office/drawing/2014/main" xmlns="" id="{69A8831E-7EB2-484A-9D01-F802C8B71C90}"/>
               </a:ext>
             </a:extLst>
           </p:cNvPr>
@@ -7995,7 +7995,7 @@
           <p:cNvPr id="54" name="Freeform 6">
             <a:extLst>
               <a:ext uri="{FF2B5EF4-FFF2-40B4-BE49-F238E27FC236}">
-                <a16:creationId xmlns="" xmlns:a16="http://schemas.microsoft.com/office/drawing/2014/main" id="{7CEA75D0-6AAF-4DF6-A668-7EE782A30A1F}"/>
+                <a16:creationId xmlns:a16="http://schemas.microsoft.com/office/drawing/2014/main" xmlns="" id="{7CEA75D0-6AAF-4DF6-A668-7EE782A30A1F}"/>
               </a:ext>
             </a:extLst>
           </p:cNvPr>
@@ -8110,7 +8110,7 @@
           <p:cNvPr id="55" name="Freeform 6">
             <a:extLst>
               <a:ext uri="{FF2B5EF4-FFF2-40B4-BE49-F238E27FC236}">
-                <a16:creationId xmlns="" xmlns:a16="http://schemas.microsoft.com/office/drawing/2014/main" id="{8A72FFBC-FC4F-4574-BCE4-075EBD782D1B}"/>
+                <a16:creationId xmlns:a16="http://schemas.microsoft.com/office/drawing/2014/main" xmlns="" id="{8A72FFBC-FC4F-4574-BCE4-075EBD782D1B}"/>
               </a:ext>
             </a:extLst>
           </p:cNvPr>
@@ -8225,7 +8225,7 @@
           <p:cNvPr id="13" name="TextBox 12">
             <a:extLst>
               <a:ext uri="{FF2B5EF4-FFF2-40B4-BE49-F238E27FC236}">
-                <a16:creationId xmlns="" xmlns:a16="http://schemas.microsoft.com/office/drawing/2014/main" id="{0F67A00B-35E2-4D67-8B7B-F211152C2584}"/>
+                <a16:creationId xmlns:a16="http://schemas.microsoft.com/office/drawing/2014/main" xmlns="" id="{0F67A00B-35E2-4D67-8B7B-F211152C2584}"/>
               </a:ext>
             </a:extLst>
           </p:cNvPr>
@@ -8265,7 +8265,7 @@
           <p:cNvPr id="56" name="Rectangle 55">
             <a:extLst>
               <a:ext uri="{FF2B5EF4-FFF2-40B4-BE49-F238E27FC236}">
-                <a16:creationId xmlns="" xmlns:a16="http://schemas.microsoft.com/office/drawing/2014/main" id="{56D1A3A5-8C05-4459-89DF-E277F89F72B6}"/>
+                <a16:creationId xmlns:a16="http://schemas.microsoft.com/office/drawing/2014/main" xmlns="" id="{56D1A3A5-8C05-4459-89DF-E277F89F72B6}"/>
               </a:ext>
             </a:extLst>
           </p:cNvPr>
@@ -8305,7 +8305,7 @@
           <p:cNvPr id="57" name="Rectangle 56">
             <a:extLst>
               <a:ext uri="{FF2B5EF4-FFF2-40B4-BE49-F238E27FC236}">
-                <a16:creationId xmlns="" xmlns:a16="http://schemas.microsoft.com/office/drawing/2014/main" id="{0B5C7820-2097-40EE-8A3C-5CC9DEF512EB}"/>
+                <a16:creationId xmlns:a16="http://schemas.microsoft.com/office/drawing/2014/main" xmlns="" id="{0B5C7820-2097-40EE-8A3C-5CC9DEF512EB}"/>
               </a:ext>
             </a:extLst>
           </p:cNvPr>
@@ -8343,7 +8343,7 @@
           <p:cNvPr id="2" name="TextBox 1">
             <a:extLst>
               <a:ext uri="{FF2B5EF4-FFF2-40B4-BE49-F238E27FC236}">
-                <a16:creationId xmlns="" xmlns:a16="http://schemas.microsoft.com/office/drawing/2014/main" id="{811821F5-9F15-4420-A5A9-063F4D7930EB}"/>
+                <a16:creationId xmlns:a16="http://schemas.microsoft.com/office/drawing/2014/main" xmlns="" id="{811821F5-9F15-4420-A5A9-063F4D7930EB}"/>
               </a:ext>
             </a:extLst>
           </p:cNvPr>
@@ -8385,7 +8385,7 @@
           <p:cNvPr id="10" name="Picture 9">
             <a:extLst>
               <a:ext uri="{FF2B5EF4-FFF2-40B4-BE49-F238E27FC236}">
-                <a16:creationId xmlns="" xmlns:a16="http://schemas.microsoft.com/office/drawing/2014/main" id="{76507F6D-CAA6-4D86-8B9B-572298053C71}"/>
+                <a16:creationId xmlns:a16="http://schemas.microsoft.com/office/drawing/2014/main" xmlns="" id="{76507F6D-CAA6-4D86-8B9B-572298053C71}"/>
               </a:ext>
             </a:extLst>
           </p:cNvPr>
@@ -8451,7 +8451,7 @@
           <p:cNvPr id="3" name="Picture 2">
             <a:extLst>
               <a:ext uri="{FF2B5EF4-FFF2-40B4-BE49-F238E27FC236}">
-                <a16:creationId xmlns="" xmlns:a16="http://schemas.microsoft.com/office/drawing/2014/main" id="{B632F133-AC7B-4BFC-9A60-F9C1BF83B8C7}"/>
+                <a16:creationId xmlns:a16="http://schemas.microsoft.com/office/drawing/2014/main" xmlns="" id="{B632F133-AC7B-4BFC-9A60-F9C1BF83B8C7}"/>
               </a:ext>
             </a:extLst>
           </p:cNvPr>
@@ -8487,7 +8487,7 @@
           <p:cNvPr id="4" name="TextBox 3">
             <a:extLst>
               <a:ext uri="{FF2B5EF4-FFF2-40B4-BE49-F238E27FC236}">
-                <a16:creationId xmlns="" xmlns:a16="http://schemas.microsoft.com/office/drawing/2014/main" id="{3D397016-664C-44ED-84CF-FEA6E3A54912}"/>
+                <a16:creationId xmlns:a16="http://schemas.microsoft.com/office/drawing/2014/main" xmlns="" id="{3D397016-664C-44ED-84CF-FEA6E3A54912}"/>
               </a:ext>
             </a:extLst>
           </p:cNvPr>
@@ -8524,7 +8524,7 @@
           <p:cNvPr id="5" name="TextBox 4">
             <a:extLst>
               <a:ext uri="{FF2B5EF4-FFF2-40B4-BE49-F238E27FC236}">
-                <a16:creationId xmlns="" xmlns:a16="http://schemas.microsoft.com/office/drawing/2014/main" id="{A5CC71F9-C09A-4860-98F4-CF360D096233}"/>
+                <a16:creationId xmlns:a16="http://schemas.microsoft.com/office/drawing/2014/main" xmlns="" id="{A5CC71F9-C09A-4860-98F4-CF360D096233}"/>
               </a:ext>
             </a:extLst>
           </p:cNvPr>
@@ -8683,7 +8683,7 @@
           <p:cNvPr id="6" name="TextBox 5">
             <a:extLst>
               <a:ext uri="{FF2B5EF4-FFF2-40B4-BE49-F238E27FC236}">
-                <a16:creationId xmlns="" xmlns:a16="http://schemas.microsoft.com/office/drawing/2014/main" id="{E515AEEE-9779-42A2-AFCA-734FDEC19A71}"/>
+                <a16:creationId xmlns:a16="http://schemas.microsoft.com/office/drawing/2014/main" xmlns="" id="{E515AEEE-9779-42A2-AFCA-734FDEC19A71}"/>
               </a:ext>
             </a:extLst>
           </p:cNvPr>
@@ -8748,7 +8748,7 @@
           <p:cNvPr id="3" name="Picture 2">
             <a:extLst>
               <a:ext uri="{FF2B5EF4-FFF2-40B4-BE49-F238E27FC236}">
-                <a16:creationId xmlns="" xmlns:a16="http://schemas.microsoft.com/office/drawing/2014/main" id="{B632F133-AC7B-4BFC-9A60-F9C1BF83B8C7}"/>
+                <a16:creationId xmlns:a16="http://schemas.microsoft.com/office/drawing/2014/main" xmlns="" id="{B632F133-AC7B-4BFC-9A60-F9C1BF83B8C7}"/>
               </a:ext>
             </a:extLst>
           </p:cNvPr>
@@ -8784,7 +8784,7 @@
           <p:cNvPr id="4" name="TextBox 3">
             <a:extLst>
               <a:ext uri="{FF2B5EF4-FFF2-40B4-BE49-F238E27FC236}">
-                <a16:creationId xmlns="" xmlns:a16="http://schemas.microsoft.com/office/drawing/2014/main" id="{3D397016-664C-44ED-84CF-FEA6E3A54912}"/>
+                <a16:creationId xmlns:a16="http://schemas.microsoft.com/office/drawing/2014/main" xmlns="" id="{3D397016-664C-44ED-84CF-FEA6E3A54912}"/>
               </a:ext>
             </a:extLst>
           </p:cNvPr>
@@ -8821,7 +8821,7 @@
           <p:cNvPr id="5" name="TextBox 4">
             <a:extLst>
               <a:ext uri="{FF2B5EF4-FFF2-40B4-BE49-F238E27FC236}">
-                <a16:creationId xmlns="" xmlns:a16="http://schemas.microsoft.com/office/drawing/2014/main" id="{A5CC71F9-C09A-4860-98F4-CF360D096233}"/>
+                <a16:creationId xmlns:a16="http://schemas.microsoft.com/office/drawing/2014/main" xmlns="" id="{A5CC71F9-C09A-4860-98F4-CF360D096233}"/>
               </a:ext>
             </a:extLst>
           </p:cNvPr>
@@ -8988,7 +8988,7 @@
           <p:cNvPr id="6" name="TextBox 5">
             <a:extLst>
               <a:ext uri="{FF2B5EF4-FFF2-40B4-BE49-F238E27FC236}">
-                <a16:creationId xmlns="" xmlns:a16="http://schemas.microsoft.com/office/drawing/2014/main" id="{E515AEEE-9779-42A2-AFCA-734FDEC19A71}"/>
+                <a16:creationId xmlns:a16="http://schemas.microsoft.com/office/drawing/2014/main" xmlns="" id="{E515AEEE-9779-42A2-AFCA-734FDEC19A71}"/>
               </a:ext>
             </a:extLst>
           </p:cNvPr>
@@ -9053,7 +9053,7 @@
           <p:cNvPr id="3" name="Picture 2">
             <a:extLst>
               <a:ext uri="{FF2B5EF4-FFF2-40B4-BE49-F238E27FC236}">
-                <a16:creationId xmlns="" xmlns:a16="http://schemas.microsoft.com/office/drawing/2014/main" id="{B632F133-AC7B-4BFC-9A60-F9C1BF83B8C7}"/>
+                <a16:creationId xmlns:a16="http://schemas.microsoft.com/office/drawing/2014/main" xmlns="" id="{B632F133-AC7B-4BFC-9A60-F9C1BF83B8C7}"/>
               </a:ext>
             </a:extLst>
           </p:cNvPr>
@@ -9089,7 +9089,7 @@
           <p:cNvPr id="4" name="TextBox 3">
             <a:extLst>
               <a:ext uri="{FF2B5EF4-FFF2-40B4-BE49-F238E27FC236}">
-                <a16:creationId xmlns="" xmlns:a16="http://schemas.microsoft.com/office/drawing/2014/main" id="{3D397016-664C-44ED-84CF-FEA6E3A54912}"/>
+                <a16:creationId xmlns:a16="http://schemas.microsoft.com/office/drawing/2014/main" xmlns="" id="{3D397016-664C-44ED-84CF-FEA6E3A54912}"/>
               </a:ext>
             </a:extLst>
           </p:cNvPr>
@@ -9126,7 +9126,7 @@
           <p:cNvPr id="5" name="TextBox 4">
             <a:extLst>
               <a:ext uri="{FF2B5EF4-FFF2-40B4-BE49-F238E27FC236}">
-                <a16:creationId xmlns="" xmlns:a16="http://schemas.microsoft.com/office/drawing/2014/main" id="{A5CC71F9-C09A-4860-98F4-CF360D096233}"/>
+                <a16:creationId xmlns:a16="http://schemas.microsoft.com/office/drawing/2014/main" xmlns="" id="{A5CC71F9-C09A-4860-98F4-CF360D096233}"/>
               </a:ext>
             </a:extLst>
           </p:cNvPr>
@@ -9238,7 +9238,7 @@
           <p:cNvPr id="6" name="TextBox 5">
             <a:extLst>
               <a:ext uri="{FF2B5EF4-FFF2-40B4-BE49-F238E27FC236}">
-                <a16:creationId xmlns="" xmlns:a16="http://schemas.microsoft.com/office/drawing/2014/main" id="{E515AEEE-9779-42A2-AFCA-734FDEC19A71}"/>
+                <a16:creationId xmlns:a16="http://schemas.microsoft.com/office/drawing/2014/main" xmlns="" id="{E515AEEE-9779-42A2-AFCA-734FDEC19A71}"/>
               </a:ext>
             </a:extLst>
           </p:cNvPr>
@@ -9303,7 +9303,7 @@
           <p:cNvPr id="3" name="Picture 2">
             <a:extLst>
               <a:ext uri="{FF2B5EF4-FFF2-40B4-BE49-F238E27FC236}">
-                <a16:creationId xmlns="" xmlns:a16="http://schemas.microsoft.com/office/drawing/2014/main" id="{B632F133-AC7B-4BFC-9A60-F9C1BF83B8C7}"/>
+                <a16:creationId xmlns:a16="http://schemas.microsoft.com/office/drawing/2014/main" xmlns="" id="{B632F133-AC7B-4BFC-9A60-F9C1BF83B8C7}"/>
               </a:ext>
             </a:extLst>
           </p:cNvPr>
@@ -9339,7 +9339,7 @@
           <p:cNvPr id="4" name="TextBox 3">
             <a:extLst>
               <a:ext uri="{FF2B5EF4-FFF2-40B4-BE49-F238E27FC236}">
-                <a16:creationId xmlns="" xmlns:a16="http://schemas.microsoft.com/office/drawing/2014/main" id="{3D397016-664C-44ED-84CF-FEA6E3A54912}"/>
+                <a16:creationId xmlns:a16="http://schemas.microsoft.com/office/drawing/2014/main" xmlns="" id="{3D397016-664C-44ED-84CF-FEA6E3A54912}"/>
               </a:ext>
             </a:extLst>
           </p:cNvPr>
@@ -9376,7 +9376,7 @@
           <p:cNvPr id="5" name="TextBox 4">
             <a:extLst>
               <a:ext uri="{FF2B5EF4-FFF2-40B4-BE49-F238E27FC236}">
-                <a16:creationId xmlns="" xmlns:a16="http://schemas.microsoft.com/office/drawing/2014/main" id="{A5CC71F9-C09A-4860-98F4-CF360D096233}"/>
+                <a16:creationId xmlns:a16="http://schemas.microsoft.com/office/drawing/2014/main" xmlns="" id="{A5CC71F9-C09A-4860-98F4-CF360D096233}"/>
               </a:ext>
             </a:extLst>
           </p:cNvPr>
@@ -9533,7 +9533,7 @@
           <p:cNvPr id="6" name="TextBox 5">
             <a:extLst>
               <a:ext uri="{FF2B5EF4-FFF2-40B4-BE49-F238E27FC236}">
-                <a16:creationId xmlns="" xmlns:a16="http://schemas.microsoft.com/office/drawing/2014/main" id="{E515AEEE-9779-42A2-AFCA-734FDEC19A71}"/>
+                <a16:creationId xmlns:a16="http://schemas.microsoft.com/office/drawing/2014/main" xmlns="" id="{E515AEEE-9779-42A2-AFCA-734FDEC19A71}"/>
               </a:ext>
             </a:extLst>
           </p:cNvPr>
@@ -9598,7 +9598,7 @@
           <p:cNvPr id="3" name="Picture 2">
             <a:extLst>
               <a:ext uri="{FF2B5EF4-FFF2-40B4-BE49-F238E27FC236}">
-                <a16:creationId xmlns="" xmlns:a16="http://schemas.microsoft.com/office/drawing/2014/main" id="{B632F133-AC7B-4BFC-9A60-F9C1BF83B8C7}"/>
+                <a16:creationId xmlns:a16="http://schemas.microsoft.com/office/drawing/2014/main" xmlns="" id="{B632F133-AC7B-4BFC-9A60-F9C1BF83B8C7}"/>
               </a:ext>
             </a:extLst>
           </p:cNvPr>
@@ -9634,7 +9634,7 @@
           <p:cNvPr id="4" name="TextBox 3">
             <a:extLst>
               <a:ext uri="{FF2B5EF4-FFF2-40B4-BE49-F238E27FC236}">
-                <a16:creationId xmlns="" xmlns:a16="http://schemas.microsoft.com/office/drawing/2014/main" id="{3D397016-664C-44ED-84CF-FEA6E3A54912}"/>
+                <a16:creationId xmlns:a16="http://schemas.microsoft.com/office/drawing/2014/main" xmlns="" id="{3D397016-664C-44ED-84CF-FEA6E3A54912}"/>
               </a:ext>
             </a:extLst>
           </p:cNvPr>
@@ -9671,7 +9671,7 @@
           <p:cNvPr id="5" name="TextBox 4">
             <a:extLst>
               <a:ext uri="{FF2B5EF4-FFF2-40B4-BE49-F238E27FC236}">
-                <a16:creationId xmlns="" xmlns:a16="http://schemas.microsoft.com/office/drawing/2014/main" id="{A5CC71F9-C09A-4860-98F4-CF360D096233}"/>
+                <a16:creationId xmlns:a16="http://schemas.microsoft.com/office/drawing/2014/main" xmlns="" id="{A5CC71F9-C09A-4860-98F4-CF360D096233}"/>
               </a:ext>
             </a:extLst>
           </p:cNvPr>
@@ -9791,7 +9791,7 @@
           <p:cNvPr id="6" name="TextBox 5">
             <a:extLst>
               <a:ext uri="{FF2B5EF4-FFF2-40B4-BE49-F238E27FC236}">
-                <a16:creationId xmlns="" xmlns:a16="http://schemas.microsoft.com/office/drawing/2014/main" id="{E515AEEE-9779-42A2-AFCA-734FDEC19A71}"/>
+                <a16:creationId xmlns:a16="http://schemas.microsoft.com/office/drawing/2014/main" xmlns="" id="{E515AEEE-9779-42A2-AFCA-734FDEC19A71}"/>
               </a:ext>
             </a:extLst>
           </p:cNvPr>
@@ -9856,7 +9856,7 @@
           <p:cNvPr id="3" name="Picture 2">
             <a:extLst>
               <a:ext uri="{FF2B5EF4-FFF2-40B4-BE49-F238E27FC236}">
-                <a16:creationId xmlns="" xmlns:a16="http://schemas.microsoft.com/office/drawing/2014/main" id="{B632F133-AC7B-4BFC-9A60-F9C1BF83B8C7}"/>
+                <a16:creationId xmlns:a16="http://schemas.microsoft.com/office/drawing/2014/main" xmlns="" id="{B632F133-AC7B-4BFC-9A60-F9C1BF83B8C7}"/>
               </a:ext>
             </a:extLst>
           </p:cNvPr>
@@ -9892,7 +9892,7 @@
           <p:cNvPr id="4" name="TextBox 3">
             <a:extLst>
               <a:ext uri="{FF2B5EF4-FFF2-40B4-BE49-F238E27FC236}">
-                <a16:creationId xmlns="" xmlns:a16="http://schemas.microsoft.com/office/drawing/2014/main" id="{3D397016-664C-44ED-84CF-FEA6E3A54912}"/>
+                <a16:creationId xmlns:a16="http://schemas.microsoft.com/office/drawing/2014/main" xmlns="" id="{3D397016-664C-44ED-84CF-FEA6E3A54912}"/>
               </a:ext>
             </a:extLst>
           </p:cNvPr>
@@ -9929,7 +9929,7 @@
           <p:cNvPr id="5" name="TextBox 4">
             <a:extLst>
               <a:ext uri="{FF2B5EF4-FFF2-40B4-BE49-F238E27FC236}">
-                <a16:creationId xmlns="" xmlns:a16="http://schemas.microsoft.com/office/drawing/2014/main" id="{A5CC71F9-C09A-4860-98F4-CF360D096233}"/>
+                <a16:creationId xmlns:a16="http://schemas.microsoft.com/office/drawing/2014/main" xmlns="" id="{A5CC71F9-C09A-4860-98F4-CF360D096233}"/>
               </a:ext>
             </a:extLst>
           </p:cNvPr>
@@ -10023,7 +10023,7 @@
           <p:cNvPr id="6" name="TextBox 5">
             <a:extLst>
               <a:ext uri="{FF2B5EF4-FFF2-40B4-BE49-F238E27FC236}">
-                <a16:creationId xmlns="" xmlns:a16="http://schemas.microsoft.com/office/drawing/2014/main" id="{E515AEEE-9779-42A2-AFCA-734FDEC19A71}"/>
+                <a16:creationId xmlns:a16="http://schemas.microsoft.com/office/drawing/2014/main" xmlns="" id="{E515AEEE-9779-42A2-AFCA-734FDEC19A71}"/>
               </a:ext>
             </a:extLst>
           </p:cNvPr>
@@ -10088,7 +10088,7 @@
           <p:cNvPr id="3" name="Picture 2">
             <a:extLst>
               <a:ext uri="{FF2B5EF4-FFF2-40B4-BE49-F238E27FC236}">
-                <a16:creationId xmlns="" xmlns:a16="http://schemas.microsoft.com/office/drawing/2014/main" id="{B632F133-AC7B-4BFC-9A60-F9C1BF83B8C7}"/>
+                <a16:creationId xmlns:a16="http://schemas.microsoft.com/office/drawing/2014/main" xmlns="" id="{B632F133-AC7B-4BFC-9A60-F9C1BF83B8C7}"/>
               </a:ext>
             </a:extLst>
           </p:cNvPr>
@@ -10124,7 +10124,7 @@
           <p:cNvPr id="4" name="TextBox 3">
             <a:extLst>
               <a:ext uri="{FF2B5EF4-FFF2-40B4-BE49-F238E27FC236}">
-                <a16:creationId xmlns="" xmlns:a16="http://schemas.microsoft.com/office/drawing/2014/main" id="{3D397016-664C-44ED-84CF-FEA6E3A54912}"/>
+                <a16:creationId xmlns:a16="http://schemas.microsoft.com/office/drawing/2014/main" xmlns="" id="{3D397016-664C-44ED-84CF-FEA6E3A54912}"/>
               </a:ext>
             </a:extLst>
           </p:cNvPr>
@@ -10161,7 +10161,7 @@
           <p:cNvPr id="5" name="TextBox 4">
             <a:extLst>
               <a:ext uri="{FF2B5EF4-FFF2-40B4-BE49-F238E27FC236}">
-                <a16:creationId xmlns="" xmlns:a16="http://schemas.microsoft.com/office/drawing/2014/main" id="{A5CC71F9-C09A-4860-98F4-CF360D096233}"/>
+                <a16:creationId xmlns:a16="http://schemas.microsoft.com/office/drawing/2014/main" xmlns="" id="{A5CC71F9-C09A-4860-98F4-CF360D096233}"/>
               </a:ext>
             </a:extLst>
           </p:cNvPr>
@@ -10255,7 +10255,7 @@
           <p:cNvPr id="6" name="TextBox 5">
             <a:extLst>
               <a:ext uri="{FF2B5EF4-FFF2-40B4-BE49-F238E27FC236}">
-                <a16:creationId xmlns="" xmlns:a16="http://schemas.microsoft.com/office/drawing/2014/main" id="{E515AEEE-9779-42A2-AFCA-734FDEC19A71}"/>
+                <a16:creationId xmlns:a16="http://schemas.microsoft.com/office/drawing/2014/main" xmlns="" id="{E515AEEE-9779-42A2-AFCA-734FDEC19A71}"/>
               </a:ext>
             </a:extLst>
           </p:cNvPr>
@@ -10320,7 +10320,7 @@
           <p:cNvPr id="3" name="Picture 2">
             <a:extLst>
               <a:ext uri="{FF2B5EF4-FFF2-40B4-BE49-F238E27FC236}">
-                <a16:creationId xmlns="" xmlns:a16="http://schemas.microsoft.com/office/drawing/2014/main" id="{B632F133-AC7B-4BFC-9A60-F9C1BF83B8C7}"/>
+                <a16:creationId xmlns:a16="http://schemas.microsoft.com/office/drawing/2014/main" xmlns="" id="{B632F133-AC7B-4BFC-9A60-F9C1BF83B8C7}"/>
               </a:ext>
             </a:extLst>
           </p:cNvPr>
@@ -10356,7 +10356,7 @@
           <p:cNvPr id="4" name="TextBox 3">
             <a:extLst>
               <a:ext uri="{FF2B5EF4-FFF2-40B4-BE49-F238E27FC236}">
-                <a16:creationId xmlns="" xmlns:a16="http://schemas.microsoft.com/office/drawing/2014/main" id="{3D397016-664C-44ED-84CF-FEA6E3A54912}"/>
+                <a16:creationId xmlns:a16="http://schemas.microsoft.com/office/drawing/2014/main" xmlns="" id="{3D397016-664C-44ED-84CF-FEA6E3A54912}"/>
               </a:ext>
             </a:extLst>
           </p:cNvPr>
@@ -10393,7 +10393,7 @@
           <p:cNvPr id="5" name="TextBox 4">
             <a:extLst>
               <a:ext uri="{FF2B5EF4-FFF2-40B4-BE49-F238E27FC236}">
-                <a16:creationId xmlns="" xmlns:a16="http://schemas.microsoft.com/office/drawing/2014/main" id="{A5CC71F9-C09A-4860-98F4-CF360D096233}"/>
+                <a16:creationId xmlns:a16="http://schemas.microsoft.com/office/drawing/2014/main" xmlns="" id="{A5CC71F9-C09A-4860-98F4-CF360D096233}"/>
               </a:ext>
             </a:extLst>
           </p:cNvPr>
@@ -10535,7 +10535,7 @@
           <p:cNvPr id="6" name="TextBox 5">
             <a:extLst>
               <a:ext uri="{FF2B5EF4-FFF2-40B4-BE49-F238E27FC236}">
-                <a16:creationId xmlns="" xmlns:a16="http://schemas.microsoft.com/office/drawing/2014/main" id="{E515AEEE-9779-42A2-AFCA-734FDEC19A71}"/>
+                <a16:creationId xmlns:a16="http://schemas.microsoft.com/office/drawing/2014/main" xmlns="" id="{E515AEEE-9779-42A2-AFCA-734FDEC19A71}"/>
               </a:ext>
             </a:extLst>
           </p:cNvPr>

--- a/OData Agenda.pptx
+++ b/OData Agenda.pptx
@@ -15,9 +15,9 @@
     <p:sldId id="309" r:id="rId6"/>
     <p:sldId id="310" r:id="rId7"/>
     <p:sldId id="311" r:id="rId8"/>
-    <p:sldId id="312" r:id="rId9"/>
-    <p:sldId id="313" r:id="rId10"/>
-    <p:sldId id="314" r:id="rId11"/>
+    <p:sldId id="313" r:id="rId9"/>
+    <p:sldId id="314" r:id="rId10"/>
+    <p:sldId id="312" r:id="rId11"/>
     <p:sldId id="315" r:id="rId12"/>
     <p:sldId id="282" r:id="rId13"/>
   </p:sldIdLst>
@@ -232,7 +232,7 @@
             <a:fld id="{7AB488F7-1FAC-40D2-BB7E-BA3CE28D8950}" type="datetimeFigureOut">
               <a:rPr lang="en-US" smtClean="0"/>
               <a:pPr/>
-              <a:t>9/27/2021</a:t>
+              <a:t>9/28/2021</a:t>
             </a:fld>
             <a:endParaRPr lang="en-US"/>
           </a:p>
@@ -4228,7 +4228,7 @@
             <a:fld id="{425404F2-BE9A-4460-8815-8F645183555F}" type="datetimeFigureOut">
               <a:rPr lang="en-US" smtClean="0"/>
               <a:pPr/>
-              <a:t>9/27/2021</a:t>
+              <a:t>9/28/2021</a:t>
             </a:fld>
             <a:endParaRPr lang="en-US"/>
           </a:p>
@@ -7133,7 +7133,15 @@
                   <a:srgbClr val="FFC000"/>
                 </a:solidFill>
               </a:rPr>
-              <a:t>OData </a:t>
+              <a:t>O</a:t>
+            </a:r>
+            <a:r>
+              <a:rPr lang="en-IN" sz="5998" dirty="0" smtClean="0">
+                <a:solidFill>
+                  <a:srgbClr val="FFC000"/>
+                </a:solidFill>
+              </a:rPr>
+              <a:t>Data </a:t>
             </a:r>
             <a:r>
               <a:rPr lang="en-IN" sz="5998" dirty="0"/>
@@ -7548,7 +7556,110 @@
               <a:rPr lang="en-US" sz="3600" dirty="0">
                 <a:latin typeface="Cooper Black" panose="0208090404030B020404" pitchFamily="18" charset="0"/>
               </a:rPr>
-              <a:t>Agenda Day : 9</a:t>
+              <a:t>Agenda Day : </a:t>
+            </a:r>
+            <a:r>
+              <a:rPr lang="en-US" sz="3600" dirty="0" smtClean="0">
+                <a:latin typeface="Cooper Black" panose="0208090404030B020404" pitchFamily="18" charset="0"/>
+              </a:rPr>
+              <a:t>9</a:t>
+            </a:r>
+            <a:endParaRPr lang="en-US" sz="3600" dirty="0">
+              <a:latin typeface="Cooper Black" panose="0208090404030B020404" pitchFamily="18" charset="0"/>
+            </a:endParaRPr>
+          </a:p>
+        </p:txBody>
+      </p:sp>
+      <p:sp>
+        <p:nvSpPr>
+          <p:cNvPr id="5" name="TextBox 4">
+            <a:extLst>
+              <a:ext uri="{FF2B5EF4-FFF2-40B4-BE49-F238E27FC236}">
+                <a16:creationId xmlns:a16="http://schemas.microsoft.com/office/drawing/2014/main" xmlns="" id="{A5CC71F9-C09A-4860-98F4-CF360D096233}"/>
+              </a:ext>
+            </a:extLst>
+          </p:cNvPr>
+          <p:cNvSpPr txBox="1"/>
+          <p:nvPr/>
+        </p:nvSpPr>
+        <p:spPr>
+          <a:xfrm>
+            <a:off x="621804" y="851222"/>
+            <a:ext cx="10801200" cy="1477328"/>
+          </a:xfrm>
+          <a:prstGeom prst="rect">
+            <a:avLst/>
+          </a:prstGeom>
+          <a:noFill/>
+        </p:spPr>
+        <p:txBody>
+          <a:bodyPr wrap="square" rtlCol="0">
+            <a:spAutoFit/>
+          </a:bodyPr>
+          <a:lstStyle/>
+          <a:p>
+            <a:pPr marL="285750" indent="-285750">
+              <a:buFont typeface="Arial" panose="020B0604020202020204" pitchFamily="34" charset="0"/>
+              <a:buChar char="•"/>
+            </a:pPr>
+            <a:r>
+              <a:rPr lang="en-US" sz="1800" dirty="0">
+                <a:latin typeface="Calibri" panose="020F0502020204030204" pitchFamily="34" charset="0"/>
+                <a:cs typeface="Calibri" panose="020F0502020204030204" pitchFamily="34" charset="0"/>
+              </a:rPr>
+              <a:t>OData Security</a:t>
+            </a:r>
+          </a:p>
+          <a:p>
+            <a:pPr marL="285750" indent="-285750">
+              <a:buFont typeface="Arial" panose="020B0604020202020204" pitchFamily="34" charset="0"/>
+              <a:buChar char="•"/>
+            </a:pPr>
+            <a:r>
+              <a:rPr lang="en-US" sz="1800" dirty="0">
+                <a:latin typeface="Calibri" panose="020F0502020204030204" pitchFamily="34" charset="0"/>
+                <a:cs typeface="Calibri" panose="020F0502020204030204" pitchFamily="34" charset="0"/>
+              </a:rPr>
+              <a:t>Role and Authorization for OData Service</a:t>
+            </a:r>
+          </a:p>
+          <a:p>
+            <a:pPr marL="285750" indent="-285750">
+              <a:buFont typeface="Arial" panose="020B0604020202020204" pitchFamily="34" charset="0"/>
+              <a:buChar char="•"/>
+            </a:pPr>
+            <a:r>
+              <a:rPr lang="en-US" sz="1800" dirty="0">
+                <a:latin typeface="Calibri" panose="020F0502020204030204" pitchFamily="34" charset="0"/>
+                <a:cs typeface="Calibri" panose="020F0502020204030204" pitchFamily="34" charset="0"/>
+              </a:rPr>
+              <a:t>Working with Images</a:t>
+            </a:r>
+          </a:p>
+          <a:p>
+            <a:pPr marL="285750" indent="-285750">
+              <a:buFont typeface="Arial" panose="020B0604020202020204" pitchFamily="34" charset="0"/>
+              <a:buChar char="•"/>
+            </a:pPr>
+            <a:r>
+              <a:rPr lang="en-US" sz="1800" dirty="0">
+                <a:latin typeface="Calibri" panose="020F0502020204030204" pitchFamily="34" charset="0"/>
+                <a:cs typeface="Calibri" panose="020F0502020204030204" pitchFamily="34" charset="0"/>
+              </a:rPr>
+              <a:t>PDF import export</a:t>
+            </a:r>
+          </a:p>
+          <a:p>
+            <a:pPr marL="285750" indent="-285750">
+              <a:buFont typeface="Arial" panose="020B0604020202020204" pitchFamily="34" charset="0"/>
+              <a:buChar char="•"/>
+            </a:pPr>
+            <a:r>
+              <a:rPr lang="en-US" sz="1800" dirty="0">
+                <a:latin typeface="Calibri" panose="020F0502020204030204" pitchFamily="34" charset="0"/>
+                <a:cs typeface="Calibri" panose="020F0502020204030204" pitchFamily="34" charset="0"/>
+              </a:rPr>
+              <a:t>Service generation technique</a:t>
             </a:r>
           </a:p>
         </p:txBody>
@@ -7588,84 +7699,10 @@
           </a:p>
         </p:txBody>
       </p:sp>
-      <p:sp>
-        <p:nvSpPr>
-          <p:cNvPr id="7" name="TextBox 6">
-            <a:extLst>
-              <a:ext uri="{FF2B5EF4-FFF2-40B4-BE49-F238E27FC236}">
-                <a16:creationId xmlns:a16="http://schemas.microsoft.com/office/drawing/2014/main" xmlns="" id="{A5CC71F9-C09A-4860-98F4-CF360D096233}"/>
-              </a:ext>
-            </a:extLst>
-          </p:cNvPr>
-          <p:cNvSpPr txBox="1"/>
-          <p:nvPr/>
-        </p:nvSpPr>
-        <p:spPr>
-          <a:xfrm>
-            <a:off x="621804" y="851222"/>
-            <a:ext cx="10801200" cy="1200329"/>
-          </a:xfrm>
-          <a:prstGeom prst="rect">
-            <a:avLst/>
-          </a:prstGeom>
-          <a:noFill/>
-        </p:spPr>
-        <p:txBody>
-          <a:bodyPr wrap="square" rtlCol="0">
-            <a:spAutoFit/>
-          </a:bodyPr>
-          <a:lstStyle/>
-          <a:p>
-            <a:pPr marL="285750" indent="-285750">
-              <a:buFont typeface="Arial" panose="020B0604020202020204" pitchFamily="34" charset="0"/>
-              <a:buChar char="•"/>
-            </a:pPr>
-            <a:r>
-              <a:rPr lang="en-US" sz="1800" dirty="0">
-                <a:latin typeface="Calibri" panose="020F0502020204030204" pitchFamily="34" charset="0"/>
-                <a:cs typeface="Calibri" panose="020F0502020204030204" pitchFamily="34" charset="0"/>
-              </a:rPr>
-              <a:t>Advance CDS BOPF</a:t>
-            </a:r>
-          </a:p>
-          <a:p>
-            <a:pPr marL="285750" indent="-285750">
-              <a:buFont typeface="Arial" panose="020B0604020202020204" pitchFamily="34" charset="0"/>
-              <a:buChar char="•"/>
-            </a:pPr>
-            <a:r>
-              <a:rPr lang="en-US" sz="1800" dirty="0">
-                <a:latin typeface="Calibri" panose="020F0502020204030204" pitchFamily="34" charset="0"/>
-                <a:cs typeface="Calibri" panose="020F0502020204030204" pitchFamily="34" charset="0"/>
-              </a:rPr>
-              <a:t>Building Fiori App</a:t>
-            </a:r>
-          </a:p>
-          <a:p>
-            <a:pPr marL="285750" indent="-285750">
-              <a:buFont typeface="Arial" panose="020B0604020202020204" pitchFamily="34" charset="0"/>
-              <a:buChar char="•"/>
-            </a:pPr>
-            <a:r>
-              <a:rPr lang="en-US" sz="1800" dirty="0">
-                <a:latin typeface="Calibri" panose="020F0502020204030204" pitchFamily="34" charset="0"/>
-                <a:cs typeface="Calibri" panose="020F0502020204030204" pitchFamily="34" charset="0"/>
-              </a:rPr>
-              <a:t>SAC consumption</a:t>
-            </a:r>
-          </a:p>
-          <a:p>
-            <a:endParaRPr lang="en-US" sz="1800" dirty="0">
-              <a:latin typeface="Calibri" panose="020F0502020204030204" pitchFamily="34" charset="0"/>
-              <a:cs typeface="Calibri" panose="020F0502020204030204" pitchFamily="34" charset="0"/>
-            </a:endParaRPr>
-          </a:p>
-        </p:txBody>
-      </p:sp>
     </p:spTree>
     <p:extLst>
       <p:ext uri="{BB962C8B-B14F-4D97-AF65-F5344CB8AC3E}">
-        <p14:creationId xmlns:p14="http://schemas.microsoft.com/office/powerpoint/2010/main" val="2594898263"/>
+        <p14:creationId xmlns:p14="http://schemas.microsoft.com/office/powerpoint/2010/main" val="3910687058"/>
       </p:ext>
     </p:extLst>
   </p:cSld>
@@ -10151,8 +10188,17 @@
               <a:rPr lang="en-US" sz="3600" dirty="0">
                 <a:latin typeface="Cooper Black" panose="0208090404030B020404" pitchFamily="18" charset="0"/>
               </a:rPr>
-              <a:t>Agenda Day : 7</a:t>
-            </a:r>
+              <a:t>Agenda Day : </a:t>
+            </a:r>
+            <a:r>
+              <a:rPr lang="en-US" sz="3600" dirty="0" smtClean="0">
+                <a:latin typeface="Cooper Black" panose="0208090404030B020404" pitchFamily="18" charset="0"/>
+              </a:rPr>
+              <a:t>7</a:t>
+            </a:r>
+            <a:endParaRPr lang="en-US" sz="3600" dirty="0">
+              <a:latin typeface="Cooper Black" panose="0208090404030B020404" pitchFamily="18" charset="0"/>
+            </a:endParaRPr>
           </a:p>
         </p:txBody>
       </p:sp>
@@ -10170,8 +10216,8 @@
         </p:nvSpPr>
         <p:spPr>
           <a:xfrm>
-            <a:off x="621804" y="851222"/>
-            <a:ext cx="10801200" cy="1477328"/>
+            <a:off x="333772" y="980728"/>
+            <a:ext cx="10801200" cy="2862322"/>
           </a:xfrm>
           <a:prstGeom prst="rect">
             <a:avLst/>
@@ -10193,7 +10239,7 @@
                 <a:latin typeface="Calibri" panose="020F0502020204030204" pitchFamily="34" charset="0"/>
                 <a:cs typeface="Calibri" panose="020F0502020204030204" pitchFamily="34" charset="0"/>
               </a:rPr>
-              <a:t>OData Security</a:t>
+              <a:t>Working with Mass data using XML approach</a:t>
             </a:r>
           </a:p>
           <a:p>
@@ -10206,7 +10252,7 @@
                 <a:latin typeface="Calibri" panose="020F0502020204030204" pitchFamily="34" charset="0"/>
                 <a:cs typeface="Calibri" panose="020F0502020204030204" pitchFamily="34" charset="0"/>
               </a:rPr>
-              <a:t>Role and Authorization for OData Service</a:t>
+              <a:t>CDS view basic</a:t>
             </a:r>
           </a:p>
           <a:p>
@@ -10219,7 +10265,7 @@
                 <a:latin typeface="Calibri" panose="020F0502020204030204" pitchFamily="34" charset="0"/>
                 <a:cs typeface="Calibri" panose="020F0502020204030204" pitchFamily="34" charset="0"/>
               </a:rPr>
-              <a:t>Working with Images</a:t>
+              <a:t>Association with CDS</a:t>
             </a:r>
           </a:p>
           <a:p>
@@ -10232,7 +10278,7 @@
                 <a:latin typeface="Calibri" panose="020F0502020204030204" pitchFamily="34" charset="0"/>
                 <a:cs typeface="Calibri" panose="020F0502020204030204" pitchFamily="34" charset="0"/>
               </a:rPr>
-              <a:t>PDF import export</a:t>
+              <a:t>OData using CDS</a:t>
             </a:r>
           </a:p>
           <a:p>
@@ -10245,8 +10291,56 @@
                 <a:latin typeface="Calibri" panose="020F0502020204030204" pitchFamily="34" charset="0"/>
                 <a:cs typeface="Calibri" panose="020F0502020204030204" pitchFamily="34" charset="0"/>
               </a:rPr>
-              <a:t>Service generation technique</a:t>
-            </a:r>
+              <a:t>SADL Based OData using CDS</a:t>
+            </a:r>
+          </a:p>
+          <a:p>
+            <a:pPr marL="285750" indent="-285750">
+              <a:buFont typeface="Arial" panose="020B0604020202020204" pitchFamily="34" charset="0"/>
+              <a:buChar char="•"/>
+            </a:pPr>
+            <a:r>
+              <a:rPr lang="en-US" sz="1800" dirty="0">
+                <a:latin typeface="Calibri" panose="020F0502020204030204" pitchFamily="34" charset="0"/>
+                <a:cs typeface="Calibri" panose="020F0502020204030204" pitchFamily="34" charset="0"/>
+              </a:rPr>
+              <a:t>SAP Standard OData Services – APIHUB</a:t>
+            </a:r>
+          </a:p>
+          <a:p>
+            <a:pPr marL="285750" indent="-285750">
+              <a:buFont typeface="Arial" panose="020B0604020202020204" pitchFamily="34" charset="0"/>
+              <a:buChar char="•"/>
+            </a:pPr>
+            <a:r>
+              <a:rPr lang="en-US" sz="1800" dirty="0">
+                <a:latin typeface="Calibri" panose="020F0502020204030204" pitchFamily="34" charset="0"/>
+                <a:cs typeface="Calibri" panose="020F0502020204030204" pitchFamily="34" charset="0"/>
+              </a:rPr>
+              <a:t>Extend Standard OData Services</a:t>
+            </a:r>
+          </a:p>
+          <a:p>
+            <a:endParaRPr lang="en-US" sz="1800" dirty="0">
+              <a:latin typeface="Calibri" panose="020F0502020204030204" pitchFamily="34" charset="0"/>
+              <a:cs typeface="Calibri" panose="020F0502020204030204" pitchFamily="34" charset="0"/>
+            </a:endParaRPr>
+          </a:p>
+          <a:p>
+            <a:pPr marL="285750" indent="-285750">
+              <a:buFont typeface="Arial" panose="020B0604020202020204" pitchFamily="34" charset="0"/>
+              <a:buChar char="•"/>
+            </a:pPr>
+            <a:endParaRPr lang="en-US" sz="1800" dirty="0">
+              <a:latin typeface="Calibri" panose="020F0502020204030204" pitchFamily="34" charset="0"/>
+              <a:cs typeface="Calibri" panose="020F0502020204030204" pitchFamily="34" charset="0"/>
+            </a:endParaRPr>
+          </a:p>
+          <a:p>
+            <a:endParaRPr lang="en-US" sz="1800" dirty="0">
+              <a:latin typeface="Calibri" panose="020F0502020204030204" pitchFamily="34" charset="0"/>
+              <a:cs typeface="Calibri" panose="020F0502020204030204" pitchFamily="34" charset="0"/>
+            </a:endParaRPr>
           </a:p>
         </p:txBody>
       </p:sp>
@@ -10288,7 +10382,7 @@
     </p:spTree>
     <p:extLst>
       <p:ext uri="{BB962C8B-B14F-4D97-AF65-F5344CB8AC3E}">
-        <p14:creationId xmlns:p14="http://schemas.microsoft.com/office/powerpoint/2010/main" val="3910687058"/>
+        <p14:creationId xmlns:p14="http://schemas.microsoft.com/office/powerpoint/2010/main" val="1286754595"/>
       </p:ext>
     </p:extLst>
   </p:cSld>
@@ -10383,149 +10477,16 @@
               <a:rPr lang="en-US" sz="3600" dirty="0">
                 <a:latin typeface="Cooper Black" panose="0208090404030B020404" pitchFamily="18" charset="0"/>
               </a:rPr>
-              <a:t>Agenda Day : 8</a:t>
-            </a:r>
-          </a:p>
-        </p:txBody>
-      </p:sp>
-      <p:sp>
-        <p:nvSpPr>
-          <p:cNvPr id="5" name="TextBox 4">
-            <a:extLst>
-              <a:ext uri="{FF2B5EF4-FFF2-40B4-BE49-F238E27FC236}">
-                <a16:creationId xmlns:a16="http://schemas.microsoft.com/office/drawing/2014/main" xmlns="" id="{A5CC71F9-C09A-4860-98F4-CF360D096233}"/>
-              </a:ext>
-            </a:extLst>
-          </p:cNvPr>
-          <p:cNvSpPr txBox="1"/>
-          <p:nvPr/>
-        </p:nvSpPr>
-        <p:spPr>
-          <a:xfrm>
-            <a:off x="333772" y="980728"/>
-            <a:ext cx="10801200" cy="2862322"/>
-          </a:xfrm>
-          <a:prstGeom prst="rect">
-            <a:avLst/>
-          </a:prstGeom>
-          <a:noFill/>
-        </p:spPr>
-        <p:txBody>
-          <a:bodyPr wrap="square" rtlCol="0">
-            <a:spAutoFit/>
-          </a:bodyPr>
-          <a:lstStyle/>
-          <a:p>
-            <a:pPr marL="285750" indent="-285750">
-              <a:buFont typeface="Arial" panose="020B0604020202020204" pitchFamily="34" charset="0"/>
-              <a:buChar char="•"/>
-            </a:pPr>
-            <a:r>
-              <a:rPr lang="en-US" sz="1800" dirty="0">
-                <a:latin typeface="Calibri" panose="020F0502020204030204" pitchFamily="34" charset="0"/>
-                <a:cs typeface="Calibri" panose="020F0502020204030204" pitchFamily="34" charset="0"/>
+              <a:t>Agenda Day : </a:t>
+            </a:r>
+            <a:r>
+              <a:rPr lang="en-US" sz="3600" dirty="0" smtClean="0">
+                <a:latin typeface="Cooper Black" panose="0208090404030B020404" pitchFamily="18" charset="0"/>
               </a:rPr>
-              <a:t>Working with Mass data using XML approach</a:t>
-            </a:r>
-          </a:p>
-          <a:p>
-            <a:pPr marL="285750" indent="-285750">
-              <a:buFont typeface="Arial" panose="020B0604020202020204" pitchFamily="34" charset="0"/>
-              <a:buChar char="•"/>
-            </a:pPr>
-            <a:r>
-              <a:rPr lang="en-US" sz="1800" dirty="0">
-                <a:latin typeface="Calibri" panose="020F0502020204030204" pitchFamily="34" charset="0"/>
-                <a:cs typeface="Calibri" panose="020F0502020204030204" pitchFamily="34" charset="0"/>
-              </a:rPr>
-              <a:t>CDS view basic</a:t>
-            </a:r>
-          </a:p>
-          <a:p>
-            <a:pPr marL="285750" indent="-285750">
-              <a:buFont typeface="Arial" panose="020B0604020202020204" pitchFamily="34" charset="0"/>
-              <a:buChar char="•"/>
-            </a:pPr>
-            <a:r>
-              <a:rPr lang="en-US" sz="1800" dirty="0">
-                <a:latin typeface="Calibri" panose="020F0502020204030204" pitchFamily="34" charset="0"/>
-                <a:cs typeface="Calibri" panose="020F0502020204030204" pitchFamily="34" charset="0"/>
-              </a:rPr>
-              <a:t>Association with CDS</a:t>
-            </a:r>
-          </a:p>
-          <a:p>
-            <a:pPr marL="285750" indent="-285750">
-              <a:buFont typeface="Arial" panose="020B0604020202020204" pitchFamily="34" charset="0"/>
-              <a:buChar char="•"/>
-            </a:pPr>
-            <a:r>
-              <a:rPr lang="en-US" sz="1800" dirty="0">
-                <a:latin typeface="Calibri" panose="020F0502020204030204" pitchFamily="34" charset="0"/>
-                <a:cs typeface="Calibri" panose="020F0502020204030204" pitchFamily="34" charset="0"/>
-              </a:rPr>
-              <a:t>OData using CDS</a:t>
-            </a:r>
-          </a:p>
-          <a:p>
-            <a:pPr marL="285750" indent="-285750">
-              <a:buFont typeface="Arial" panose="020B0604020202020204" pitchFamily="34" charset="0"/>
-              <a:buChar char="•"/>
-            </a:pPr>
-            <a:r>
-              <a:rPr lang="en-US" sz="1800" dirty="0">
-                <a:latin typeface="Calibri" panose="020F0502020204030204" pitchFamily="34" charset="0"/>
-                <a:cs typeface="Calibri" panose="020F0502020204030204" pitchFamily="34" charset="0"/>
-              </a:rPr>
-              <a:t>SADL Based OData using CDS</a:t>
-            </a:r>
-          </a:p>
-          <a:p>
-            <a:pPr marL="285750" indent="-285750">
-              <a:buFont typeface="Arial" panose="020B0604020202020204" pitchFamily="34" charset="0"/>
-              <a:buChar char="•"/>
-            </a:pPr>
-            <a:r>
-              <a:rPr lang="en-US" sz="1800" dirty="0">
-                <a:latin typeface="Calibri" panose="020F0502020204030204" pitchFamily="34" charset="0"/>
-                <a:cs typeface="Calibri" panose="020F0502020204030204" pitchFamily="34" charset="0"/>
-              </a:rPr>
-              <a:t>SAP Standard OData Services – APIHUB</a:t>
-            </a:r>
-          </a:p>
-          <a:p>
-            <a:pPr marL="285750" indent="-285750">
-              <a:buFont typeface="Arial" panose="020B0604020202020204" pitchFamily="34" charset="0"/>
-              <a:buChar char="•"/>
-            </a:pPr>
-            <a:r>
-              <a:rPr lang="en-US" sz="1800" dirty="0">
-                <a:latin typeface="Calibri" panose="020F0502020204030204" pitchFamily="34" charset="0"/>
-                <a:cs typeface="Calibri" panose="020F0502020204030204" pitchFamily="34" charset="0"/>
-              </a:rPr>
-              <a:t>Extend Standard OData Services</a:t>
-            </a:r>
-          </a:p>
-          <a:p>
-            <a:endParaRPr lang="en-US" sz="1800" dirty="0">
-              <a:latin typeface="Calibri" panose="020F0502020204030204" pitchFamily="34" charset="0"/>
-              <a:cs typeface="Calibri" panose="020F0502020204030204" pitchFamily="34" charset="0"/>
-            </a:endParaRPr>
-          </a:p>
-          <a:p>
-            <a:pPr marL="285750" indent="-285750">
-              <a:buFont typeface="Arial" panose="020B0604020202020204" pitchFamily="34" charset="0"/>
-              <a:buChar char="•"/>
-            </a:pPr>
-            <a:endParaRPr lang="en-US" sz="1800" dirty="0">
-              <a:latin typeface="Calibri" panose="020F0502020204030204" pitchFamily="34" charset="0"/>
-              <a:cs typeface="Calibri" panose="020F0502020204030204" pitchFamily="34" charset="0"/>
-            </a:endParaRPr>
-          </a:p>
-          <a:p>
-            <a:endParaRPr lang="en-US" sz="1800" dirty="0">
-              <a:latin typeface="Calibri" panose="020F0502020204030204" pitchFamily="34" charset="0"/>
-              <a:cs typeface="Calibri" panose="020F0502020204030204" pitchFamily="34" charset="0"/>
+              <a:t>8</a:t>
+            </a:r>
+            <a:endParaRPr lang="en-US" sz="3600" dirty="0">
+              <a:latin typeface="Cooper Black" panose="0208090404030B020404" pitchFamily="18" charset="0"/>
             </a:endParaRPr>
           </a:p>
         </p:txBody>
@@ -10565,10 +10526,84 @@
           </a:p>
         </p:txBody>
       </p:sp>
+      <p:sp>
+        <p:nvSpPr>
+          <p:cNvPr id="7" name="TextBox 6">
+            <a:extLst>
+              <a:ext uri="{FF2B5EF4-FFF2-40B4-BE49-F238E27FC236}">
+                <a16:creationId xmlns:a16="http://schemas.microsoft.com/office/drawing/2014/main" xmlns="" id="{A5CC71F9-C09A-4860-98F4-CF360D096233}"/>
+              </a:ext>
+            </a:extLst>
+          </p:cNvPr>
+          <p:cNvSpPr txBox="1"/>
+          <p:nvPr/>
+        </p:nvSpPr>
+        <p:spPr>
+          <a:xfrm>
+            <a:off x="621804" y="851222"/>
+            <a:ext cx="10801200" cy="1200329"/>
+          </a:xfrm>
+          <a:prstGeom prst="rect">
+            <a:avLst/>
+          </a:prstGeom>
+          <a:noFill/>
+        </p:spPr>
+        <p:txBody>
+          <a:bodyPr wrap="square" rtlCol="0">
+            <a:spAutoFit/>
+          </a:bodyPr>
+          <a:lstStyle/>
+          <a:p>
+            <a:pPr marL="285750" indent="-285750">
+              <a:buFont typeface="Arial" panose="020B0604020202020204" pitchFamily="34" charset="0"/>
+              <a:buChar char="•"/>
+            </a:pPr>
+            <a:r>
+              <a:rPr lang="en-US" sz="1800" dirty="0">
+                <a:latin typeface="Calibri" panose="020F0502020204030204" pitchFamily="34" charset="0"/>
+                <a:cs typeface="Calibri" panose="020F0502020204030204" pitchFamily="34" charset="0"/>
+              </a:rPr>
+              <a:t>Advance CDS BOPF</a:t>
+            </a:r>
+          </a:p>
+          <a:p>
+            <a:pPr marL="285750" indent="-285750">
+              <a:buFont typeface="Arial" panose="020B0604020202020204" pitchFamily="34" charset="0"/>
+              <a:buChar char="•"/>
+            </a:pPr>
+            <a:r>
+              <a:rPr lang="en-US" sz="1800" dirty="0">
+                <a:latin typeface="Calibri" panose="020F0502020204030204" pitchFamily="34" charset="0"/>
+                <a:cs typeface="Calibri" panose="020F0502020204030204" pitchFamily="34" charset="0"/>
+              </a:rPr>
+              <a:t>Building Fiori App</a:t>
+            </a:r>
+          </a:p>
+          <a:p>
+            <a:pPr marL="285750" indent="-285750">
+              <a:buFont typeface="Arial" panose="020B0604020202020204" pitchFamily="34" charset="0"/>
+              <a:buChar char="•"/>
+            </a:pPr>
+            <a:r>
+              <a:rPr lang="en-US" sz="1800" dirty="0">
+                <a:latin typeface="Calibri" panose="020F0502020204030204" pitchFamily="34" charset="0"/>
+                <a:cs typeface="Calibri" panose="020F0502020204030204" pitchFamily="34" charset="0"/>
+              </a:rPr>
+              <a:t>SAC consumption</a:t>
+            </a:r>
+          </a:p>
+          <a:p>
+            <a:endParaRPr lang="en-US" sz="1800" dirty="0">
+              <a:latin typeface="Calibri" panose="020F0502020204030204" pitchFamily="34" charset="0"/>
+              <a:cs typeface="Calibri" panose="020F0502020204030204" pitchFamily="34" charset="0"/>
+            </a:endParaRPr>
+          </a:p>
+        </p:txBody>
+      </p:sp>
     </p:spTree>
     <p:extLst>
       <p:ext uri="{BB962C8B-B14F-4D97-AF65-F5344CB8AC3E}">
-        <p14:creationId xmlns:p14="http://schemas.microsoft.com/office/powerpoint/2010/main" val="1286754595"/>
+        <p14:creationId xmlns:p14="http://schemas.microsoft.com/office/powerpoint/2010/main" val="2594898263"/>
       </p:ext>
     </p:extLst>
   </p:cSld>

--- a/OData Agenda.pptx
+++ b/OData Agenda.pptx
@@ -921,7 +921,7 @@
           <p:cNvPr id="5" name="Picture Placeholder 4">
             <a:extLst>
               <a:ext uri="{FF2B5EF4-FFF2-40B4-BE49-F238E27FC236}">
-                <a16:creationId xmlns:a16="http://schemas.microsoft.com/office/drawing/2014/main" xmlns="" id="{8CBA70B9-7619-4B6B-9D48-09FF42954060}"/>
+                <a16:creationId xmlns="" xmlns:a16="http://schemas.microsoft.com/office/drawing/2014/main" id="{8CBA70B9-7619-4B6B-9D48-09FF42954060}"/>
               </a:ext>
             </a:extLst>
           </p:cNvPr>
@@ -987,7 +987,7 @@
           <p:cNvPr id="5" name="Picture Placeholder 4">
             <a:extLst>
               <a:ext uri="{FF2B5EF4-FFF2-40B4-BE49-F238E27FC236}">
-                <a16:creationId xmlns:a16="http://schemas.microsoft.com/office/drawing/2014/main" xmlns="" id="{8CBA70B9-7619-4B6B-9D48-09FF42954060}"/>
+                <a16:creationId xmlns="" xmlns:a16="http://schemas.microsoft.com/office/drawing/2014/main" id="{8CBA70B9-7619-4B6B-9D48-09FF42954060}"/>
               </a:ext>
             </a:extLst>
           </p:cNvPr>
@@ -1023,7 +1023,7 @@
           <p:cNvPr id="3" name="Picture Placeholder 19">
             <a:extLst>
               <a:ext uri="{FF2B5EF4-FFF2-40B4-BE49-F238E27FC236}">
-                <a16:creationId xmlns:a16="http://schemas.microsoft.com/office/drawing/2014/main" xmlns="" id="{388E23CC-7388-46C2-BCD5-F9234548CFD1}"/>
+                <a16:creationId xmlns="" xmlns:a16="http://schemas.microsoft.com/office/drawing/2014/main" id="{388E23CC-7388-46C2-BCD5-F9234548CFD1}"/>
               </a:ext>
             </a:extLst>
           </p:cNvPr>
@@ -1156,7 +1156,7 @@
           <p:cNvPr id="5" name="Picture Placeholder 4">
             <a:extLst>
               <a:ext uri="{FF2B5EF4-FFF2-40B4-BE49-F238E27FC236}">
-                <a16:creationId xmlns:a16="http://schemas.microsoft.com/office/drawing/2014/main" xmlns="" id="{8CBA70B9-7619-4B6B-9D48-09FF42954060}"/>
+                <a16:creationId xmlns="" xmlns:a16="http://schemas.microsoft.com/office/drawing/2014/main" id="{8CBA70B9-7619-4B6B-9D48-09FF42954060}"/>
               </a:ext>
             </a:extLst>
           </p:cNvPr>
@@ -1192,7 +1192,7 @@
           <p:cNvPr id="13" name="Picture Placeholder 12">
             <a:extLst>
               <a:ext uri="{FF2B5EF4-FFF2-40B4-BE49-F238E27FC236}">
-                <a16:creationId xmlns:a16="http://schemas.microsoft.com/office/drawing/2014/main" xmlns="" id="{D11BC8FA-8E3C-4B7E-B585-446554DD66B9}"/>
+                <a16:creationId xmlns="" xmlns:a16="http://schemas.microsoft.com/office/drawing/2014/main" id="{D11BC8FA-8E3C-4B7E-B585-446554DD66B9}"/>
               </a:ext>
             </a:extLst>
           </p:cNvPr>
@@ -1299,7 +1299,7 @@
           <p:cNvPr id="15" name="Picture Placeholder 14">
             <a:extLst>
               <a:ext uri="{FF2B5EF4-FFF2-40B4-BE49-F238E27FC236}">
-                <a16:creationId xmlns:a16="http://schemas.microsoft.com/office/drawing/2014/main" xmlns="" id="{8D503877-37B9-4FEE-A578-F1F19F5FFBF2}"/>
+                <a16:creationId xmlns="" xmlns:a16="http://schemas.microsoft.com/office/drawing/2014/main" id="{8D503877-37B9-4FEE-A578-F1F19F5FFBF2}"/>
               </a:ext>
             </a:extLst>
           </p:cNvPr>
@@ -1406,7 +1406,7 @@
           <p:cNvPr id="16" name="Picture Placeholder 15">
             <a:extLst>
               <a:ext uri="{FF2B5EF4-FFF2-40B4-BE49-F238E27FC236}">
-                <a16:creationId xmlns:a16="http://schemas.microsoft.com/office/drawing/2014/main" xmlns="" id="{0BC6429F-1169-4151-AF93-D3D79E1EA866}"/>
+                <a16:creationId xmlns="" xmlns:a16="http://schemas.microsoft.com/office/drawing/2014/main" id="{0BC6429F-1169-4151-AF93-D3D79E1EA866}"/>
               </a:ext>
             </a:extLst>
           </p:cNvPr>
@@ -1543,7 +1543,7 @@
           <p:cNvPr id="5" name="Picture Placeholder 4">
             <a:extLst>
               <a:ext uri="{FF2B5EF4-FFF2-40B4-BE49-F238E27FC236}">
-                <a16:creationId xmlns:a16="http://schemas.microsoft.com/office/drawing/2014/main" xmlns="" id="{8CBA70B9-7619-4B6B-9D48-09FF42954060}"/>
+                <a16:creationId xmlns="" xmlns:a16="http://schemas.microsoft.com/office/drawing/2014/main" id="{8CBA70B9-7619-4B6B-9D48-09FF42954060}"/>
               </a:ext>
             </a:extLst>
           </p:cNvPr>
@@ -1579,7 +1579,7 @@
           <p:cNvPr id="14" name="Picture Placeholder 13">
             <a:extLst>
               <a:ext uri="{FF2B5EF4-FFF2-40B4-BE49-F238E27FC236}">
-                <a16:creationId xmlns:a16="http://schemas.microsoft.com/office/drawing/2014/main" xmlns="" id="{A4EE4B8D-C6C1-45A1-B2AF-93F9EF8B44C6}"/>
+                <a16:creationId xmlns="" xmlns:a16="http://schemas.microsoft.com/office/drawing/2014/main" id="{A4EE4B8D-C6C1-45A1-B2AF-93F9EF8B44C6}"/>
               </a:ext>
             </a:extLst>
           </p:cNvPr>
@@ -1702,7 +1702,7 @@
           <p:cNvPr id="17" name="Picture Placeholder 16">
             <a:extLst>
               <a:ext uri="{FF2B5EF4-FFF2-40B4-BE49-F238E27FC236}">
-                <a16:creationId xmlns:a16="http://schemas.microsoft.com/office/drawing/2014/main" xmlns="" id="{FCDFD8C4-7251-4A4D-A596-438482E5EEB1}"/>
+                <a16:creationId xmlns="" xmlns:a16="http://schemas.microsoft.com/office/drawing/2014/main" id="{FCDFD8C4-7251-4A4D-A596-438482E5EEB1}"/>
               </a:ext>
             </a:extLst>
           </p:cNvPr>
@@ -1825,7 +1825,7 @@
           <p:cNvPr id="18" name="Picture Placeholder 17">
             <a:extLst>
               <a:ext uri="{FF2B5EF4-FFF2-40B4-BE49-F238E27FC236}">
-                <a16:creationId xmlns:a16="http://schemas.microsoft.com/office/drawing/2014/main" xmlns="" id="{DC9D97AB-1975-48B3-9332-4DA67BC72DD1}"/>
+                <a16:creationId xmlns="" xmlns:a16="http://schemas.microsoft.com/office/drawing/2014/main" id="{DC9D97AB-1975-48B3-9332-4DA67BC72DD1}"/>
               </a:ext>
             </a:extLst>
           </p:cNvPr>
@@ -1978,7 +1978,7 @@
           <p:cNvPr id="8" name="Picture Placeholder 2">
             <a:extLst>
               <a:ext uri="{FF2B5EF4-FFF2-40B4-BE49-F238E27FC236}">
-                <a16:creationId xmlns:a16="http://schemas.microsoft.com/office/drawing/2014/main" xmlns="" id="{F16661F6-5A56-4EB6-8C96-52A1FAE6B615}"/>
+                <a16:creationId xmlns="" xmlns:a16="http://schemas.microsoft.com/office/drawing/2014/main" id="{F16661F6-5A56-4EB6-8C96-52A1FAE6B615}"/>
               </a:ext>
             </a:extLst>
           </p:cNvPr>
@@ -3047,7 +3047,7 @@
           <p:cNvPr id="2" name="Picture Placeholder 8">
             <a:extLst>
               <a:ext uri="{FF2B5EF4-FFF2-40B4-BE49-F238E27FC236}">
-                <a16:creationId xmlns:a16="http://schemas.microsoft.com/office/drawing/2014/main" xmlns="" id="{D9DD6903-31DD-5348-931E-827644FF87FE}"/>
+                <a16:creationId xmlns="" xmlns:a16="http://schemas.microsoft.com/office/drawing/2014/main" id="{D9DD6903-31DD-5348-931E-827644FF87FE}"/>
               </a:ext>
             </a:extLst>
           </p:cNvPr>
@@ -3374,7 +3374,7 @@
           <p:cNvPr id="13" name="Rectangle 9">
             <a:extLst>
               <a:ext uri="{FF2B5EF4-FFF2-40B4-BE49-F238E27FC236}">
-                <a16:creationId xmlns:a16="http://schemas.microsoft.com/office/drawing/2014/main" xmlns="" id="{9E444B58-9435-4FC2-AFC1-1719DC22DD4A}"/>
+                <a16:creationId xmlns="" xmlns:a16="http://schemas.microsoft.com/office/drawing/2014/main" id="{9E444B58-9435-4FC2-AFC1-1719DC22DD4A}"/>
               </a:ext>
             </a:extLst>
           </p:cNvPr>
@@ -3741,7 +3741,7 @@
           <p:cNvPr id="16" name="Picture Placeholder 15">
             <a:extLst>
               <a:ext uri="{FF2B5EF4-FFF2-40B4-BE49-F238E27FC236}">
-                <a16:creationId xmlns:a16="http://schemas.microsoft.com/office/drawing/2014/main" xmlns="" id="{114D41D0-DB88-4BF0-B050-A01376305B20}"/>
+                <a16:creationId xmlns="" xmlns:a16="http://schemas.microsoft.com/office/drawing/2014/main" id="{114D41D0-DB88-4BF0-B050-A01376305B20}"/>
               </a:ext>
             </a:extLst>
           </p:cNvPr>
@@ -3883,7 +3883,7 @@
           <p:cNvPr id="13" name="Rectangle 9">
             <a:extLst>
               <a:ext uri="{FF2B5EF4-FFF2-40B4-BE49-F238E27FC236}">
-                <a16:creationId xmlns:a16="http://schemas.microsoft.com/office/drawing/2014/main" xmlns="" id="{9E444B58-9435-4FC2-AFC1-1719DC22DD4A}"/>
+                <a16:creationId xmlns="" xmlns:a16="http://schemas.microsoft.com/office/drawing/2014/main" id="{9E444B58-9435-4FC2-AFC1-1719DC22DD4A}"/>
               </a:ext>
             </a:extLst>
           </p:cNvPr>
@@ -4282,7 +4282,7 @@
           <p:cNvPr id="11" name="Picture Placeholder 10">
             <a:extLst>
               <a:ext uri="{FF2B5EF4-FFF2-40B4-BE49-F238E27FC236}">
-                <a16:creationId xmlns:a16="http://schemas.microsoft.com/office/drawing/2014/main" xmlns="" id="{F22557AA-DA64-44AB-B366-365BC7CD1593}"/>
+                <a16:creationId xmlns="" xmlns:a16="http://schemas.microsoft.com/office/drawing/2014/main" id="{F22557AA-DA64-44AB-B366-365BC7CD1593}"/>
               </a:ext>
             </a:extLst>
           </p:cNvPr>
@@ -5062,7 +5062,7 @@
           <p:cNvPr id="12" name="Freeform: Shape 11">
             <a:extLst>
               <a:ext uri="{FF2B5EF4-FFF2-40B4-BE49-F238E27FC236}">
-                <a16:creationId xmlns:a16="http://schemas.microsoft.com/office/drawing/2014/main" xmlns="" id="{0DF2A531-B3D6-4EA3-BDB1-DA15E7293BB9}"/>
+                <a16:creationId xmlns="" xmlns:a16="http://schemas.microsoft.com/office/drawing/2014/main" id="{0DF2A531-B3D6-4EA3-BDB1-DA15E7293BB9}"/>
               </a:ext>
             </a:extLst>
           </p:cNvPr>
@@ -5195,7 +5195,7 @@
           <p:cNvPr id="13" name="Freeform: Shape 12">
             <a:extLst>
               <a:ext uri="{FF2B5EF4-FFF2-40B4-BE49-F238E27FC236}">
-                <a16:creationId xmlns:a16="http://schemas.microsoft.com/office/drawing/2014/main" xmlns="" id="{D497231C-9762-4A12-BEC4-4AD7D6DE149D}"/>
+                <a16:creationId xmlns="" xmlns:a16="http://schemas.microsoft.com/office/drawing/2014/main" id="{D497231C-9762-4A12-BEC4-4AD7D6DE149D}"/>
               </a:ext>
             </a:extLst>
           </p:cNvPr>
@@ -5322,7 +5322,7 @@
           <p:cNvPr id="14" name="Straight Connector 13">
             <a:extLst>
               <a:ext uri="{FF2B5EF4-FFF2-40B4-BE49-F238E27FC236}">
-                <a16:creationId xmlns:a16="http://schemas.microsoft.com/office/drawing/2014/main" xmlns="" id="{194E0303-30C9-4D08-AC28-8BCE877866B9}"/>
+                <a16:creationId xmlns="" xmlns:a16="http://schemas.microsoft.com/office/drawing/2014/main" id="{194E0303-30C9-4D08-AC28-8BCE877866B9}"/>
               </a:ext>
             </a:extLst>
           </p:cNvPr>
@@ -5442,7 +5442,7 @@
           <p:cNvPr id="11" name="Group 10">
             <a:extLst>
               <a:ext uri="{FF2B5EF4-FFF2-40B4-BE49-F238E27FC236}">
-                <a16:creationId xmlns:a16="http://schemas.microsoft.com/office/drawing/2014/main" xmlns="" id="{8BE44616-44F6-4451-8A07-B3C7088A052B}"/>
+                <a16:creationId xmlns="" xmlns:a16="http://schemas.microsoft.com/office/drawing/2014/main" id="{8BE44616-44F6-4451-8A07-B3C7088A052B}"/>
               </a:ext>
             </a:extLst>
           </p:cNvPr>
@@ -5462,7 +5462,7 @@
             <p:cNvPr id="6" name="Oval 5">
               <a:extLst>
                 <a:ext uri="{FF2B5EF4-FFF2-40B4-BE49-F238E27FC236}">
-                  <a16:creationId xmlns:a16="http://schemas.microsoft.com/office/drawing/2014/main" xmlns="" id="{AE87FC1A-FD83-4F38-B6A7-7F1EE537344A}"/>
+                  <a16:creationId xmlns="" xmlns:a16="http://schemas.microsoft.com/office/drawing/2014/main" id="{AE87FC1A-FD83-4F38-B6A7-7F1EE537344A}"/>
                 </a:ext>
               </a:extLst>
             </p:cNvPr>
@@ -5514,7 +5514,7 @@
             <p:cNvPr id="8" name="Oval 7">
               <a:extLst>
                 <a:ext uri="{FF2B5EF4-FFF2-40B4-BE49-F238E27FC236}">
-                  <a16:creationId xmlns:a16="http://schemas.microsoft.com/office/drawing/2014/main" xmlns="" id="{3ED916CA-2918-47D8-963E-CFBEF553243E}"/>
+                  <a16:creationId xmlns="" xmlns:a16="http://schemas.microsoft.com/office/drawing/2014/main" id="{3ED916CA-2918-47D8-963E-CFBEF553243E}"/>
                 </a:ext>
               </a:extLst>
             </p:cNvPr>
@@ -5566,7 +5566,7 @@
             <p:cNvPr id="9" name="Oval 8">
               <a:extLst>
                 <a:ext uri="{FF2B5EF4-FFF2-40B4-BE49-F238E27FC236}">
-                  <a16:creationId xmlns:a16="http://schemas.microsoft.com/office/drawing/2014/main" xmlns="" id="{5063945D-6F54-44A1-9725-E7BD2467D8BE}"/>
+                  <a16:creationId xmlns="" xmlns:a16="http://schemas.microsoft.com/office/drawing/2014/main" id="{5063945D-6F54-44A1-9725-E7BD2467D8BE}"/>
                 </a:ext>
               </a:extLst>
             </p:cNvPr>
@@ -5618,7 +5618,7 @@
             <p:cNvPr id="10" name="Oval 9">
               <a:extLst>
                 <a:ext uri="{FF2B5EF4-FFF2-40B4-BE49-F238E27FC236}">
-                  <a16:creationId xmlns:a16="http://schemas.microsoft.com/office/drawing/2014/main" xmlns="" id="{1B708E8F-5207-4E94-BA4D-EA9207FEBAA7}"/>
+                  <a16:creationId xmlns="" xmlns:a16="http://schemas.microsoft.com/office/drawing/2014/main" id="{1B708E8F-5207-4E94-BA4D-EA9207FEBAA7}"/>
                 </a:ext>
               </a:extLst>
             </p:cNvPr>
@@ -5701,7 +5701,7 @@
           <p:cNvPr id="15" name="Freeform: Shape 14">
             <a:extLst>
               <a:ext uri="{FF2B5EF4-FFF2-40B4-BE49-F238E27FC236}">
-                <a16:creationId xmlns:a16="http://schemas.microsoft.com/office/drawing/2014/main" xmlns="" id="{7EB80458-0E8D-4F91-B535-C4776968CF1A}"/>
+                <a16:creationId xmlns="" xmlns:a16="http://schemas.microsoft.com/office/drawing/2014/main" id="{7EB80458-0E8D-4F91-B535-C4776968CF1A}"/>
               </a:ext>
             </a:extLst>
           </p:cNvPr>
@@ -5834,7 +5834,7 @@
           <p:cNvPr id="16" name="Freeform: Shape 15">
             <a:extLst>
               <a:ext uri="{FF2B5EF4-FFF2-40B4-BE49-F238E27FC236}">
-                <a16:creationId xmlns:a16="http://schemas.microsoft.com/office/drawing/2014/main" xmlns="" id="{C49CFF18-3451-4B0E-9DAB-B2807D961421}"/>
+                <a16:creationId xmlns="" xmlns:a16="http://schemas.microsoft.com/office/drawing/2014/main" id="{C49CFF18-3451-4B0E-9DAB-B2807D961421}"/>
               </a:ext>
             </a:extLst>
           </p:cNvPr>
@@ -5961,7 +5961,7 @@
           <p:cNvPr id="14" name="Straight Connector 13">
             <a:extLst>
               <a:ext uri="{FF2B5EF4-FFF2-40B4-BE49-F238E27FC236}">
-                <a16:creationId xmlns:a16="http://schemas.microsoft.com/office/drawing/2014/main" xmlns="" id="{D1C53842-5688-4E4C-AEE3-FB57964067BB}"/>
+                <a16:creationId xmlns="" xmlns:a16="http://schemas.microsoft.com/office/drawing/2014/main" id="{D1C53842-5688-4E4C-AEE3-FB57964067BB}"/>
               </a:ext>
             </a:extLst>
           </p:cNvPr>
@@ -6038,7 +6038,7 @@
           <p:cNvPr id="11" name="Group 10">
             <a:extLst>
               <a:ext uri="{FF2B5EF4-FFF2-40B4-BE49-F238E27FC236}">
-                <a16:creationId xmlns:a16="http://schemas.microsoft.com/office/drawing/2014/main" xmlns="" id="{8BE44616-44F6-4451-8A07-B3C7088A052B}"/>
+                <a16:creationId xmlns="" xmlns:a16="http://schemas.microsoft.com/office/drawing/2014/main" id="{8BE44616-44F6-4451-8A07-B3C7088A052B}"/>
               </a:ext>
             </a:extLst>
           </p:cNvPr>
@@ -6058,7 +6058,7 @@
             <p:cNvPr id="6" name="Oval 5">
               <a:extLst>
                 <a:ext uri="{FF2B5EF4-FFF2-40B4-BE49-F238E27FC236}">
-                  <a16:creationId xmlns:a16="http://schemas.microsoft.com/office/drawing/2014/main" xmlns="" id="{AE87FC1A-FD83-4F38-B6A7-7F1EE537344A}"/>
+                  <a16:creationId xmlns="" xmlns:a16="http://schemas.microsoft.com/office/drawing/2014/main" id="{AE87FC1A-FD83-4F38-B6A7-7F1EE537344A}"/>
                 </a:ext>
               </a:extLst>
             </p:cNvPr>
@@ -6110,7 +6110,7 @@
             <p:cNvPr id="8" name="Oval 7">
               <a:extLst>
                 <a:ext uri="{FF2B5EF4-FFF2-40B4-BE49-F238E27FC236}">
-                  <a16:creationId xmlns:a16="http://schemas.microsoft.com/office/drawing/2014/main" xmlns="" id="{3ED916CA-2918-47D8-963E-CFBEF553243E}"/>
+                  <a16:creationId xmlns="" xmlns:a16="http://schemas.microsoft.com/office/drawing/2014/main" id="{3ED916CA-2918-47D8-963E-CFBEF553243E}"/>
                 </a:ext>
               </a:extLst>
             </p:cNvPr>
@@ -6162,7 +6162,7 @@
             <p:cNvPr id="9" name="Oval 8">
               <a:extLst>
                 <a:ext uri="{FF2B5EF4-FFF2-40B4-BE49-F238E27FC236}">
-                  <a16:creationId xmlns:a16="http://schemas.microsoft.com/office/drawing/2014/main" xmlns="" id="{5063945D-6F54-44A1-9725-E7BD2467D8BE}"/>
+                  <a16:creationId xmlns="" xmlns:a16="http://schemas.microsoft.com/office/drawing/2014/main" id="{5063945D-6F54-44A1-9725-E7BD2467D8BE}"/>
                 </a:ext>
               </a:extLst>
             </p:cNvPr>
@@ -6214,7 +6214,7 @@
             <p:cNvPr id="10" name="Oval 9">
               <a:extLst>
                 <a:ext uri="{FF2B5EF4-FFF2-40B4-BE49-F238E27FC236}">
-                  <a16:creationId xmlns:a16="http://schemas.microsoft.com/office/drawing/2014/main" xmlns="" id="{1B708E8F-5207-4E94-BA4D-EA9207FEBAA7}"/>
+                  <a16:creationId xmlns="" xmlns:a16="http://schemas.microsoft.com/office/drawing/2014/main" id="{1B708E8F-5207-4E94-BA4D-EA9207FEBAA7}"/>
                 </a:ext>
               </a:extLst>
             </p:cNvPr>
@@ -6267,7 +6267,7 @@
           <p:cNvPr id="20" name="Picture Placeholder 19">
             <a:extLst>
               <a:ext uri="{FF2B5EF4-FFF2-40B4-BE49-F238E27FC236}">
-                <a16:creationId xmlns:a16="http://schemas.microsoft.com/office/drawing/2014/main" xmlns="" id="{0B382A9B-B5A1-4911-8990-5EAC07025794}"/>
+                <a16:creationId xmlns="" xmlns:a16="http://schemas.microsoft.com/office/drawing/2014/main" id="{0B382A9B-B5A1-4911-8990-5EAC07025794}"/>
               </a:ext>
             </a:extLst>
           </p:cNvPr>
@@ -6367,7 +6367,7 @@
           <p:cNvPr id="17" name="Footer Placeholder 3">
             <a:extLst>
               <a:ext uri="{FF2B5EF4-FFF2-40B4-BE49-F238E27FC236}">
-                <a16:creationId xmlns:a16="http://schemas.microsoft.com/office/drawing/2014/main" xmlns="" id="{1E5CD683-A132-4506-9D46-474D9A8A1230}"/>
+                <a16:creationId xmlns="" xmlns:a16="http://schemas.microsoft.com/office/drawing/2014/main" id="{1E5CD683-A132-4506-9D46-474D9A8A1230}"/>
               </a:ext>
             </a:extLst>
           </p:cNvPr>
@@ -6397,7 +6397,7 @@
           <p:cNvPr id="18" name="Slide Number Placeholder 4">
             <a:extLst>
               <a:ext uri="{FF2B5EF4-FFF2-40B4-BE49-F238E27FC236}">
-                <a16:creationId xmlns:a16="http://schemas.microsoft.com/office/drawing/2014/main" xmlns="" id="{382E09B3-E595-4045-9D9E-5DAD201BFC2C}"/>
+                <a16:creationId xmlns="" xmlns:a16="http://schemas.microsoft.com/office/drawing/2014/main" id="{382E09B3-E595-4045-9D9E-5DAD201BFC2C}"/>
               </a:ext>
             </a:extLst>
           </p:cNvPr>
@@ -6973,7 +6973,7 @@
           <p:cNvPr id="13" name="Rectangle 12">
             <a:extLst>
               <a:ext uri="{FF2B5EF4-FFF2-40B4-BE49-F238E27FC236}">
-                <a16:creationId xmlns:a16="http://schemas.microsoft.com/office/drawing/2014/main" xmlns="" id="{EE1D1380-BC28-F74F-8866-BD4C0AD42595}"/>
+                <a16:creationId xmlns="" xmlns:a16="http://schemas.microsoft.com/office/drawing/2014/main" id="{EE1D1380-BC28-F74F-8866-BD4C0AD42595}"/>
               </a:ext>
             </a:extLst>
           </p:cNvPr>
@@ -7041,7 +7041,7 @@
           <p:cNvPr id="10" name="Picture 9">
             <a:extLst>
               <a:ext uri="{FF2B5EF4-FFF2-40B4-BE49-F238E27FC236}">
-                <a16:creationId xmlns:a16="http://schemas.microsoft.com/office/drawing/2014/main" xmlns="" id="{B632F133-AC7B-4BFC-9A60-F9C1BF83B8C7}"/>
+                <a16:creationId xmlns="" xmlns:a16="http://schemas.microsoft.com/office/drawing/2014/main" id="{B632F133-AC7B-4BFC-9A60-F9C1BF83B8C7}"/>
               </a:ext>
             </a:extLst>
           </p:cNvPr>
@@ -7077,7 +7077,7 @@
           <p:cNvPr id="12" name="Title 17">
             <a:extLst>
               <a:ext uri="{FF2B5EF4-FFF2-40B4-BE49-F238E27FC236}">
-                <a16:creationId xmlns:a16="http://schemas.microsoft.com/office/drawing/2014/main" xmlns="" id="{4117CAFD-7974-40A0-B30C-AF63966E104E}"/>
+                <a16:creationId xmlns="" xmlns:a16="http://schemas.microsoft.com/office/drawing/2014/main" id="{4117CAFD-7974-40A0-B30C-AF63966E104E}"/>
               </a:ext>
             </a:extLst>
           </p:cNvPr>
@@ -7155,7 +7155,7 @@
           <p:cNvPr id="14" name="TextBox 3">
             <a:extLst>
               <a:ext uri="{FF2B5EF4-FFF2-40B4-BE49-F238E27FC236}">
-                <a16:creationId xmlns:a16="http://schemas.microsoft.com/office/drawing/2014/main" xmlns="" id="{CD9849B0-BCB0-4466-8FC9-5ADD342E24D4}"/>
+                <a16:creationId xmlns="" xmlns:a16="http://schemas.microsoft.com/office/drawing/2014/main" id="{CD9849B0-BCB0-4466-8FC9-5ADD342E24D4}"/>
               </a:ext>
             </a:extLst>
           </p:cNvPr>
@@ -7286,7 +7286,7 @@
           <p:cNvPr id="15" name="Picture Placeholder 21" descr="A picture containing person, suit, person, posing&#10;&#10;Description automatically generated">
             <a:extLst>
               <a:ext uri="{FF2B5EF4-FFF2-40B4-BE49-F238E27FC236}">
-                <a16:creationId xmlns:a16="http://schemas.microsoft.com/office/drawing/2014/main" xmlns="" id="{C8DDA278-417E-4992-A507-538AA285B1CA}"/>
+                <a16:creationId xmlns="" xmlns:a16="http://schemas.microsoft.com/office/drawing/2014/main" id="{C8DDA278-417E-4992-A507-538AA285B1CA}"/>
               </a:ext>
             </a:extLst>
           </p:cNvPr>
@@ -7374,7 +7374,7 @@
           <p:cNvPr id="16" name="Picture 15">
             <a:extLst>
               <a:ext uri="{FF2B5EF4-FFF2-40B4-BE49-F238E27FC236}">
-                <a16:creationId xmlns:a16="http://schemas.microsoft.com/office/drawing/2014/main" xmlns="" id="{5CD05779-92C9-4167-9FAF-2640F8D564D9}"/>
+                <a16:creationId xmlns="" xmlns:a16="http://schemas.microsoft.com/office/drawing/2014/main" id="{5CD05779-92C9-4167-9FAF-2640F8D564D9}"/>
               </a:ext>
             </a:extLst>
           </p:cNvPr>
@@ -7410,7 +7410,7 @@
           <p:cNvPr id="11" name="TextBox 10">
             <a:extLst>
               <a:ext uri="{FF2B5EF4-FFF2-40B4-BE49-F238E27FC236}">
-                <a16:creationId xmlns:a16="http://schemas.microsoft.com/office/drawing/2014/main" xmlns="" id="{48852948-6211-4F0A-ACA2-7ECFA7683A37}"/>
+                <a16:creationId xmlns="" xmlns:a16="http://schemas.microsoft.com/office/drawing/2014/main" id="{48852948-6211-4F0A-ACA2-7ECFA7683A37}"/>
               </a:ext>
             </a:extLst>
           </p:cNvPr>
@@ -7493,7 +7493,7 @@
           <p:cNvPr id="3" name="Picture 2">
             <a:extLst>
               <a:ext uri="{FF2B5EF4-FFF2-40B4-BE49-F238E27FC236}">
-                <a16:creationId xmlns:a16="http://schemas.microsoft.com/office/drawing/2014/main" xmlns="" id="{B632F133-AC7B-4BFC-9A60-F9C1BF83B8C7}"/>
+                <a16:creationId xmlns="" xmlns:a16="http://schemas.microsoft.com/office/drawing/2014/main" id="{B632F133-AC7B-4BFC-9A60-F9C1BF83B8C7}"/>
               </a:ext>
             </a:extLst>
           </p:cNvPr>
@@ -7529,7 +7529,7 @@
           <p:cNvPr id="4" name="TextBox 3">
             <a:extLst>
               <a:ext uri="{FF2B5EF4-FFF2-40B4-BE49-F238E27FC236}">
-                <a16:creationId xmlns:a16="http://schemas.microsoft.com/office/drawing/2014/main" xmlns="" id="{3D397016-664C-44ED-84CF-FEA6E3A54912}"/>
+                <a16:creationId xmlns="" xmlns:a16="http://schemas.microsoft.com/office/drawing/2014/main" id="{3D397016-664C-44ED-84CF-FEA6E3A54912}"/>
               </a:ext>
             </a:extLst>
           </p:cNvPr>
@@ -7575,7 +7575,7 @@
           <p:cNvPr id="5" name="TextBox 4">
             <a:extLst>
               <a:ext uri="{FF2B5EF4-FFF2-40B4-BE49-F238E27FC236}">
-                <a16:creationId xmlns:a16="http://schemas.microsoft.com/office/drawing/2014/main" xmlns="" id="{A5CC71F9-C09A-4860-98F4-CF360D096233}"/>
+                <a16:creationId xmlns="" xmlns:a16="http://schemas.microsoft.com/office/drawing/2014/main" id="{A5CC71F9-C09A-4860-98F4-CF360D096233}"/>
               </a:ext>
             </a:extLst>
           </p:cNvPr>
@@ -7669,7 +7669,7 @@
           <p:cNvPr id="6" name="TextBox 5">
             <a:extLst>
               <a:ext uri="{FF2B5EF4-FFF2-40B4-BE49-F238E27FC236}">
-                <a16:creationId xmlns:a16="http://schemas.microsoft.com/office/drawing/2014/main" xmlns="" id="{E515AEEE-9779-42A2-AFCA-734FDEC19A71}"/>
+                <a16:creationId xmlns="" xmlns:a16="http://schemas.microsoft.com/office/drawing/2014/main" id="{E515AEEE-9779-42A2-AFCA-734FDEC19A71}"/>
               </a:ext>
             </a:extLst>
           </p:cNvPr>
@@ -7734,7 +7734,7 @@
           <p:cNvPr id="3" name="Picture 2">
             <a:extLst>
               <a:ext uri="{FF2B5EF4-FFF2-40B4-BE49-F238E27FC236}">
-                <a16:creationId xmlns:a16="http://schemas.microsoft.com/office/drawing/2014/main" xmlns="" id="{B632F133-AC7B-4BFC-9A60-F9C1BF83B8C7}"/>
+                <a16:creationId xmlns="" xmlns:a16="http://schemas.microsoft.com/office/drawing/2014/main" id="{B632F133-AC7B-4BFC-9A60-F9C1BF83B8C7}"/>
               </a:ext>
             </a:extLst>
           </p:cNvPr>
@@ -7770,7 +7770,7 @@
           <p:cNvPr id="4" name="TextBox 3">
             <a:extLst>
               <a:ext uri="{FF2B5EF4-FFF2-40B4-BE49-F238E27FC236}">
-                <a16:creationId xmlns:a16="http://schemas.microsoft.com/office/drawing/2014/main" xmlns="" id="{3D397016-664C-44ED-84CF-FEA6E3A54912}"/>
+                <a16:creationId xmlns="" xmlns:a16="http://schemas.microsoft.com/office/drawing/2014/main" id="{3D397016-664C-44ED-84CF-FEA6E3A54912}"/>
               </a:ext>
             </a:extLst>
           </p:cNvPr>
@@ -7807,7 +7807,7 @@
           <p:cNvPr id="5" name="TextBox 4">
             <a:extLst>
               <a:ext uri="{FF2B5EF4-FFF2-40B4-BE49-F238E27FC236}">
-                <a16:creationId xmlns:a16="http://schemas.microsoft.com/office/drawing/2014/main" xmlns="" id="{A5CC71F9-C09A-4860-98F4-CF360D096233}"/>
+                <a16:creationId xmlns="" xmlns:a16="http://schemas.microsoft.com/office/drawing/2014/main" id="{A5CC71F9-C09A-4860-98F4-CF360D096233}"/>
               </a:ext>
             </a:extLst>
           </p:cNvPr>
@@ -7901,7 +7901,7 @@
           <p:cNvPr id="6" name="TextBox 5">
             <a:extLst>
               <a:ext uri="{FF2B5EF4-FFF2-40B4-BE49-F238E27FC236}">
-                <a16:creationId xmlns:a16="http://schemas.microsoft.com/office/drawing/2014/main" xmlns="" id="{E515AEEE-9779-42A2-AFCA-734FDEC19A71}"/>
+                <a16:creationId xmlns="" xmlns:a16="http://schemas.microsoft.com/office/drawing/2014/main" id="{E515AEEE-9779-42A2-AFCA-734FDEC19A71}"/>
               </a:ext>
             </a:extLst>
           </p:cNvPr>
@@ -7966,7 +7966,7 @@
           <p:cNvPr id="3" name="Slide Number Placeholder 2">
             <a:extLst>
               <a:ext uri="{FF2B5EF4-FFF2-40B4-BE49-F238E27FC236}">
-                <a16:creationId xmlns:a16="http://schemas.microsoft.com/office/drawing/2014/main" xmlns="" id="{FBF87C44-1FBE-4DAA-A7F9-A76EA593482A}"/>
+                <a16:creationId xmlns="" xmlns:a16="http://schemas.microsoft.com/office/drawing/2014/main" id="{FBF87C44-1FBE-4DAA-A7F9-A76EA593482A}"/>
               </a:ext>
             </a:extLst>
           </p:cNvPr>
@@ -8001,7 +8001,7 @@
           <p:cNvPr id="11" name="Picture Placeholder 10">
             <a:extLst>
               <a:ext uri="{FF2B5EF4-FFF2-40B4-BE49-F238E27FC236}">
-                <a16:creationId xmlns:a16="http://schemas.microsoft.com/office/drawing/2014/main" xmlns="" id="{69A8831E-7EB2-484A-9D01-F802C8B71C90}"/>
+                <a16:creationId xmlns="" xmlns:a16="http://schemas.microsoft.com/office/drawing/2014/main" id="{69A8831E-7EB2-484A-9D01-F802C8B71C90}"/>
               </a:ext>
             </a:extLst>
           </p:cNvPr>
@@ -8032,7 +8032,7 @@
           <p:cNvPr id="54" name="Freeform 6">
             <a:extLst>
               <a:ext uri="{FF2B5EF4-FFF2-40B4-BE49-F238E27FC236}">
-                <a16:creationId xmlns:a16="http://schemas.microsoft.com/office/drawing/2014/main" xmlns="" id="{7CEA75D0-6AAF-4DF6-A668-7EE782A30A1F}"/>
+                <a16:creationId xmlns="" xmlns:a16="http://schemas.microsoft.com/office/drawing/2014/main" id="{7CEA75D0-6AAF-4DF6-A668-7EE782A30A1F}"/>
               </a:ext>
             </a:extLst>
           </p:cNvPr>
@@ -8147,7 +8147,7 @@
           <p:cNvPr id="55" name="Freeform 6">
             <a:extLst>
               <a:ext uri="{FF2B5EF4-FFF2-40B4-BE49-F238E27FC236}">
-                <a16:creationId xmlns:a16="http://schemas.microsoft.com/office/drawing/2014/main" xmlns="" id="{8A72FFBC-FC4F-4574-BCE4-075EBD782D1B}"/>
+                <a16:creationId xmlns="" xmlns:a16="http://schemas.microsoft.com/office/drawing/2014/main" id="{8A72FFBC-FC4F-4574-BCE4-075EBD782D1B}"/>
               </a:ext>
             </a:extLst>
           </p:cNvPr>
@@ -8262,7 +8262,7 @@
           <p:cNvPr id="13" name="TextBox 12">
             <a:extLst>
               <a:ext uri="{FF2B5EF4-FFF2-40B4-BE49-F238E27FC236}">
-                <a16:creationId xmlns:a16="http://schemas.microsoft.com/office/drawing/2014/main" xmlns="" id="{0F67A00B-35E2-4D67-8B7B-F211152C2584}"/>
+                <a16:creationId xmlns="" xmlns:a16="http://schemas.microsoft.com/office/drawing/2014/main" id="{0F67A00B-35E2-4D67-8B7B-F211152C2584}"/>
               </a:ext>
             </a:extLst>
           </p:cNvPr>
@@ -8302,7 +8302,7 @@
           <p:cNvPr id="56" name="Rectangle 55">
             <a:extLst>
               <a:ext uri="{FF2B5EF4-FFF2-40B4-BE49-F238E27FC236}">
-                <a16:creationId xmlns:a16="http://schemas.microsoft.com/office/drawing/2014/main" xmlns="" id="{56D1A3A5-8C05-4459-89DF-E277F89F72B6}"/>
+                <a16:creationId xmlns="" xmlns:a16="http://schemas.microsoft.com/office/drawing/2014/main" id="{56D1A3A5-8C05-4459-89DF-E277F89F72B6}"/>
               </a:ext>
             </a:extLst>
           </p:cNvPr>
@@ -8342,7 +8342,7 @@
           <p:cNvPr id="57" name="Rectangle 56">
             <a:extLst>
               <a:ext uri="{FF2B5EF4-FFF2-40B4-BE49-F238E27FC236}">
-                <a16:creationId xmlns:a16="http://schemas.microsoft.com/office/drawing/2014/main" xmlns="" id="{0B5C7820-2097-40EE-8A3C-5CC9DEF512EB}"/>
+                <a16:creationId xmlns="" xmlns:a16="http://schemas.microsoft.com/office/drawing/2014/main" id="{0B5C7820-2097-40EE-8A3C-5CC9DEF512EB}"/>
               </a:ext>
             </a:extLst>
           </p:cNvPr>
@@ -8380,7 +8380,7 @@
           <p:cNvPr id="2" name="TextBox 1">
             <a:extLst>
               <a:ext uri="{FF2B5EF4-FFF2-40B4-BE49-F238E27FC236}">
-                <a16:creationId xmlns:a16="http://schemas.microsoft.com/office/drawing/2014/main" xmlns="" id="{811821F5-9F15-4420-A5A9-063F4D7930EB}"/>
+                <a16:creationId xmlns="" xmlns:a16="http://schemas.microsoft.com/office/drawing/2014/main" id="{811821F5-9F15-4420-A5A9-063F4D7930EB}"/>
               </a:ext>
             </a:extLst>
           </p:cNvPr>
@@ -8422,7 +8422,7 @@
           <p:cNvPr id="10" name="Picture 9">
             <a:extLst>
               <a:ext uri="{FF2B5EF4-FFF2-40B4-BE49-F238E27FC236}">
-                <a16:creationId xmlns:a16="http://schemas.microsoft.com/office/drawing/2014/main" xmlns="" id="{76507F6D-CAA6-4D86-8B9B-572298053C71}"/>
+                <a16:creationId xmlns="" xmlns:a16="http://schemas.microsoft.com/office/drawing/2014/main" id="{76507F6D-CAA6-4D86-8B9B-572298053C71}"/>
               </a:ext>
             </a:extLst>
           </p:cNvPr>
@@ -8488,7 +8488,7 @@
           <p:cNvPr id="3" name="Picture 2">
             <a:extLst>
               <a:ext uri="{FF2B5EF4-FFF2-40B4-BE49-F238E27FC236}">
-                <a16:creationId xmlns:a16="http://schemas.microsoft.com/office/drawing/2014/main" xmlns="" id="{B632F133-AC7B-4BFC-9A60-F9C1BF83B8C7}"/>
+                <a16:creationId xmlns="" xmlns:a16="http://schemas.microsoft.com/office/drawing/2014/main" id="{B632F133-AC7B-4BFC-9A60-F9C1BF83B8C7}"/>
               </a:ext>
             </a:extLst>
           </p:cNvPr>
@@ -8524,7 +8524,7 @@
           <p:cNvPr id="4" name="TextBox 3">
             <a:extLst>
               <a:ext uri="{FF2B5EF4-FFF2-40B4-BE49-F238E27FC236}">
-                <a16:creationId xmlns:a16="http://schemas.microsoft.com/office/drawing/2014/main" xmlns="" id="{3D397016-664C-44ED-84CF-FEA6E3A54912}"/>
+                <a16:creationId xmlns="" xmlns:a16="http://schemas.microsoft.com/office/drawing/2014/main" id="{3D397016-664C-44ED-84CF-FEA6E3A54912}"/>
               </a:ext>
             </a:extLst>
           </p:cNvPr>
@@ -8561,7 +8561,7 @@
           <p:cNvPr id="5" name="TextBox 4">
             <a:extLst>
               <a:ext uri="{FF2B5EF4-FFF2-40B4-BE49-F238E27FC236}">
-                <a16:creationId xmlns:a16="http://schemas.microsoft.com/office/drawing/2014/main" xmlns="" id="{A5CC71F9-C09A-4860-98F4-CF360D096233}"/>
+                <a16:creationId xmlns="" xmlns:a16="http://schemas.microsoft.com/office/drawing/2014/main" id="{A5CC71F9-C09A-4860-98F4-CF360D096233}"/>
               </a:ext>
             </a:extLst>
           </p:cNvPr>
@@ -8720,7 +8720,7 @@
           <p:cNvPr id="6" name="TextBox 5">
             <a:extLst>
               <a:ext uri="{FF2B5EF4-FFF2-40B4-BE49-F238E27FC236}">
-                <a16:creationId xmlns:a16="http://schemas.microsoft.com/office/drawing/2014/main" xmlns="" id="{E515AEEE-9779-42A2-AFCA-734FDEC19A71}"/>
+                <a16:creationId xmlns="" xmlns:a16="http://schemas.microsoft.com/office/drawing/2014/main" id="{E515AEEE-9779-42A2-AFCA-734FDEC19A71}"/>
               </a:ext>
             </a:extLst>
           </p:cNvPr>
@@ -8785,7 +8785,7 @@
           <p:cNvPr id="3" name="Picture 2">
             <a:extLst>
               <a:ext uri="{FF2B5EF4-FFF2-40B4-BE49-F238E27FC236}">
-                <a16:creationId xmlns:a16="http://schemas.microsoft.com/office/drawing/2014/main" xmlns="" id="{B632F133-AC7B-4BFC-9A60-F9C1BF83B8C7}"/>
+                <a16:creationId xmlns="" xmlns:a16="http://schemas.microsoft.com/office/drawing/2014/main" id="{B632F133-AC7B-4BFC-9A60-F9C1BF83B8C7}"/>
               </a:ext>
             </a:extLst>
           </p:cNvPr>
@@ -8821,7 +8821,7 @@
           <p:cNvPr id="4" name="TextBox 3">
             <a:extLst>
               <a:ext uri="{FF2B5EF4-FFF2-40B4-BE49-F238E27FC236}">
-                <a16:creationId xmlns:a16="http://schemas.microsoft.com/office/drawing/2014/main" xmlns="" id="{3D397016-664C-44ED-84CF-FEA6E3A54912}"/>
+                <a16:creationId xmlns="" xmlns:a16="http://schemas.microsoft.com/office/drawing/2014/main" id="{3D397016-664C-44ED-84CF-FEA6E3A54912}"/>
               </a:ext>
             </a:extLst>
           </p:cNvPr>
@@ -8858,7 +8858,7 @@
           <p:cNvPr id="5" name="TextBox 4">
             <a:extLst>
               <a:ext uri="{FF2B5EF4-FFF2-40B4-BE49-F238E27FC236}">
-                <a16:creationId xmlns:a16="http://schemas.microsoft.com/office/drawing/2014/main" xmlns="" id="{A5CC71F9-C09A-4860-98F4-CF360D096233}"/>
+                <a16:creationId xmlns="" xmlns:a16="http://schemas.microsoft.com/office/drawing/2014/main" id="{A5CC71F9-C09A-4860-98F4-CF360D096233}"/>
               </a:ext>
             </a:extLst>
           </p:cNvPr>
@@ -9025,7 +9025,7 @@
           <p:cNvPr id="6" name="TextBox 5">
             <a:extLst>
               <a:ext uri="{FF2B5EF4-FFF2-40B4-BE49-F238E27FC236}">
-                <a16:creationId xmlns:a16="http://schemas.microsoft.com/office/drawing/2014/main" xmlns="" id="{E515AEEE-9779-42A2-AFCA-734FDEC19A71}"/>
+                <a16:creationId xmlns="" xmlns:a16="http://schemas.microsoft.com/office/drawing/2014/main" id="{E515AEEE-9779-42A2-AFCA-734FDEC19A71}"/>
               </a:ext>
             </a:extLst>
           </p:cNvPr>
@@ -9090,7 +9090,7 @@
           <p:cNvPr id="3" name="Picture 2">
             <a:extLst>
               <a:ext uri="{FF2B5EF4-FFF2-40B4-BE49-F238E27FC236}">
-                <a16:creationId xmlns:a16="http://schemas.microsoft.com/office/drawing/2014/main" xmlns="" id="{B632F133-AC7B-4BFC-9A60-F9C1BF83B8C7}"/>
+                <a16:creationId xmlns="" xmlns:a16="http://schemas.microsoft.com/office/drawing/2014/main" id="{B632F133-AC7B-4BFC-9A60-F9C1BF83B8C7}"/>
               </a:ext>
             </a:extLst>
           </p:cNvPr>
@@ -9126,7 +9126,7 @@
           <p:cNvPr id="4" name="TextBox 3">
             <a:extLst>
               <a:ext uri="{FF2B5EF4-FFF2-40B4-BE49-F238E27FC236}">
-                <a16:creationId xmlns:a16="http://schemas.microsoft.com/office/drawing/2014/main" xmlns="" id="{3D397016-664C-44ED-84CF-FEA6E3A54912}"/>
+                <a16:creationId xmlns="" xmlns:a16="http://schemas.microsoft.com/office/drawing/2014/main" id="{3D397016-664C-44ED-84CF-FEA6E3A54912}"/>
               </a:ext>
             </a:extLst>
           </p:cNvPr>
@@ -9163,7 +9163,7 @@
           <p:cNvPr id="5" name="TextBox 4">
             <a:extLst>
               <a:ext uri="{FF2B5EF4-FFF2-40B4-BE49-F238E27FC236}">
-                <a16:creationId xmlns:a16="http://schemas.microsoft.com/office/drawing/2014/main" xmlns="" id="{A5CC71F9-C09A-4860-98F4-CF360D096233}"/>
+                <a16:creationId xmlns="" xmlns:a16="http://schemas.microsoft.com/office/drawing/2014/main" id="{A5CC71F9-C09A-4860-98F4-CF360D096233}"/>
               </a:ext>
             </a:extLst>
           </p:cNvPr>
@@ -9275,7 +9275,7 @@
           <p:cNvPr id="6" name="TextBox 5">
             <a:extLst>
               <a:ext uri="{FF2B5EF4-FFF2-40B4-BE49-F238E27FC236}">
-                <a16:creationId xmlns:a16="http://schemas.microsoft.com/office/drawing/2014/main" xmlns="" id="{E515AEEE-9779-42A2-AFCA-734FDEC19A71}"/>
+                <a16:creationId xmlns="" xmlns:a16="http://schemas.microsoft.com/office/drawing/2014/main" id="{E515AEEE-9779-42A2-AFCA-734FDEC19A71}"/>
               </a:ext>
             </a:extLst>
           </p:cNvPr>
@@ -9340,7 +9340,7 @@
           <p:cNvPr id="3" name="Picture 2">
             <a:extLst>
               <a:ext uri="{FF2B5EF4-FFF2-40B4-BE49-F238E27FC236}">
-                <a16:creationId xmlns:a16="http://schemas.microsoft.com/office/drawing/2014/main" xmlns="" id="{B632F133-AC7B-4BFC-9A60-F9C1BF83B8C7}"/>
+                <a16:creationId xmlns="" xmlns:a16="http://schemas.microsoft.com/office/drawing/2014/main" id="{B632F133-AC7B-4BFC-9A60-F9C1BF83B8C7}"/>
               </a:ext>
             </a:extLst>
           </p:cNvPr>
@@ -9376,7 +9376,7 @@
           <p:cNvPr id="4" name="TextBox 3">
             <a:extLst>
               <a:ext uri="{FF2B5EF4-FFF2-40B4-BE49-F238E27FC236}">
-                <a16:creationId xmlns:a16="http://schemas.microsoft.com/office/drawing/2014/main" xmlns="" id="{3D397016-664C-44ED-84CF-FEA6E3A54912}"/>
+                <a16:creationId xmlns="" xmlns:a16="http://schemas.microsoft.com/office/drawing/2014/main" id="{3D397016-664C-44ED-84CF-FEA6E3A54912}"/>
               </a:ext>
             </a:extLst>
           </p:cNvPr>
@@ -9413,7 +9413,7 @@
           <p:cNvPr id="5" name="TextBox 4">
             <a:extLst>
               <a:ext uri="{FF2B5EF4-FFF2-40B4-BE49-F238E27FC236}">
-                <a16:creationId xmlns:a16="http://schemas.microsoft.com/office/drawing/2014/main" xmlns="" id="{A5CC71F9-C09A-4860-98F4-CF360D096233}"/>
+                <a16:creationId xmlns="" xmlns:a16="http://schemas.microsoft.com/office/drawing/2014/main" id="{A5CC71F9-C09A-4860-98F4-CF360D096233}"/>
               </a:ext>
             </a:extLst>
           </p:cNvPr>
@@ -9570,7 +9570,7 @@
           <p:cNvPr id="6" name="TextBox 5">
             <a:extLst>
               <a:ext uri="{FF2B5EF4-FFF2-40B4-BE49-F238E27FC236}">
-                <a16:creationId xmlns:a16="http://schemas.microsoft.com/office/drawing/2014/main" xmlns="" id="{E515AEEE-9779-42A2-AFCA-734FDEC19A71}"/>
+                <a16:creationId xmlns="" xmlns:a16="http://schemas.microsoft.com/office/drawing/2014/main" id="{E515AEEE-9779-42A2-AFCA-734FDEC19A71}"/>
               </a:ext>
             </a:extLst>
           </p:cNvPr>
@@ -9635,7 +9635,7 @@
           <p:cNvPr id="3" name="Picture 2">
             <a:extLst>
               <a:ext uri="{FF2B5EF4-FFF2-40B4-BE49-F238E27FC236}">
-                <a16:creationId xmlns:a16="http://schemas.microsoft.com/office/drawing/2014/main" xmlns="" id="{B632F133-AC7B-4BFC-9A60-F9C1BF83B8C7}"/>
+                <a16:creationId xmlns="" xmlns:a16="http://schemas.microsoft.com/office/drawing/2014/main" id="{B632F133-AC7B-4BFC-9A60-F9C1BF83B8C7}"/>
               </a:ext>
             </a:extLst>
           </p:cNvPr>
@@ -9671,7 +9671,7 @@
           <p:cNvPr id="4" name="TextBox 3">
             <a:extLst>
               <a:ext uri="{FF2B5EF4-FFF2-40B4-BE49-F238E27FC236}">
-                <a16:creationId xmlns:a16="http://schemas.microsoft.com/office/drawing/2014/main" xmlns="" id="{3D397016-664C-44ED-84CF-FEA6E3A54912}"/>
+                <a16:creationId xmlns="" xmlns:a16="http://schemas.microsoft.com/office/drawing/2014/main" id="{3D397016-664C-44ED-84CF-FEA6E3A54912}"/>
               </a:ext>
             </a:extLst>
           </p:cNvPr>
@@ -9708,7 +9708,7 @@
           <p:cNvPr id="5" name="TextBox 4">
             <a:extLst>
               <a:ext uri="{FF2B5EF4-FFF2-40B4-BE49-F238E27FC236}">
-                <a16:creationId xmlns:a16="http://schemas.microsoft.com/office/drawing/2014/main" xmlns="" id="{A5CC71F9-C09A-4860-98F4-CF360D096233}"/>
+                <a16:creationId xmlns="" xmlns:a16="http://schemas.microsoft.com/office/drawing/2014/main" id="{A5CC71F9-C09A-4860-98F4-CF360D096233}"/>
               </a:ext>
             </a:extLst>
           </p:cNvPr>
@@ -9828,7 +9828,7 @@
           <p:cNvPr id="6" name="TextBox 5">
             <a:extLst>
               <a:ext uri="{FF2B5EF4-FFF2-40B4-BE49-F238E27FC236}">
-                <a16:creationId xmlns:a16="http://schemas.microsoft.com/office/drawing/2014/main" xmlns="" id="{E515AEEE-9779-42A2-AFCA-734FDEC19A71}"/>
+                <a16:creationId xmlns="" xmlns:a16="http://schemas.microsoft.com/office/drawing/2014/main" id="{E515AEEE-9779-42A2-AFCA-734FDEC19A71}"/>
               </a:ext>
             </a:extLst>
           </p:cNvPr>
@@ -9893,7 +9893,7 @@
           <p:cNvPr id="3" name="Picture 2">
             <a:extLst>
               <a:ext uri="{FF2B5EF4-FFF2-40B4-BE49-F238E27FC236}">
-                <a16:creationId xmlns:a16="http://schemas.microsoft.com/office/drawing/2014/main" xmlns="" id="{B632F133-AC7B-4BFC-9A60-F9C1BF83B8C7}"/>
+                <a16:creationId xmlns="" xmlns:a16="http://schemas.microsoft.com/office/drawing/2014/main" id="{B632F133-AC7B-4BFC-9A60-F9C1BF83B8C7}"/>
               </a:ext>
             </a:extLst>
           </p:cNvPr>
@@ -9929,7 +9929,7 @@
           <p:cNvPr id="4" name="TextBox 3">
             <a:extLst>
               <a:ext uri="{FF2B5EF4-FFF2-40B4-BE49-F238E27FC236}">
-                <a16:creationId xmlns:a16="http://schemas.microsoft.com/office/drawing/2014/main" xmlns="" id="{3D397016-664C-44ED-84CF-FEA6E3A54912}"/>
+                <a16:creationId xmlns="" xmlns:a16="http://schemas.microsoft.com/office/drawing/2014/main" id="{3D397016-664C-44ED-84CF-FEA6E3A54912}"/>
               </a:ext>
             </a:extLst>
           </p:cNvPr>
@@ -9966,7 +9966,7 @@
           <p:cNvPr id="5" name="TextBox 4">
             <a:extLst>
               <a:ext uri="{FF2B5EF4-FFF2-40B4-BE49-F238E27FC236}">
-                <a16:creationId xmlns:a16="http://schemas.microsoft.com/office/drawing/2014/main" xmlns="" id="{A5CC71F9-C09A-4860-98F4-CF360D096233}"/>
+                <a16:creationId xmlns="" xmlns:a16="http://schemas.microsoft.com/office/drawing/2014/main" id="{A5CC71F9-C09A-4860-98F4-CF360D096233}"/>
               </a:ext>
             </a:extLst>
           </p:cNvPr>
@@ -9976,7 +9976,7 @@
         <p:spPr>
           <a:xfrm>
             <a:off x="333772" y="980728"/>
-            <a:ext cx="10801200" cy="1477328"/>
+            <a:ext cx="10801200" cy="1200329"/>
           </a:xfrm>
           <a:prstGeom prst="rect">
             <a:avLst/>
@@ -10037,21 +10037,19 @@
                 <a:latin typeface="Calibri" panose="020F0502020204030204" pitchFamily="34" charset="0"/>
                 <a:cs typeface="Calibri" panose="020F0502020204030204" pitchFamily="34" charset="0"/>
               </a:rPr>
-              <a:t>Using template approach build Fiori Apps</a:t>
-            </a:r>
-          </a:p>
-          <a:p>
-            <a:pPr marL="285750" indent="-285750">
-              <a:buFont typeface="Arial" panose="020B0604020202020204" pitchFamily="34" charset="0"/>
-              <a:buChar char="•"/>
-            </a:pPr>
-            <a:r>
-              <a:rPr lang="en-US" sz="1800" dirty="0">
+              <a:t>Using template approach build Fiori </a:t>
+            </a:r>
+            <a:r>
+              <a:rPr lang="en-US" sz="1800" dirty="0" smtClean="0">
                 <a:latin typeface="Calibri" panose="020F0502020204030204" pitchFamily="34" charset="0"/>
                 <a:cs typeface="Calibri" panose="020F0502020204030204" pitchFamily="34" charset="0"/>
               </a:rPr>
-              <a:t>Performing CRUDQ using Fiori App</a:t>
-            </a:r>
+              <a:t>Apps</a:t>
+            </a:r>
+            <a:endParaRPr lang="en-US" sz="1800" dirty="0">
+              <a:latin typeface="Calibri" panose="020F0502020204030204" pitchFamily="34" charset="0"/>
+              <a:cs typeface="Calibri" panose="020F0502020204030204" pitchFamily="34" charset="0"/>
+            </a:endParaRPr>
           </a:p>
         </p:txBody>
       </p:sp>
@@ -10060,7 +10058,7 @@
           <p:cNvPr id="6" name="TextBox 5">
             <a:extLst>
               <a:ext uri="{FF2B5EF4-FFF2-40B4-BE49-F238E27FC236}">
-                <a16:creationId xmlns:a16="http://schemas.microsoft.com/office/drawing/2014/main" xmlns="" id="{E515AEEE-9779-42A2-AFCA-734FDEC19A71}"/>
+                <a16:creationId xmlns="" xmlns:a16="http://schemas.microsoft.com/office/drawing/2014/main" id="{E515AEEE-9779-42A2-AFCA-734FDEC19A71}"/>
               </a:ext>
             </a:extLst>
           </p:cNvPr>
@@ -10125,7 +10123,7 @@
           <p:cNvPr id="3" name="Picture 2">
             <a:extLst>
               <a:ext uri="{FF2B5EF4-FFF2-40B4-BE49-F238E27FC236}">
-                <a16:creationId xmlns:a16="http://schemas.microsoft.com/office/drawing/2014/main" xmlns="" id="{B632F133-AC7B-4BFC-9A60-F9C1BF83B8C7}"/>
+                <a16:creationId xmlns="" xmlns:a16="http://schemas.microsoft.com/office/drawing/2014/main" id="{B632F133-AC7B-4BFC-9A60-F9C1BF83B8C7}"/>
               </a:ext>
             </a:extLst>
           </p:cNvPr>
@@ -10161,7 +10159,7 @@
           <p:cNvPr id="4" name="TextBox 3">
             <a:extLst>
               <a:ext uri="{FF2B5EF4-FFF2-40B4-BE49-F238E27FC236}">
-                <a16:creationId xmlns:a16="http://schemas.microsoft.com/office/drawing/2014/main" xmlns="" id="{3D397016-664C-44ED-84CF-FEA6E3A54912}"/>
+                <a16:creationId xmlns="" xmlns:a16="http://schemas.microsoft.com/office/drawing/2014/main" id="{3D397016-664C-44ED-84CF-FEA6E3A54912}"/>
               </a:ext>
             </a:extLst>
           </p:cNvPr>
@@ -10207,7 +10205,7 @@
           <p:cNvPr id="5" name="TextBox 4">
             <a:extLst>
               <a:ext uri="{FF2B5EF4-FFF2-40B4-BE49-F238E27FC236}">
-                <a16:creationId xmlns:a16="http://schemas.microsoft.com/office/drawing/2014/main" xmlns="" id="{A5CC71F9-C09A-4860-98F4-CF360D096233}"/>
+                <a16:creationId xmlns="" xmlns:a16="http://schemas.microsoft.com/office/drawing/2014/main" id="{A5CC71F9-C09A-4860-98F4-CF360D096233}"/>
               </a:ext>
             </a:extLst>
           </p:cNvPr>
@@ -10217,7 +10215,7 @@
         <p:spPr>
           <a:xfrm>
             <a:off x="333772" y="980728"/>
-            <a:ext cx="10801200" cy="2862322"/>
+            <a:ext cx="10801200" cy="1754326"/>
           </a:xfrm>
           <a:prstGeom prst="rect">
             <a:avLst/>
@@ -10235,24 +10233,18 @@
               <a:buChar char="•"/>
             </a:pPr>
             <a:r>
+              <a:rPr lang="en-US" sz="1800" dirty="0" smtClean="0">
+                <a:latin typeface="Calibri" panose="020F0502020204030204" pitchFamily="34" charset="0"/>
+                <a:cs typeface="Calibri" panose="020F0502020204030204" pitchFamily="34" charset="0"/>
+              </a:rPr>
+              <a:t>CDS </a:t>
+            </a:r>
+            <a:r>
               <a:rPr lang="en-US" sz="1800" dirty="0">
                 <a:latin typeface="Calibri" panose="020F0502020204030204" pitchFamily="34" charset="0"/>
                 <a:cs typeface="Calibri" panose="020F0502020204030204" pitchFamily="34" charset="0"/>
               </a:rPr>
-              <a:t>Working with Mass data using XML approach</a:t>
-            </a:r>
-          </a:p>
-          <a:p>
-            <a:pPr marL="285750" indent="-285750">
-              <a:buFont typeface="Arial" panose="020B0604020202020204" pitchFamily="34" charset="0"/>
-              <a:buChar char="•"/>
-            </a:pPr>
-            <a:r>
-              <a:rPr lang="en-US" sz="1800" dirty="0">
-                <a:latin typeface="Calibri" panose="020F0502020204030204" pitchFamily="34" charset="0"/>
-                <a:cs typeface="Calibri" panose="020F0502020204030204" pitchFamily="34" charset="0"/>
-              </a:rPr>
-              <a:t>CDS view basic</a:t>
+              <a:t>view basic</a:t>
             </a:r>
           </a:p>
           <a:p>
@@ -10291,36 +10283,15 @@
                 <a:latin typeface="Calibri" panose="020F0502020204030204" pitchFamily="34" charset="0"/>
                 <a:cs typeface="Calibri" panose="020F0502020204030204" pitchFamily="34" charset="0"/>
               </a:rPr>
-              <a:t>SADL Based OData using CDS</a:t>
-            </a:r>
-          </a:p>
-          <a:p>
-            <a:pPr marL="285750" indent="-285750">
-              <a:buFont typeface="Arial" panose="020B0604020202020204" pitchFamily="34" charset="0"/>
-              <a:buChar char="•"/>
-            </a:pPr>
-            <a:r>
-              <a:rPr lang="en-US" sz="1800" dirty="0">
+              <a:t>SADL Based OData using </a:t>
+            </a:r>
+            <a:r>
+              <a:rPr lang="en-US" sz="1800" dirty="0" smtClean="0">
                 <a:latin typeface="Calibri" panose="020F0502020204030204" pitchFamily="34" charset="0"/>
                 <a:cs typeface="Calibri" panose="020F0502020204030204" pitchFamily="34" charset="0"/>
               </a:rPr>
-              <a:t>SAP Standard OData Services – APIHUB</a:t>
-            </a:r>
-          </a:p>
-          <a:p>
-            <a:pPr marL="285750" indent="-285750">
-              <a:buFont typeface="Arial" panose="020B0604020202020204" pitchFamily="34" charset="0"/>
-              <a:buChar char="•"/>
-            </a:pPr>
-            <a:r>
-              <a:rPr lang="en-US" sz="1800" dirty="0">
-                <a:latin typeface="Calibri" panose="020F0502020204030204" pitchFamily="34" charset="0"/>
-                <a:cs typeface="Calibri" panose="020F0502020204030204" pitchFamily="34" charset="0"/>
-              </a:rPr>
-              <a:t>Extend Standard OData Services</a:t>
-            </a:r>
-          </a:p>
-          <a:p>
+              <a:t>CDS</a:t>
+            </a:r>
             <a:endParaRPr lang="en-US" sz="1800" dirty="0">
               <a:latin typeface="Calibri" panose="020F0502020204030204" pitchFamily="34" charset="0"/>
               <a:cs typeface="Calibri" panose="020F0502020204030204" pitchFamily="34" charset="0"/>
@@ -10349,7 +10320,7 @@
           <p:cNvPr id="6" name="TextBox 5">
             <a:extLst>
               <a:ext uri="{FF2B5EF4-FFF2-40B4-BE49-F238E27FC236}">
-                <a16:creationId xmlns:a16="http://schemas.microsoft.com/office/drawing/2014/main" xmlns="" id="{E515AEEE-9779-42A2-AFCA-734FDEC19A71}"/>
+                <a16:creationId xmlns="" xmlns:a16="http://schemas.microsoft.com/office/drawing/2014/main" id="{E515AEEE-9779-42A2-AFCA-734FDEC19A71}"/>
               </a:ext>
             </a:extLst>
           </p:cNvPr>
@@ -10414,7 +10385,7 @@
           <p:cNvPr id="3" name="Picture 2">
             <a:extLst>
               <a:ext uri="{FF2B5EF4-FFF2-40B4-BE49-F238E27FC236}">
-                <a16:creationId xmlns:a16="http://schemas.microsoft.com/office/drawing/2014/main" xmlns="" id="{B632F133-AC7B-4BFC-9A60-F9C1BF83B8C7}"/>
+                <a16:creationId xmlns="" xmlns:a16="http://schemas.microsoft.com/office/drawing/2014/main" id="{B632F133-AC7B-4BFC-9A60-F9C1BF83B8C7}"/>
               </a:ext>
             </a:extLst>
           </p:cNvPr>
@@ -10450,7 +10421,7 @@
           <p:cNvPr id="4" name="TextBox 3">
             <a:extLst>
               <a:ext uri="{FF2B5EF4-FFF2-40B4-BE49-F238E27FC236}">
-                <a16:creationId xmlns:a16="http://schemas.microsoft.com/office/drawing/2014/main" xmlns="" id="{3D397016-664C-44ED-84CF-FEA6E3A54912}"/>
+                <a16:creationId xmlns="" xmlns:a16="http://schemas.microsoft.com/office/drawing/2014/main" id="{3D397016-664C-44ED-84CF-FEA6E3A54912}"/>
               </a:ext>
             </a:extLst>
           </p:cNvPr>
@@ -10496,7 +10467,7 @@
           <p:cNvPr id="6" name="TextBox 5">
             <a:extLst>
               <a:ext uri="{FF2B5EF4-FFF2-40B4-BE49-F238E27FC236}">
-                <a16:creationId xmlns:a16="http://schemas.microsoft.com/office/drawing/2014/main" xmlns="" id="{E515AEEE-9779-42A2-AFCA-734FDEC19A71}"/>
+                <a16:creationId xmlns="" xmlns:a16="http://schemas.microsoft.com/office/drawing/2014/main" id="{E515AEEE-9779-42A2-AFCA-734FDEC19A71}"/>
               </a:ext>
             </a:extLst>
           </p:cNvPr>
@@ -10531,7 +10502,7 @@
           <p:cNvPr id="7" name="TextBox 6">
             <a:extLst>
               <a:ext uri="{FF2B5EF4-FFF2-40B4-BE49-F238E27FC236}">
-                <a16:creationId xmlns:a16="http://schemas.microsoft.com/office/drawing/2014/main" xmlns="" id="{A5CC71F9-C09A-4860-98F4-CF360D096233}"/>
+                <a16:creationId xmlns="" xmlns:a16="http://schemas.microsoft.com/office/drawing/2014/main" id="{A5CC71F9-C09A-4860-98F4-CF360D096233}"/>
               </a:ext>
             </a:extLst>
           </p:cNvPr>

--- a/OData Agenda.pptx
+++ b/OData Agenda.pptx
@@ -232,7 +232,7 @@
             <a:fld id="{7AB488F7-1FAC-40D2-BB7E-BA3CE28D8950}" type="datetimeFigureOut">
               <a:rPr lang="en-US" smtClean="0"/>
               <a:pPr/>
-              <a:t>9/28/2021</a:t>
+              <a:t>9/29/2021</a:t>
             </a:fld>
             <a:endParaRPr lang="en-US"/>
           </a:p>
@@ -4228,7 +4228,7 @@
             <a:fld id="{425404F2-BE9A-4460-8815-8F645183555F}" type="datetimeFigureOut">
               <a:rPr lang="en-US" smtClean="0"/>
               <a:pPr/>
-              <a:t>9/28/2021</a:t>
+              <a:t>9/29/2021</a:t>
             </a:fld>
             <a:endParaRPr lang="en-US"/>
           </a:p>
@@ -7585,7 +7585,7 @@
         <p:spPr>
           <a:xfrm>
             <a:off x="621804" y="851222"/>
-            <a:ext cx="10801200" cy="1477328"/>
+            <a:ext cx="10801200" cy="1754326"/>
           </a:xfrm>
           <a:prstGeom prst="rect">
             <a:avLst/>
@@ -7607,7 +7607,45 @@
                 <a:latin typeface="Calibri" panose="020F0502020204030204" pitchFamily="34" charset="0"/>
                 <a:cs typeface="Calibri" panose="020F0502020204030204" pitchFamily="34" charset="0"/>
               </a:rPr>
-              <a:t>OData Security</a:t>
+              <a:t>SAC </a:t>
+            </a:r>
+            <a:r>
+              <a:rPr lang="en-US" sz="1800" dirty="0" smtClean="0">
+                <a:latin typeface="Calibri" panose="020F0502020204030204" pitchFamily="34" charset="0"/>
+                <a:cs typeface="Calibri" panose="020F0502020204030204" pitchFamily="34" charset="0"/>
+              </a:rPr>
+              <a:t>consumption</a:t>
+            </a:r>
+            <a:endParaRPr lang="en-US" sz="1800" dirty="0" smtClean="0">
+              <a:latin typeface="Calibri" panose="020F0502020204030204" pitchFamily="34" charset="0"/>
+              <a:cs typeface="Calibri" panose="020F0502020204030204" pitchFamily="34" charset="0"/>
+            </a:endParaRPr>
+          </a:p>
+          <a:p>
+            <a:pPr marL="285750" indent="-285750">
+              <a:buFont typeface="Arial" panose="020B0604020202020204" pitchFamily="34" charset="0"/>
+              <a:buChar char="•"/>
+            </a:pPr>
+            <a:r>
+              <a:rPr lang="en-US" sz="1800" dirty="0">
+                <a:latin typeface="Calibri" panose="020F0502020204030204" pitchFamily="34" charset="0"/>
+                <a:cs typeface="Calibri" panose="020F0502020204030204" pitchFamily="34" charset="0"/>
+              </a:rPr>
+              <a:t>O</a:t>
+            </a:r>
+            <a:r>
+              <a:rPr lang="en-US" sz="1800" dirty="0" smtClean="0">
+                <a:latin typeface="Calibri" panose="020F0502020204030204" pitchFamily="34" charset="0"/>
+                <a:cs typeface="Calibri" panose="020F0502020204030204" pitchFamily="34" charset="0"/>
+              </a:rPr>
+              <a:t>Data </a:t>
+            </a:r>
+            <a:r>
+              <a:rPr lang="en-US" sz="1800" dirty="0">
+                <a:latin typeface="Calibri" panose="020F0502020204030204" pitchFamily="34" charset="0"/>
+                <a:cs typeface="Calibri" panose="020F0502020204030204" pitchFamily="34" charset="0"/>
+              </a:rPr>
+              <a:t>Security</a:t>
             </a:r>
           </a:p>
           <a:p>
@@ -10512,7 +10550,7 @@
         <p:spPr>
           <a:xfrm>
             <a:off x="621804" y="851222"/>
-            <a:ext cx="10801200" cy="1200329"/>
+            <a:ext cx="10801200" cy="923330"/>
           </a:xfrm>
           <a:prstGeom prst="rect">
             <a:avLst/>
@@ -10548,19 +10586,6 @@
                 <a:cs typeface="Calibri" panose="020F0502020204030204" pitchFamily="34" charset="0"/>
               </a:rPr>
               <a:t>Building Fiori App</a:t>
-            </a:r>
-          </a:p>
-          <a:p>
-            <a:pPr marL="285750" indent="-285750">
-              <a:buFont typeface="Arial" panose="020B0604020202020204" pitchFamily="34" charset="0"/>
-              <a:buChar char="•"/>
-            </a:pPr>
-            <a:r>
-              <a:rPr lang="en-US" sz="1800" dirty="0">
-                <a:latin typeface="Calibri" panose="020F0502020204030204" pitchFamily="34" charset="0"/>
-                <a:cs typeface="Calibri" panose="020F0502020204030204" pitchFamily="34" charset="0"/>
-              </a:rPr>
-              <a:t>SAC consumption</a:t>
             </a:r>
           </a:p>
           <a:p>
